--- a/figures/fig.pptx
+++ b/figures/fig.pptx
@@ -8,6 +8,7 @@
     <p:sldId id="256" r:id="rId2"/>
     <p:sldId id="257" r:id="rId3"/>
     <p:sldId id="258" r:id="rId4"/>
+    <p:sldId id="259" r:id="rId5"/>
   </p:sldIdLst>
   <p:sldSz cx="12192000" cy="6858000"/>
   <p:notesSz cx="6858000" cy="9144000"/>
@@ -263,7 +264,7 @@
           <a:p>
             <a:fld id="{F2AAFE3D-A000-4E48-8FB2-BCF858431792}" type="datetimeFigureOut">
               <a:rPr lang="en-CN" smtClean="0"/>
-              <a:t>2023/8/15</a:t>
+              <a:t>2023/9/5</a:t>
             </a:fld>
             <a:endParaRPr lang="en-CN"/>
           </a:p>
@@ -463,7 +464,7 @@
           <a:p>
             <a:fld id="{F2AAFE3D-A000-4E48-8FB2-BCF858431792}" type="datetimeFigureOut">
               <a:rPr lang="en-CN" smtClean="0"/>
-              <a:t>2023/8/15</a:t>
+              <a:t>2023/9/5</a:t>
             </a:fld>
             <a:endParaRPr lang="en-CN"/>
           </a:p>
@@ -673,7 +674,7 @@
           <a:p>
             <a:fld id="{F2AAFE3D-A000-4E48-8FB2-BCF858431792}" type="datetimeFigureOut">
               <a:rPr lang="en-CN" smtClean="0"/>
-              <a:t>2023/8/15</a:t>
+              <a:t>2023/9/5</a:t>
             </a:fld>
             <a:endParaRPr lang="en-CN"/>
           </a:p>
@@ -873,7 +874,7 @@
           <a:p>
             <a:fld id="{F2AAFE3D-A000-4E48-8FB2-BCF858431792}" type="datetimeFigureOut">
               <a:rPr lang="en-CN" smtClean="0"/>
-              <a:t>2023/8/15</a:t>
+              <a:t>2023/9/5</a:t>
             </a:fld>
             <a:endParaRPr lang="en-CN"/>
           </a:p>
@@ -1149,7 +1150,7 @@
           <a:p>
             <a:fld id="{F2AAFE3D-A000-4E48-8FB2-BCF858431792}" type="datetimeFigureOut">
               <a:rPr lang="en-CN" smtClean="0"/>
-              <a:t>2023/8/15</a:t>
+              <a:t>2023/9/5</a:t>
             </a:fld>
             <a:endParaRPr lang="en-CN"/>
           </a:p>
@@ -1417,7 +1418,7 @@
           <a:p>
             <a:fld id="{F2AAFE3D-A000-4E48-8FB2-BCF858431792}" type="datetimeFigureOut">
               <a:rPr lang="en-CN" smtClean="0"/>
-              <a:t>2023/8/15</a:t>
+              <a:t>2023/9/5</a:t>
             </a:fld>
             <a:endParaRPr lang="en-CN"/>
           </a:p>
@@ -1832,7 +1833,7 @@
           <a:p>
             <a:fld id="{F2AAFE3D-A000-4E48-8FB2-BCF858431792}" type="datetimeFigureOut">
               <a:rPr lang="en-CN" smtClean="0"/>
-              <a:t>2023/8/15</a:t>
+              <a:t>2023/9/5</a:t>
             </a:fld>
             <a:endParaRPr lang="en-CN"/>
           </a:p>
@@ -1974,7 +1975,7 @@
           <a:p>
             <a:fld id="{F2AAFE3D-A000-4E48-8FB2-BCF858431792}" type="datetimeFigureOut">
               <a:rPr lang="en-CN" smtClean="0"/>
-              <a:t>2023/8/15</a:t>
+              <a:t>2023/9/5</a:t>
             </a:fld>
             <a:endParaRPr lang="en-CN"/>
           </a:p>
@@ -2087,7 +2088,7 @@
           <a:p>
             <a:fld id="{F2AAFE3D-A000-4E48-8FB2-BCF858431792}" type="datetimeFigureOut">
               <a:rPr lang="en-CN" smtClean="0"/>
-              <a:t>2023/8/15</a:t>
+              <a:t>2023/9/5</a:t>
             </a:fld>
             <a:endParaRPr lang="en-CN"/>
           </a:p>
@@ -2400,7 +2401,7 @@
           <a:p>
             <a:fld id="{F2AAFE3D-A000-4E48-8FB2-BCF858431792}" type="datetimeFigureOut">
               <a:rPr lang="en-CN" smtClean="0"/>
-              <a:t>2023/8/15</a:t>
+              <a:t>2023/9/5</a:t>
             </a:fld>
             <a:endParaRPr lang="en-CN"/>
           </a:p>
@@ -2689,7 +2690,7 @@
           <a:p>
             <a:fld id="{F2AAFE3D-A000-4E48-8FB2-BCF858431792}" type="datetimeFigureOut">
               <a:rPr lang="en-CN" smtClean="0"/>
-              <a:t>2023/8/15</a:t>
+              <a:t>2023/9/5</a:t>
             </a:fld>
             <a:endParaRPr lang="en-CN"/>
           </a:p>
@@ -2932,7 +2933,7 @@
           <a:p>
             <a:fld id="{F2AAFE3D-A000-4E48-8FB2-BCF858431792}" type="datetimeFigureOut">
               <a:rPr lang="en-CN" smtClean="0"/>
-              <a:t>2023/8/15</a:t>
+              <a:t>2023/9/5</a:t>
             </a:fld>
             <a:endParaRPr lang="en-CN"/>
           </a:p>
@@ -9031,6 +9032,1586 @@
 </p:sld>
 </file>
 
+<file path=ppt/slides/slide4.xml><?xml version="1.0" encoding="utf-8"?>
+<p:sld xmlns:a="http://schemas.openxmlformats.org/drawingml/2006/main" xmlns:r="http://schemas.openxmlformats.org/officeDocument/2006/relationships" xmlns:p="http://schemas.openxmlformats.org/presentationml/2006/main">
+  <p:cSld>
+    <p:spTree>
+      <p:nvGrpSpPr>
+        <p:cNvPr id="1" name=""/>
+        <p:cNvGrpSpPr/>
+        <p:nvPr/>
+      </p:nvGrpSpPr>
+      <p:grpSpPr>
+        <a:xfrm>
+          <a:off x="0" y="0"/>
+          <a:ext cx="0" cy="0"/>
+          <a:chOff x="0" y="0"/>
+          <a:chExt cx="0" cy="0"/>
+        </a:xfrm>
+      </p:grpSpPr>
+      <p:pic>
+        <p:nvPicPr>
+          <p:cNvPr id="5" name="Picture 4">
+            <a:extLst>
+              <a:ext uri="{FF2B5EF4-FFF2-40B4-BE49-F238E27FC236}">
+                <a16:creationId xmlns:a16="http://schemas.microsoft.com/office/drawing/2014/main" id="{456FB37A-2827-1189-33F8-AC7502923D70}"/>
+              </a:ext>
+            </a:extLst>
+          </p:cNvPr>
+          <p:cNvPicPr>
+            <a:picLocks noChangeAspect="1"/>
+          </p:cNvPicPr>
+          <p:nvPr/>
+        </p:nvPicPr>
+        <p:blipFill>
+          <a:blip r:embed="rId2"/>
+          <a:stretch>
+            <a:fillRect/>
+          </a:stretch>
+        </p:blipFill>
+        <p:spPr>
+          <a:xfrm>
+            <a:off x="0" y="5898403"/>
+            <a:ext cx="6553200" cy="4546600"/>
+          </a:xfrm>
+          <a:prstGeom prst="rect">
+            <a:avLst/>
+          </a:prstGeom>
+        </p:spPr>
+      </p:pic>
+      <p:pic>
+        <p:nvPicPr>
+          <p:cNvPr id="7" name="Picture 6">
+            <a:extLst>
+              <a:ext uri="{FF2B5EF4-FFF2-40B4-BE49-F238E27FC236}">
+                <a16:creationId xmlns:a16="http://schemas.microsoft.com/office/drawing/2014/main" id="{AD01F030-D646-02E9-79B6-FBC114A0DAD5}"/>
+              </a:ext>
+            </a:extLst>
+          </p:cNvPr>
+          <p:cNvPicPr>
+            <a:picLocks noChangeAspect="1"/>
+          </p:cNvPicPr>
+          <p:nvPr/>
+        </p:nvPicPr>
+        <p:blipFill>
+          <a:blip r:embed="rId3"/>
+          <a:stretch>
+            <a:fillRect/>
+          </a:stretch>
+        </p:blipFill>
+        <p:spPr>
+          <a:xfrm>
+            <a:off x="-5912597" y="2774203"/>
+            <a:ext cx="5549900" cy="5397500"/>
+          </a:xfrm>
+          <a:prstGeom prst="rect">
+            <a:avLst/>
+          </a:prstGeom>
+        </p:spPr>
+      </p:pic>
+      <p:pic>
+        <p:nvPicPr>
+          <p:cNvPr id="9" name="Picture 8">
+            <a:extLst>
+              <a:ext uri="{FF2B5EF4-FFF2-40B4-BE49-F238E27FC236}">
+                <a16:creationId xmlns:a16="http://schemas.microsoft.com/office/drawing/2014/main" id="{30547C5E-05F0-449A-47FE-C9125C6D7B10}"/>
+              </a:ext>
+            </a:extLst>
+          </p:cNvPr>
+          <p:cNvPicPr>
+            <a:picLocks noChangeAspect="1"/>
+          </p:cNvPicPr>
+          <p:nvPr/>
+        </p:nvPicPr>
+        <p:blipFill>
+          <a:blip r:embed="rId4"/>
+          <a:stretch>
+            <a:fillRect/>
+          </a:stretch>
+        </p:blipFill>
+        <p:spPr>
+          <a:xfrm>
+            <a:off x="-5102225" y="-1275977"/>
+            <a:ext cx="5448300" cy="3098800"/>
+          </a:xfrm>
+          <a:prstGeom prst="rect">
+            <a:avLst/>
+          </a:prstGeom>
+        </p:spPr>
+      </p:pic>
+      <p:sp>
+        <p:nvSpPr>
+          <p:cNvPr id="10" name="Rectangle 9">
+            <a:extLst>
+              <a:ext uri="{FF2B5EF4-FFF2-40B4-BE49-F238E27FC236}">
+                <a16:creationId xmlns:a16="http://schemas.microsoft.com/office/drawing/2014/main" id="{473D68D9-3B6D-6A68-36FA-6702D2F2CBF8}"/>
+              </a:ext>
+            </a:extLst>
+          </p:cNvPr>
+          <p:cNvSpPr/>
+          <p:nvPr/>
+        </p:nvSpPr>
+        <p:spPr>
+          <a:xfrm>
+            <a:off x="829491" y="3754479"/>
+            <a:ext cx="5928412" cy="952923"/>
+          </a:xfrm>
+          <a:prstGeom prst="rect">
+            <a:avLst/>
+          </a:prstGeom>
+          <a:noFill/>
+          <a:ln w="15875" cap="flat" cmpd="sng" algn="ctr">
+            <a:solidFill>
+              <a:schemeClr val="dk1"/>
+            </a:solidFill>
+            <a:prstDash val="dash"/>
+            <a:round/>
+            <a:headEnd type="none" w="med" len="med"/>
+            <a:tailEnd type="none" w="med" len="med"/>
+          </a:ln>
+        </p:spPr>
+        <p:style>
+          <a:lnRef idx="0">
+            <a:scrgbClr r="0" g="0" b="0"/>
+          </a:lnRef>
+          <a:fillRef idx="0">
+            <a:scrgbClr r="0" g="0" b="0"/>
+          </a:fillRef>
+          <a:effectRef idx="0">
+            <a:scrgbClr r="0" g="0" b="0"/>
+          </a:effectRef>
+          <a:fontRef idx="minor">
+            <a:schemeClr val="dk1"/>
+          </a:fontRef>
+        </p:style>
+        <p:txBody>
+          <a:bodyPr rtlCol="0" anchor="ctr"/>
+          <a:lstStyle/>
+          <a:p>
+            <a:pPr algn="ctr"/>
+            <a:endParaRPr lang="en-CN" sz="1200"/>
+          </a:p>
+        </p:txBody>
+      </p:sp>
+      <p:sp>
+        <p:nvSpPr>
+          <p:cNvPr id="11" name="Rectangle 10">
+            <a:extLst>
+              <a:ext uri="{FF2B5EF4-FFF2-40B4-BE49-F238E27FC236}">
+                <a16:creationId xmlns:a16="http://schemas.microsoft.com/office/drawing/2014/main" id="{A92492DC-0FCA-47AC-5447-8174225DF9D9}"/>
+              </a:ext>
+            </a:extLst>
+          </p:cNvPr>
+          <p:cNvSpPr/>
+          <p:nvPr/>
+        </p:nvSpPr>
+        <p:spPr>
+          <a:xfrm>
+            <a:off x="7550912" y="2906182"/>
+            <a:ext cx="1505014" cy="428449"/>
+          </a:xfrm>
+          <a:prstGeom prst="rect">
+            <a:avLst/>
+          </a:prstGeom>
+          <a:solidFill>
+            <a:schemeClr val="dk1">
+              <a:alpha val="50000"/>
+            </a:schemeClr>
+          </a:solidFill>
+          <a:ln>
+            <a:noFill/>
+          </a:ln>
+        </p:spPr>
+        <p:style>
+          <a:lnRef idx="0">
+            <a:scrgbClr r="0" g="0" b="0"/>
+          </a:lnRef>
+          <a:fillRef idx="0">
+            <a:scrgbClr r="0" g="0" b="0"/>
+          </a:fillRef>
+          <a:effectRef idx="0">
+            <a:scrgbClr r="0" g="0" b="0"/>
+          </a:effectRef>
+          <a:fontRef idx="minor">
+            <a:schemeClr val="lt1"/>
+          </a:fontRef>
+        </p:style>
+        <p:txBody>
+          <a:bodyPr rtlCol="0" anchor="ctr"/>
+          <a:lstStyle/>
+          <a:p>
+            <a:pPr algn="ctr"/>
+            <a:r>
+              <a:rPr lang="en-US" sz="1200" dirty="0"/>
+              <a:t>B</a:t>
+            </a:r>
+            <a:r>
+              <a:rPr lang="en-CN" sz="1200" dirty="0"/>
+              <a:t>ackbone</a:t>
+            </a:r>
+          </a:p>
+          <a:p>
+            <a:pPr algn="ctr"/>
+            <a:r>
+              <a:rPr lang="en-US" sz="1200" dirty="0"/>
+              <a:t>W</a:t>
+            </a:r>
+            <a:r>
+              <a:rPr lang="en-CN" sz="1200" dirty="0"/>
+              <a:t>eights</a:t>
+            </a:r>
+          </a:p>
+        </p:txBody>
+      </p:sp>
+      <p:sp>
+        <p:nvSpPr>
+          <p:cNvPr id="12" name="Rectangle 11">
+            <a:extLst>
+              <a:ext uri="{FF2B5EF4-FFF2-40B4-BE49-F238E27FC236}">
+                <a16:creationId xmlns:a16="http://schemas.microsoft.com/office/drawing/2014/main" id="{11D160D9-5C4F-E204-BD07-4910624AA4DB}"/>
+              </a:ext>
+            </a:extLst>
+          </p:cNvPr>
+          <p:cNvSpPr/>
+          <p:nvPr/>
+        </p:nvSpPr>
+        <p:spPr>
+          <a:xfrm>
+            <a:off x="7584229" y="3523370"/>
+            <a:ext cx="1505015" cy="442129"/>
+          </a:xfrm>
+          <a:prstGeom prst="rect">
+            <a:avLst/>
+          </a:prstGeom>
+          <a:solidFill>
+            <a:schemeClr val="dk1">
+              <a:alpha val="50000"/>
+            </a:schemeClr>
+          </a:solidFill>
+          <a:ln>
+            <a:noFill/>
+          </a:ln>
+        </p:spPr>
+        <p:style>
+          <a:lnRef idx="0">
+            <a:scrgbClr r="0" g="0" b="0"/>
+          </a:lnRef>
+          <a:fillRef idx="0">
+            <a:scrgbClr r="0" g="0" b="0"/>
+          </a:fillRef>
+          <a:effectRef idx="0">
+            <a:scrgbClr r="0" g="0" b="0"/>
+          </a:effectRef>
+          <a:fontRef idx="minor">
+            <a:schemeClr val="lt1"/>
+          </a:fontRef>
+        </p:style>
+        <p:txBody>
+          <a:bodyPr rtlCol="0" anchor="ctr"/>
+          <a:lstStyle/>
+          <a:p>
+            <a:pPr algn="ctr"/>
+            <a:r>
+              <a:rPr lang="en-US" sz="1200" dirty="0"/>
+              <a:t>Classifier</a:t>
+            </a:r>
+            <a:r>
+              <a:rPr lang="en-CN" sz="1200" dirty="0"/>
+              <a:t> </a:t>
+            </a:r>
+            <a:r>
+              <a:rPr lang="en-US" sz="1200" dirty="0"/>
+              <a:t>w</a:t>
+            </a:r>
+            <a:r>
+              <a:rPr lang="en-CN" sz="1200" dirty="0"/>
+              <a:t>eights</a:t>
+            </a:r>
+          </a:p>
+        </p:txBody>
+      </p:sp>
+      <p:sp>
+        <p:nvSpPr>
+          <p:cNvPr id="13" name="Multidocument 12">
+            <a:extLst>
+              <a:ext uri="{FF2B5EF4-FFF2-40B4-BE49-F238E27FC236}">
+                <a16:creationId xmlns:a16="http://schemas.microsoft.com/office/drawing/2014/main" id="{EC8EF0B1-38A4-B63F-864E-B8CA9468657D}"/>
+              </a:ext>
+            </a:extLst>
+          </p:cNvPr>
+          <p:cNvSpPr/>
+          <p:nvPr/>
+        </p:nvSpPr>
+        <p:spPr>
+          <a:xfrm>
+            <a:off x="891982" y="3927793"/>
+            <a:ext cx="1028985" cy="695311"/>
+          </a:xfrm>
+          <a:prstGeom prst="flowChartMultidocument">
+            <a:avLst/>
+          </a:prstGeom>
+          <a:solidFill>
+            <a:schemeClr val="dk1">
+              <a:alpha val="50000"/>
+            </a:schemeClr>
+          </a:solidFill>
+          <a:ln>
+            <a:solidFill>
+              <a:schemeClr val="tx1"/>
+            </a:solidFill>
+          </a:ln>
+        </p:spPr>
+        <p:style>
+          <a:lnRef idx="0">
+            <a:scrgbClr r="0" g="0" b="0"/>
+          </a:lnRef>
+          <a:fillRef idx="0">
+            <a:scrgbClr r="0" g="0" b="0"/>
+          </a:fillRef>
+          <a:effectRef idx="0">
+            <a:scrgbClr r="0" g="0" b="0"/>
+          </a:effectRef>
+          <a:fontRef idx="minor">
+            <a:schemeClr val="lt1"/>
+          </a:fontRef>
+        </p:style>
+        <p:txBody>
+          <a:bodyPr rtlCol="0" anchor="ctr"/>
+          <a:lstStyle/>
+          <a:p>
+            <a:pPr algn="ctr"/>
+            <a:r>
+              <a:rPr lang="en-CN" sz="1200" dirty="0"/>
+              <a:t>Backbone Weights</a:t>
+            </a:r>
+          </a:p>
+        </p:txBody>
+      </p:sp>
+      <p:sp>
+        <p:nvSpPr>
+          <p:cNvPr id="14" name="Multidocument 13">
+            <a:extLst>
+              <a:ext uri="{FF2B5EF4-FFF2-40B4-BE49-F238E27FC236}">
+                <a16:creationId xmlns:a16="http://schemas.microsoft.com/office/drawing/2014/main" id="{E24F532D-0613-3A5C-72BE-C090F7FEDE2B}"/>
+              </a:ext>
+            </a:extLst>
+          </p:cNvPr>
+          <p:cNvSpPr/>
+          <p:nvPr/>
+        </p:nvSpPr>
+        <p:spPr>
+          <a:xfrm>
+            <a:off x="2034844" y="3927793"/>
+            <a:ext cx="1028985" cy="695311"/>
+          </a:xfrm>
+          <a:prstGeom prst="flowChartMultidocument">
+            <a:avLst/>
+          </a:prstGeom>
+          <a:solidFill>
+            <a:schemeClr val="dk1">
+              <a:alpha val="50000"/>
+            </a:schemeClr>
+          </a:solidFill>
+          <a:ln>
+            <a:solidFill>
+              <a:schemeClr val="tx1"/>
+            </a:solidFill>
+          </a:ln>
+        </p:spPr>
+        <p:style>
+          <a:lnRef idx="0">
+            <a:scrgbClr r="0" g="0" b="0"/>
+          </a:lnRef>
+          <a:fillRef idx="0">
+            <a:scrgbClr r="0" g="0" b="0"/>
+          </a:fillRef>
+          <a:effectRef idx="0">
+            <a:scrgbClr r="0" g="0" b="0"/>
+          </a:effectRef>
+          <a:fontRef idx="minor">
+            <a:schemeClr val="lt1"/>
+          </a:fontRef>
+        </p:style>
+        <p:txBody>
+          <a:bodyPr rtlCol="0" anchor="ctr"/>
+          <a:lstStyle/>
+          <a:p>
+            <a:pPr algn="ctr"/>
+            <a:r>
+              <a:rPr lang="en-CN" sz="1200" dirty="0"/>
+              <a:t>Classifier Weights</a:t>
+            </a:r>
+          </a:p>
+        </p:txBody>
+      </p:sp>
+      <p:sp>
+        <p:nvSpPr>
+          <p:cNvPr id="15" name="Rectangle 14">
+            <a:extLst>
+              <a:ext uri="{FF2B5EF4-FFF2-40B4-BE49-F238E27FC236}">
+                <a16:creationId xmlns:a16="http://schemas.microsoft.com/office/drawing/2014/main" id="{F94EC49F-132E-85BE-D7B3-CF4595167B93}"/>
+              </a:ext>
+            </a:extLst>
+          </p:cNvPr>
+          <p:cNvSpPr/>
+          <p:nvPr/>
+        </p:nvSpPr>
+        <p:spPr>
+          <a:xfrm>
+            <a:off x="829491" y="2449794"/>
+            <a:ext cx="5928412" cy="952923"/>
+          </a:xfrm>
+          <a:prstGeom prst="rect">
+            <a:avLst/>
+          </a:prstGeom>
+          <a:noFill/>
+          <a:ln w="15875" cap="flat" cmpd="sng" algn="ctr">
+            <a:solidFill>
+              <a:schemeClr val="dk1"/>
+            </a:solidFill>
+            <a:prstDash val="dash"/>
+            <a:round/>
+            <a:headEnd type="none" w="med" len="med"/>
+            <a:tailEnd type="none" w="med" len="med"/>
+          </a:ln>
+        </p:spPr>
+        <p:style>
+          <a:lnRef idx="0">
+            <a:scrgbClr r="0" g="0" b="0"/>
+          </a:lnRef>
+          <a:fillRef idx="0">
+            <a:scrgbClr r="0" g="0" b="0"/>
+          </a:fillRef>
+          <a:effectRef idx="0">
+            <a:scrgbClr r="0" g="0" b="0"/>
+          </a:effectRef>
+          <a:fontRef idx="minor">
+            <a:schemeClr val="dk1"/>
+          </a:fontRef>
+        </p:style>
+        <p:txBody>
+          <a:bodyPr rtlCol="0" anchor="ctr"/>
+          <a:lstStyle/>
+          <a:p>
+            <a:pPr algn="ctr"/>
+            <a:endParaRPr lang="en-CN" sz="1200"/>
+          </a:p>
+        </p:txBody>
+      </p:sp>
+      <p:sp>
+        <p:nvSpPr>
+          <p:cNvPr id="17" name="Rectangle 16">
+            <a:extLst>
+              <a:ext uri="{FF2B5EF4-FFF2-40B4-BE49-F238E27FC236}">
+                <a16:creationId xmlns:a16="http://schemas.microsoft.com/office/drawing/2014/main" id="{BBF24285-7B21-3A82-79E3-D72099FA2BDE}"/>
+              </a:ext>
+            </a:extLst>
+          </p:cNvPr>
+          <p:cNvSpPr/>
+          <p:nvPr/>
+        </p:nvSpPr>
+        <p:spPr>
+          <a:xfrm>
+            <a:off x="4452478" y="4315835"/>
+            <a:ext cx="1028986" cy="307270"/>
+          </a:xfrm>
+          <a:prstGeom prst="rect">
+            <a:avLst/>
+          </a:prstGeom>
+        </p:spPr>
+        <p:style>
+          <a:lnRef idx="2">
+            <a:schemeClr val="accent1">
+              <a:shade val="15000"/>
+            </a:schemeClr>
+          </a:lnRef>
+          <a:fillRef idx="1">
+            <a:schemeClr val="accent1"/>
+          </a:fillRef>
+          <a:effectRef idx="0">
+            <a:schemeClr val="accent1"/>
+          </a:effectRef>
+          <a:fontRef idx="minor">
+            <a:schemeClr val="lt1"/>
+          </a:fontRef>
+        </p:style>
+        <p:txBody>
+          <a:bodyPr rtlCol="0" anchor="ctr"/>
+          <a:lstStyle/>
+          <a:p>
+            <a:pPr algn="ctr"/>
+            <a:r>
+              <a:rPr lang="en-US" sz="1200" dirty="0"/>
+              <a:t>i</a:t>
+            </a:r>
+            <a:r>
+              <a:rPr lang="en-CN" sz="1200" dirty="0"/>
+              <a:t>nput</a:t>
+            </a:r>
+          </a:p>
+        </p:txBody>
+      </p:sp>
+      <p:sp>
+        <p:nvSpPr>
+          <p:cNvPr id="18" name="Rectangle 17">
+            <a:extLst>
+              <a:ext uri="{FF2B5EF4-FFF2-40B4-BE49-F238E27FC236}">
+                <a16:creationId xmlns:a16="http://schemas.microsoft.com/office/drawing/2014/main" id="{C0E8537F-1A11-D16A-6A34-FE51BB700406}"/>
+              </a:ext>
+            </a:extLst>
+          </p:cNvPr>
+          <p:cNvSpPr/>
+          <p:nvPr/>
+        </p:nvSpPr>
+        <p:spPr>
+          <a:xfrm>
+            <a:off x="4452483" y="3927793"/>
+            <a:ext cx="1028985" cy="303742"/>
+          </a:xfrm>
+          <a:prstGeom prst="rect">
+            <a:avLst/>
+          </a:prstGeom>
+        </p:spPr>
+        <p:style>
+          <a:lnRef idx="2">
+            <a:schemeClr val="accent1">
+              <a:shade val="15000"/>
+            </a:schemeClr>
+          </a:lnRef>
+          <a:fillRef idx="1">
+            <a:schemeClr val="accent1"/>
+          </a:fillRef>
+          <a:effectRef idx="0">
+            <a:schemeClr val="accent1"/>
+          </a:effectRef>
+          <a:fontRef idx="minor">
+            <a:schemeClr val="lt1"/>
+          </a:fontRef>
+        </p:style>
+        <p:txBody>
+          <a:bodyPr rtlCol="0" anchor="ctr"/>
+          <a:lstStyle/>
+          <a:p>
+            <a:pPr algn="ctr"/>
+            <a:r>
+              <a:rPr lang="en-US" sz="1200" dirty="0"/>
+              <a:t>output</a:t>
+            </a:r>
+            <a:endParaRPr lang="en-CN" sz="1200" dirty="0"/>
+          </a:p>
+        </p:txBody>
+      </p:sp>
+      <p:sp>
+        <p:nvSpPr>
+          <p:cNvPr id="19" name="Rectangle 18">
+            <a:extLst>
+              <a:ext uri="{FF2B5EF4-FFF2-40B4-BE49-F238E27FC236}">
+                <a16:creationId xmlns:a16="http://schemas.microsoft.com/office/drawing/2014/main" id="{AF94EC9C-1AEC-ACE4-076A-F4FDE19F1FA1}"/>
+              </a:ext>
+            </a:extLst>
+          </p:cNvPr>
+          <p:cNvSpPr/>
+          <p:nvPr/>
+        </p:nvSpPr>
+        <p:spPr>
+          <a:xfrm>
+            <a:off x="5611511" y="3927795"/>
+            <a:ext cx="1079989" cy="695309"/>
+          </a:xfrm>
+          <a:prstGeom prst="rect">
+            <a:avLst/>
+          </a:prstGeom>
+        </p:spPr>
+        <p:style>
+          <a:lnRef idx="2">
+            <a:schemeClr val="accent6">
+              <a:shade val="15000"/>
+            </a:schemeClr>
+          </a:lnRef>
+          <a:fillRef idx="1">
+            <a:schemeClr val="accent6"/>
+          </a:fillRef>
+          <a:effectRef idx="0">
+            <a:schemeClr val="accent6"/>
+          </a:effectRef>
+          <a:fontRef idx="minor">
+            <a:schemeClr val="lt1"/>
+          </a:fontRef>
+        </p:style>
+        <p:txBody>
+          <a:bodyPr rtlCol="0" anchor="ctr"/>
+          <a:lstStyle/>
+          <a:p>
+            <a:pPr algn="ctr"/>
+            <a:r>
+              <a:rPr lang="en-US" sz="1200" dirty="0"/>
+              <a:t>w/b icmt</a:t>
+            </a:r>
+            <a:endParaRPr lang="en-CN" sz="1200" dirty="0"/>
+          </a:p>
+        </p:txBody>
+      </p:sp>
+      <p:grpSp>
+        <p:nvGrpSpPr>
+          <p:cNvPr id="38" name="Group 37">
+            <a:extLst>
+              <a:ext uri="{FF2B5EF4-FFF2-40B4-BE49-F238E27FC236}">
+                <a16:creationId xmlns:a16="http://schemas.microsoft.com/office/drawing/2014/main" id="{511C73D8-3D63-8C76-F103-B24817A66D15}"/>
+              </a:ext>
+            </a:extLst>
+          </p:cNvPr>
+          <p:cNvGrpSpPr/>
+          <p:nvPr/>
+        </p:nvGrpSpPr>
+        <p:grpSpPr>
+          <a:xfrm>
+            <a:off x="3177706" y="3887356"/>
+            <a:ext cx="1274772" cy="729320"/>
+            <a:chOff x="3220913" y="3791404"/>
+            <a:chExt cx="1274772" cy="729320"/>
+          </a:xfrm>
+        </p:grpSpPr>
+        <p:sp>
+          <p:nvSpPr>
+            <p:cNvPr id="29" name="Rounded Rectangle 28">
+              <a:extLst>
+                <a:ext uri="{FF2B5EF4-FFF2-40B4-BE49-F238E27FC236}">
+                  <a16:creationId xmlns:a16="http://schemas.microsoft.com/office/drawing/2014/main" id="{41BF1648-945D-A669-2B8C-F008551E131B}"/>
+                </a:ext>
+              </a:extLst>
+            </p:cNvPr>
+            <p:cNvSpPr/>
+            <p:nvPr/>
+          </p:nvSpPr>
+          <p:spPr>
+            <a:xfrm>
+              <a:off x="3243659" y="3825414"/>
+              <a:ext cx="1121978" cy="695310"/>
+            </a:xfrm>
+            <a:prstGeom prst="roundRect">
+              <a:avLst/>
+            </a:prstGeom>
+            <a:solidFill>
+              <a:srgbClr val="7030A0">
+                <a:alpha val="50000"/>
+              </a:srgbClr>
+            </a:solidFill>
+            <a:ln>
+              <a:solidFill>
+                <a:schemeClr val="tx1"/>
+              </a:solidFill>
+            </a:ln>
+          </p:spPr>
+          <p:style>
+            <a:lnRef idx="0">
+              <a:scrgbClr r="0" g="0" b="0"/>
+            </a:lnRef>
+            <a:fillRef idx="0">
+              <a:scrgbClr r="0" g="0" b="0"/>
+            </a:fillRef>
+            <a:effectRef idx="0">
+              <a:scrgbClr r="0" g="0" b="0"/>
+            </a:effectRef>
+            <a:fontRef idx="minor">
+              <a:schemeClr val="lt1"/>
+            </a:fontRef>
+          </p:style>
+          <p:txBody>
+            <a:bodyPr rtlCol="0" anchor="ctr"/>
+            <a:lstStyle/>
+            <a:p>
+              <a:pPr algn="ctr"/>
+              <a:endParaRPr lang="en-CN" sz="1200" dirty="0"/>
+            </a:p>
+          </p:txBody>
+        </p:sp>
+        <p:sp>
+          <p:nvSpPr>
+            <p:cNvPr id="20" name="Rectangle 19">
+              <a:extLst>
+                <a:ext uri="{FF2B5EF4-FFF2-40B4-BE49-F238E27FC236}">
+                  <a16:creationId xmlns:a16="http://schemas.microsoft.com/office/drawing/2014/main" id="{1052ED9D-0E5E-E60F-2214-FD42A04FACB5}"/>
+                </a:ext>
+              </a:extLst>
+            </p:cNvPr>
+            <p:cNvSpPr/>
+            <p:nvPr/>
+          </p:nvSpPr>
+          <p:spPr>
+            <a:xfrm>
+              <a:off x="3313039" y="4077507"/>
+              <a:ext cx="983217" cy="307147"/>
+            </a:xfrm>
+            <a:prstGeom prst="rect">
+              <a:avLst/>
+            </a:prstGeom>
+          </p:spPr>
+          <p:style>
+            <a:lnRef idx="2">
+              <a:schemeClr val="accent6">
+                <a:shade val="15000"/>
+              </a:schemeClr>
+            </a:lnRef>
+            <a:fillRef idx="1">
+              <a:schemeClr val="accent6"/>
+            </a:fillRef>
+            <a:effectRef idx="0">
+              <a:schemeClr val="accent6"/>
+            </a:effectRef>
+            <a:fontRef idx="minor">
+              <a:schemeClr val="lt1"/>
+            </a:fontRef>
+          </p:style>
+          <p:txBody>
+            <a:bodyPr rtlCol="0" anchor="ctr"/>
+            <a:lstStyle/>
+            <a:p>
+              <a:pPr algn="ctr"/>
+              <a:r>
+                <a:rPr lang="en-US" sz="1200" dirty="0"/>
+                <a:t>dense input</a:t>
+              </a:r>
+              <a:endParaRPr lang="en-CN" sz="1200" dirty="0"/>
+            </a:p>
+          </p:txBody>
+        </p:sp>
+        <p:sp>
+          <p:nvSpPr>
+            <p:cNvPr id="37" name="TextBox 36">
+              <a:extLst>
+                <a:ext uri="{FF2B5EF4-FFF2-40B4-BE49-F238E27FC236}">
+                  <a16:creationId xmlns:a16="http://schemas.microsoft.com/office/drawing/2014/main" id="{45C0EACB-AF81-C7C3-0327-10F7D08DEA29}"/>
+                </a:ext>
+              </a:extLst>
+            </p:cNvPr>
+            <p:cNvSpPr txBox="1"/>
+            <p:nvPr/>
+          </p:nvSpPr>
+          <p:spPr>
+            <a:xfrm>
+              <a:off x="3220913" y="3791404"/>
+              <a:ext cx="1274772" cy="276999"/>
+            </a:xfrm>
+            <a:prstGeom prst="rect">
+              <a:avLst/>
+            </a:prstGeom>
+            <a:noFill/>
+          </p:spPr>
+          <p:txBody>
+            <a:bodyPr wrap="square">
+              <a:spAutoFit/>
+            </a:bodyPr>
+            <a:lstStyle/>
+            <a:p>
+              <a:r>
+                <a:rPr lang="en-CN" sz="1200" dirty="0">
+                  <a:solidFill>
+                    <a:schemeClr val="bg1"/>
+                  </a:solidFill>
+                </a:rPr>
+                <a:t>activations</a:t>
+              </a:r>
+              <a:endParaRPr lang="en-CN" sz="1100" dirty="0">
+                <a:solidFill>
+                  <a:schemeClr val="bg1"/>
+                </a:solidFill>
+              </a:endParaRPr>
+            </a:p>
+          </p:txBody>
+        </p:sp>
+      </p:grpSp>
+      <p:sp>
+        <p:nvSpPr>
+          <p:cNvPr id="39" name="Rounded Rectangle 38">
+            <a:extLst>
+              <a:ext uri="{FF2B5EF4-FFF2-40B4-BE49-F238E27FC236}">
+                <a16:creationId xmlns:a16="http://schemas.microsoft.com/office/drawing/2014/main" id="{91E8E9A4-24FE-58F7-2118-4DF1BF4192F5}"/>
+              </a:ext>
+            </a:extLst>
+          </p:cNvPr>
+          <p:cNvSpPr/>
+          <p:nvPr/>
+        </p:nvSpPr>
+        <p:spPr>
+          <a:xfrm>
+            <a:off x="891982" y="2629908"/>
+            <a:ext cx="4589482" cy="680157"/>
+          </a:xfrm>
+          <a:prstGeom prst="roundRect">
+            <a:avLst/>
+          </a:prstGeom>
+          <a:solidFill>
+            <a:schemeClr val="accent4">
+              <a:lumMod val="60000"/>
+              <a:lumOff val="40000"/>
+            </a:schemeClr>
+          </a:solidFill>
+        </p:spPr>
+        <p:style>
+          <a:lnRef idx="2">
+            <a:schemeClr val="accent1">
+              <a:shade val="15000"/>
+            </a:schemeClr>
+          </a:lnRef>
+          <a:fillRef idx="1">
+            <a:schemeClr val="accent1"/>
+          </a:fillRef>
+          <a:effectRef idx="0">
+            <a:schemeClr val="accent1"/>
+          </a:effectRef>
+          <a:fontRef idx="minor">
+            <a:schemeClr val="lt1"/>
+          </a:fontRef>
+        </p:style>
+        <p:txBody>
+          <a:bodyPr rtlCol="0" anchor="ctr"/>
+          <a:lstStyle/>
+          <a:p>
+            <a:pPr algn="ctr"/>
+            <a:r>
+              <a:rPr lang="en-US" sz="1200" dirty="0"/>
+              <a:t>i</a:t>
+            </a:r>
+            <a:r>
+              <a:rPr lang="en-CN" sz="1200" dirty="0"/>
+              <a:t>nference buffer</a:t>
+            </a:r>
+          </a:p>
+        </p:txBody>
+      </p:sp>
+      <p:sp>
+        <p:nvSpPr>
+          <p:cNvPr id="40" name="Rounded Rectangle 39">
+            <a:extLst>
+              <a:ext uri="{FF2B5EF4-FFF2-40B4-BE49-F238E27FC236}">
+                <a16:creationId xmlns:a16="http://schemas.microsoft.com/office/drawing/2014/main" id="{4A369CBB-838F-2E3A-7C47-AF5BD195F970}"/>
+              </a:ext>
+            </a:extLst>
+          </p:cNvPr>
+          <p:cNvSpPr/>
+          <p:nvPr/>
+        </p:nvSpPr>
+        <p:spPr>
+          <a:xfrm>
+            <a:off x="5611511" y="2623860"/>
+            <a:ext cx="1079990" cy="680157"/>
+          </a:xfrm>
+          <a:prstGeom prst="roundRect">
+            <a:avLst/>
+          </a:prstGeom>
+          <a:solidFill>
+            <a:schemeClr val="accent2">
+              <a:lumMod val="75000"/>
+            </a:schemeClr>
+          </a:solidFill>
+        </p:spPr>
+        <p:style>
+          <a:lnRef idx="2">
+            <a:schemeClr val="accent1">
+              <a:shade val="15000"/>
+            </a:schemeClr>
+          </a:lnRef>
+          <a:fillRef idx="1">
+            <a:schemeClr val="accent1"/>
+          </a:fillRef>
+          <a:effectRef idx="0">
+            <a:schemeClr val="accent1"/>
+          </a:effectRef>
+          <a:fontRef idx="minor">
+            <a:schemeClr val="lt1"/>
+          </a:fontRef>
+        </p:style>
+        <p:txBody>
+          <a:bodyPr rtlCol="0" anchor="ctr"/>
+          <a:lstStyle/>
+          <a:p>
+            <a:pPr algn="ctr"/>
+            <a:r>
+              <a:rPr lang="en-US" sz="1200" dirty="0"/>
+              <a:t>o</a:t>
+            </a:r>
+            <a:r>
+              <a:rPr lang="en-CN" sz="1200" dirty="0"/>
+              <a:t>t buffer</a:t>
+            </a:r>
+          </a:p>
+        </p:txBody>
+      </p:sp>
+      <p:sp>
+        <p:nvSpPr>
+          <p:cNvPr id="41" name="TextBox 40">
+            <a:extLst>
+              <a:ext uri="{FF2B5EF4-FFF2-40B4-BE49-F238E27FC236}">
+                <a16:creationId xmlns:a16="http://schemas.microsoft.com/office/drawing/2014/main" id="{9BFE30BA-AD88-3F28-529C-F6702DFEC00B}"/>
+              </a:ext>
+            </a:extLst>
+          </p:cNvPr>
+          <p:cNvSpPr txBox="1"/>
+          <p:nvPr/>
+        </p:nvSpPr>
+        <p:spPr>
+          <a:xfrm>
+            <a:off x="803824" y="2405718"/>
+            <a:ext cx="694421" cy="276999"/>
+          </a:xfrm>
+          <a:prstGeom prst="rect">
+            <a:avLst/>
+          </a:prstGeom>
+          <a:noFill/>
+        </p:spPr>
+        <p:txBody>
+          <a:bodyPr wrap="none" rtlCol="0">
+            <a:spAutoFit/>
+          </a:bodyPr>
+          <a:lstStyle/>
+          <a:p>
+            <a:r>
+              <a:rPr lang="en-CN" sz="1200" dirty="0"/>
+              <a:t>L1 Mem</a:t>
+            </a:r>
+          </a:p>
+        </p:txBody>
+      </p:sp>
+      <p:cxnSp>
+        <p:nvCxnSpPr>
+          <p:cNvPr id="42" name="Straight Arrow Connector 41">
+            <a:extLst>
+              <a:ext uri="{FF2B5EF4-FFF2-40B4-BE49-F238E27FC236}">
+                <a16:creationId xmlns:a16="http://schemas.microsoft.com/office/drawing/2014/main" id="{9C6FBDB4-55F4-ABB5-FB82-6F9F7D37F544}"/>
+              </a:ext>
+            </a:extLst>
+          </p:cNvPr>
+          <p:cNvCxnSpPr>
+            <a:cxnSpLocks/>
+            <a:stCxn id="13" idx="0"/>
+          </p:cNvCxnSpPr>
+          <p:nvPr/>
+        </p:nvCxnSpPr>
+        <p:spPr>
+          <a:xfrm flipV="1">
+            <a:off x="1477265" y="3304017"/>
+            <a:ext cx="0" cy="623776"/>
+          </a:xfrm>
+          <a:prstGeom prst="straightConnector1">
+            <a:avLst/>
+          </a:prstGeom>
+          <a:ln w="25400">
+            <a:headEnd type="triangle"/>
+            <a:tailEnd type="triangle"/>
+          </a:ln>
+        </p:spPr>
+        <p:style>
+          <a:lnRef idx="1">
+            <a:schemeClr val="dk1"/>
+          </a:lnRef>
+          <a:fillRef idx="0">
+            <a:schemeClr val="dk1"/>
+          </a:fillRef>
+          <a:effectRef idx="0">
+            <a:schemeClr val="dk1"/>
+          </a:effectRef>
+          <a:fontRef idx="minor">
+            <a:schemeClr val="tx1"/>
+          </a:fontRef>
+        </p:style>
+      </p:cxnSp>
+      <p:cxnSp>
+        <p:nvCxnSpPr>
+          <p:cNvPr id="45" name="Straight Arrow Connector 44">
+            <a:extLst>
+              <a:ext uri="{FF2B5EF4-FFF2-40B4-BE49-F238E27FC236}">
+                <a16:creationId xmlns:a16="http://schemas.microsoft.com/office/drawing/2014/main" id="{CAC81A2C-95A2-94C4-C51C-D0B8C9FF1D61}"/>
+              </a:ext>
+            </a:extLst>
+          </p:cNvPr>
+          <p:cNvCxnSpPr>
+            <a:cxnSpLocks/>
+            <a:stCxn id="14" idx="0"/>
+          </p:cNvCxnSpPr>
+          <p:nvPr/>
+        </p:nvCxnSpPr>
+        <p:spPr>
+          <a:xfrm flipV="1">
+            <a:off x="2620127" y="3304017"/>
+            <a:ext cx="0" cy="623776"/>
+          </a:xfrm>
+          <a:prstGeom prst="straightConnector1">
+            <a:avLst/>
+          </a:prstGeom>
+          <a:ln w="25400">
+            <a:headEnd type="triangle"/>
+            <a:tailEnd type="triangle"/>
+          </a:ln>
+        </p:spPr>
+        <p:style>
+          <a:lnRef idx="1">
+            <a:schemeClr val="dk1"/>
+          </a:lnRef>
+          <a:fillRef idx="0">
+            <a:schemeClr val="dk1"/>
+          </a:fillRef>
+          <a:effectRef idx="0">
+            <a:schemeClr val="dk1"/>
+          </a:effectRef>
+          <a:fontRef idx="minor">
+            <a:schemeClr val="tx1"/>
+          </a:fontRef>
+        </p:style>
+      </p:cxnSp>
+      <p:cxnSp>
+        <p:nvCxnSpPr>
+          <p:cNvPr id="46" name="Straight Arrow Connector 45">
+            <a:extLst>
+              <a:ext uri="{FF2B5EF4-FFF2-40B4-BE49-F238E27FC236}">
+                <a16:creationId xmlns:a16="http://schemas.microsoft.com/office/drawing/2014/main" id="{8D786D00-0813-24CD-A6F0-00FB4B9D89E5}"/>
+              </a:ext>
+            </a:extLst>
+          </p:cNvPr>
+          <p:cNvCxnSpPr>
+            <a:cxnSpLocks/>
+          </p:cNvCxnSpPr>
+          <p:nvPr/>
+        </p:nvCxnSpPr>
+        <p:spPr>
+          <a:xfrm flipV="1">
+            <a:off x="3642724" y="3304017"/>
+            <a:ext cx="0" cy="617349"/>
+          </a:xfrm>
+          <a:prstGeom prst="straightConnector1">
+            <a:avLst/>
+          </a:prstGeom>
+          <a:ln w="25400">
+            <a:headEnd type="triangle"/>
+            <a:tailEnd type="triangle"/>
+          </a:ln>
+        </p:spPr>
+        <p:style>
+          <a:lnRef idx="1">
+            <a:schemeClr val="dk1"/>
+          </a:lnRef>
+          <a:fillRef idx="0">
+            <a:schemeClr val="dk1"/>
+          </a:fillRef>
+          <a:effectRef idx="0">
+            <a:schemeClr val="dk1"/>
+          </a:effectRef>
+          <a:fontRef idx="minor">
+            <a:schemeClr val="tx1"/>
+          </a:fontRef>
+        </p:style>
+      </p:cxnSp>
+      <p:cxnSp>
+        <p:nvCxnSpPr>
+          <p:cNvPr id="75" name="Straight Arrow Connector 74">
+            <a:extLst>
+              <a:ext uri="{FF2B5EF4-FFF2-40B4-BE49-F238E27FC236}">
+                <a16:creationId xmlns:a16="http://schemas.microsoft.com/office/drawing/2014/main" id="{4C289341-2C2B-B77A-CE9A-9E3FA67F8CDC}"/>
+              </a:ext>
+            </a:extLst>
+          </p:cNvPr>
+          <p:cNvCxnSpPr>
+            <a:cxnSpLocks/>
+            <a:stCxn id="18" idx="0"/>
+          </p:cNvCxnSpPr>
+          <p:nvPr/>
+        </p:nvCxnSpPr>
+        <p:spPr>
+          <a:xfrm flipH="1" flipV="1">
+            <a:off x="4963207" y="3304017"/>
+            <a:ext cx="3769" cy="623776"/>
+          </a:xfrm>
+          <a:prstGeom prst="straightConnector1">
+            <a:avLst/>
+          </a:prstGeom>
+          <a:ln w="25400">
+            <a:headEnd type="triangle"/>
+            <a:tailEnd type="triangle"/>
+          </a:ln>
+        </p:spPr>
+        <p:style>
+          <a:lnRef idx="1">
+            <a:schemeClr val="dk1"/>
+          </a:lnRef>
+          <a:fillRef idx="0">
+            <a:schemeClr val="dk1"/>
+          </a:fillRef>
+          <a:effectRef idx="0">
+            <a:schemeClr val="dk1"/>
+          </a:effectRef>
+          <a:fontRef idx="minor">
+            <a:schemeClr val="tx1"/>
+          </a:fontRef>
+        </p:style>
+      </p:cxnSp>
+      <p:cxnSp>
+        <p:nvCxnSpPr>
+          <p:cNvPr id="76" name="Straight Arrow Connector 75">
+            <a:extLst>
+              <a:ext uri="{FF2B5EF4-FFF2-40B4-BE49-F238E27FC236}">
+                <a16:creationId xmlns:a16="http://schemas.microsoft.com/office/drawing/2014/main" id="{EC257B1C-AA56-F7E9-78DA-87AEE9B30631}"/>
+              </a:ext>
+            </a:extLst>
+          </p:cNvPr>
+          <p:cNvCxnSpPr>
+            <a:cxnSpLocks/>
+          </p:cNvCxnSpPr>
+          <p:nvPr/>
+        </p:nvCxnSpPr>
+        <p:spPr>
+          <a:xfrm flipV="1">
+            <a:off x="5266338" y="3308191"/>
+            <a:ext cx="0" cy="1007644"/>
+          </a:xfrm>
+          <a:prstGeom prst="straightConnector1">
+            <a:avLst/>
+          </a:prstGeom>
+          <a:ln w="25400">
+            <a:headEnd type="triangle"/>
+            <a:tailEnd type="triangle"/>
+          </a:ln>
+        </p:spPr>
+        <p:style>
+          <a:lnRef idx="1">
+            <a:schemeClr val="dk1"/>
+          </a:lnRef>
+          <a:fillRef idx="0">
+            <a:schemeClr val="dk1"/>
+          </a:fillRef>
+          <a:effectRef idx="0">
+            <a:schemeClr val="dk1"/>
+          </a:effectRef>
+          <a:fontRef idx="minor">
+            <a:schemeClr val="tx1"/>
+          </a:fontRef>
+        </p:style>
+      </p:cxnSp>
+      <p:cxnSp>
+        <p:nvCxnSpPr>
+          <p:cNvPr id="78" name="Straight Arrow Connector 77">
+            <a:extLst>
+              <a:ext uri="{FF2B5EF4-FFF2-40B4-BE49-F238E27FC236}">
+                <a16:creationId xmlns:a16="http://schemas.microsoft.com/office/drawing/2014/main" id="{1CEAE506-F01D-D15F-B7C8-6F3AD594D06B}"/>
+              </a:ext>
+            </a:extLst>
+          </p:cNvPr>
+          <p:cNvCxnSpPr>
+            <a:cxnSpLocks/>
+            <a:stCxn id="19" idx="0"/>
+            <a:endCxn id="40" idx="2"/>
+          </p:cNvCxnSpPr>
+          <p:nvPr/>
+        </p:nvCxnSpPr>
+        <p:spPr>
+          <a:xfrm flipV="1">
+            <a:off x="6151506" y="3304017"/>
+            <a:ext cx="0" cy="623778"/>
+          </a:xfrm>
+          <a:prstGeom prst="straightConnector1">
+            <a:avLst/>
+          </a:prstGeom>
+          <a:ln w="25400">
+            <a:headEnd type="triangle"/>
+            <a:tailEnd type="triangle"/>
+          </a:ln>
+        </p:spPr>
+        <p:style>
+          <a:lnRef idx="1">
+            <a:schemeClr val="dk1"/>
+          </a:lnRef>
+          <a:fillRef idx="0">
+            <a:schemeClr val="dk1"/>
+          </a:fillRef>
+          <a:effectRef idx="0">
+            <a:schemeClr val="dk1"/>
+          </a:effectRef>
+          <a:fontRef idx="minor">
+            <a:schemeClr val="tx1"/>
+          </a:fontRef>
+        </p:style>
+      </p:cxnSp>
+      <p:cxnSp>
+        <p:nvCxnSpPr>
+          <p:cNvPr id="81" name="Elbow Connector 80">
+            <a:extLst>
+              <a:ext uri="{FF2B5EF4-FFF2-40B4-BE49-F238E27FC236}">
+                <a16:creationId xmlns:a16="http://schemas.microsoft.com/office/drawing/2014/main" id="{5330762C-7F8B-DA57-0732-CEADA52AC24A}"/>
+              </a:ext>
+            </a:extLst>
+          </p:cNvPr>
+          <p:cNvCxnSpPr>
+            <a:cxnSpLocks/>
+            <a:stCxn id="20" idx="3"/>
+            <a:endCxn id="40" idx="1"/>
+          </p:cNvCxnSpPr>
+          <p:nvPr/>
+        </p:nvCxnSpPr>
+        <p:spPr>
+          <a:xfrm flipV="1">
+            <a:off x="4253049" y="2963939"/>
+            <a:ext cx="1358462" cy="1363094"/>
+          </a:xfrm>
+          <a:prstGeom prst="bentConnector3">
+            <a:avLst>
+              <a:gd name="adj1" fmla="val 10497"/>
+            </a:avLst>
+          </a:prstGeom>
+          <a:ln w="25400">
+            <a:solidFill>
+              <a:schemeClr val="tx1"/>
+            </a:solidFill>
+            <a:tailEnd type="triangle"/>
+          </a:ln>
+        </p:spPr>
+        <p:style>
+          <a:lnRef idx="1">
+            <a:schemeClr val="accent1"/>
+          </a:lnRef>
+          <a:fillRef idx="0">
+            <a:schemeClr val="accent1"/>
+          </a:fillRef>
+          <a:effectRef idx="0">
+            <a:schemeClr val="accent1"/>
+          </a:effectRef>
+          <a:fontRef idx="minor">
+            <a:schemeClr val="tx1"/>
+          </a:fontRef>
+        </p:style>
+      </p:cxnSp>
+      <p:sp>
+        <p:nvSpPr>
+          <p:cNvPr id="89" name="Rectangle 88">
+            <a:extLst>
+              <a:ext uri="{FF2B5EF4-FFF2-40B4-BE49-F238E27FC236}">
+                <a16:creationId xmlns:a16="http://schemas.microsoft.com/office/drawing/2014/main" id="{3A633AFB-1A5D-D8AE-9070-0F6A457BEEDF}"/>
+              </a:ext>
+            </a:extLst>
+          </p:cNvPr>
+          <p:cNvSpPr/>
+          <p:nvPr/>
+        </p:nvSpPr>
+        <p:spPr>
+          <a:xfrm>
+            <a:off x="829491" y="1703911"/>
+            <a:ext cx="3768635" cy="485540"/>
+          </a:xfrm>
+          <a:prstGeom prst="rect">
+            <a:avLst/>
+          </a:prstGeom>
+        </p:spPr>
+        <p:style>
+          <a:lnRef idx="2">
+            <a:schemeClr val="dk1"/>
+          </a:lnRef>
+          <a:fillRef idx="1">
+            <a:schemeClr val="lt1"/>
+          </a:fillRef>
+          <a:effectRef idx="0">
+            <a:schemeClr val="dk1"/>
+          </a:effectRef>
+          <a:fontRef idx="minor">
+            <a:schemeClr val="dk1"/>
+          </a:fontRef>
+        </p:style>
+        <p:txBody>
+          <a:bodyPr rtlCol="0" anchor="ctr"/>
+          <a:lstStyle/>
+          <a:p>
+            <a:pPr algn="ctr"/>
+            <a:r>
+              <a:rPr lang="en-US" sz="1200" dirty="0"/>
+              <a:t>I</a:t>
+            </a:r>
+            <a:r>
+              <a:rPr lang="en-CN" sz="1200" dirty="0"/>
+              <a:t>nference engine</a:t>
+            </a:r>
+          </a:p>
+        </p:txBody>
+      </p:sp>
+      <p:sp>
+        <p:nvSpPr>
+          <p:cNvPr id="90" name="Rectangle 89">
+            <a:extLst>
+              <a:ext uri="{FF2B5EF4-FFF2-40B4-BE49-F238E27FC236}">
+                <a16:creationId xmlns:a16="http://schemas.microsoft.com/office/drawing/2014/main" id="{2F9BA1CC-FEFE-2543-79EC-6D2D9B260D1D}"/>
+              </a:ext>
+            </a:extLst>
+          </p:cNvPr>
+          <p:cNvSpPr/>
+          <p:nvPr/>
+        </p:nvSpPr>
+        <p:spPr>
+          <a:xfrm>
+            <a:off x="4733979" y="1706967"/>
+            <a:ext cx="2023924" cy="487443"/>
+          </a:xfrm>
+          <a:prstGeom prst="rect">
+            <a:avLst/>
+          </a:prstGeom>
+          <a:solidFill>
+            <a:schemeClr val="accent2"/>
+          </a:solidFill>
+        </p:spPr>
+        <p:style>
+          <a:lnRef idx="2">
+            <a:schemeClr val="accent1">
+              <a:shade val="15000"/>
+            </a:schemeClr>
+          </a:lnRef>
+          <a:fillRef idx="1">
+            <a:schemeClr val="accent1"/>
+          </a:fillRef>
+          <a:effectRef idx="0">
+            <a:schemeClr val="accent1"/>
+          </a:effectRef>
+          <a:fontRef idx="minor">
+            <a:schemeClr val="lt1"/>
+          </a:fontRef>
+        </p:style>
+        <p:txBody>
+          <a:bodyPr rtlCol="0" anchor="ctr"/>
+          <a:lstStyle/>
+          <a:p>
+            <a:pPr algn="ctr"/>
+            <a:r>
+              <a:rPr lang="en-US" sz="1200" dirty="0"/>
+              <a:t>Online training engine</a:t>
+            </a:r>
+            <a:endParaRPr lang="en-CN" sz="1200" dirty="0"/>
+          </a:p>
+        </p:txBody>
+      </p:sp>
+      <p:cxnSp>
+        <p:nvCxnSpPr>
+          <p:cNvPr id="91" name="Straight Arrow Connector 90">
+            <a:extLst>
+              <a:ext uri="{FF2B5EF4-FFF2-40B4-BE49-F238E27FC236}">
+                <a16:creationId xmlns:a16="http://schemas.microsoft.com/office/drawing/2014/main" id="{80128C80-D0B7-8323-B6D0-B6063ECCEF12}"/>
+              </a:ext>
+            </a:extLst>
+          </p:cNvPr>
+          <p:cNvCxnSpPr>
+            <a:cxnSpLocks/>
+          </p:cNvCxnSpPr>
+          <p:nvPr/>
+        </p:nvCxnSpPr>
+        <p:spPr>
+          <a:xfrm flipV="1">
+            <a:off x="5266338" y="2189451"/>
+            <a:ext cx="0" cy="442634"/>
+          </a:xfrm>
+          <a:prstGeom prst="straightConnector1">
+            <a:avLst/>
+          </a:prstGeom>
+          <a:ln w="25400">
+            <a:headEnd type="triangle"/>
+            <a:tailEnd type="triangle"/>
+          </a:ln>
+        </p:spPr>
+        <p:style>
+          <a:lnRef idx="1">
+            <a:schemeClr val="dk1"/>
+          </a:lnRef>
+          <a:fillRef idx="0">
+            <a:schemeClr val="dk1"/>
+          </a:fillRef>
+          <a:effectRef idx="0">
+            <a:schemeClr val="dk1"/>
+          </a:effectRef>
+          <a:fontRef idx="minor">
+            <a:schemeClr val="tx1"/>
+          </a:fontRef>
+        </p:style>
+      </p:cxnSp>
+      <p:cxnSp>
+        <p:nvCxnSpPr>
+          <p:cNvPr id="93" name="Straight Arrow Connector 92">
+            <a:extLst>
+              <a:ext uri="{FF2B5EF4-FFF2-40B4-BE49-F238E27FC236}">
+                <a16:creationId xmlns:a16="http://schemas.microsoft.com/office/drawing/2014/main" id="{2DB2B9D5-51D1-95CB-E0FB-0564534DAB97}"/>
+              </a:ext>
+            </a:extLst>
+          </p:cNvPr>
+          <p:cNvCxnSpPr>
+            <a:cxnSpLocks/>
+          </p:cNvCxnSpPr>
+          <p:nvPr/>
+        </p:nvCxnSpPr>
+        <p:spPr>
+          <a:xfrm flipV="1">
+            <a:off x="6151506" y="2189451"/>
+            <a:ext cx="0" cy="434409"/>
+          </a:xfrm>
+          <a:prstGeom prst="straightConnector1">
+            <a:avLst/>
+          </a:prstGeom>
+          <a:ln w="25400">
+            <a:headEnd type="triangle"/>
+            <a:tailEnd type="triangle"/>
+          </a:ln>
+        </p:spPr>
+        <p:style>
+          <a:lnRef idx="1">
+            <a:schemeClr val="dk1"/>
+          </a:lnRef>
+          <a:fillRef idx="0">
+            <a:schemeClr val="dk1"/>
+          </a:fillRef>
+          <a:effectRef idx="0">
+            <a:schemeClr val="dk1"/>
+          </a:effectRef>
+          <a:fontRef idx="minor">
+            <a:schemeClr val="tx1"/>
+          </a:fontRef>
+        </p:style>
+      </p:cxnSp>
+      <p:cxnSp>
+        <p:nvCxnSpPr>
+          <p:cNvPr id="95" name="Straight Arrow Connector 94">
+            <a:extLst>
+              <a:ext uri="{FF2B5EF4-FFF2-40B4-BE49-F238E27FC236}">
+                <a16:creationId xmlns:a16="http://schemas.microsoft.com/office/drawing/2014/main" id="{C1179691-B7C9-DDC7-828C-7B4A6AB90038}"/>
+              </a:ext>
+            </a:extLst>
+          </p:cNvPr>
+          <p:cNvCxnSpPr>
+            <a:cxnSpLocks/>
+          </p:cNvCxnSpPr>
+          <p:nvPr/>
+        </p:nvCxnSpPr>
+        <p:spPr>
+          <a:xfrm flipV="1">
+            <a:off x="2751366" y="2184401"/>
+            <a:ext cx="0" cy="442634"/>
+          </a:xfrm>
+          <a:prstGeom prst="straightConnector1">
+            <a:avLst/>
+          </a:prstGeom>
+          <a:ln w="25400">
+            <a:headEnd type="triangle"/>
+            <a:tailEnd type="triangle"/>
+          </a:ln>
+        </p:spPr>
+        <p:style>
+          <a:lnRef idx="1">
+            <a:schemeClr val="dk1"/>
+          </a:lnRef>
+          <a:fillRef idx="0">
+            <a:schemeClr val="dk1"/>
+          </a:fillRef>
+          <a:effectRef idx="0">
+            <a:schemeClr val="dk1"/>
+          </a:effectRef>
+          <a:fontRef idx="minor">
+            <a:schemeClr val="tx1"/>
+          </a:fontRef>
+        </p:style>
+      </p:cxnSp>
+      <p:sp>
+        <p:nvSpPr>
+          <p:cNvPr id="97" name="Rounded Rectangle 96">
+            <a:extLst>
+              <a:ext uri="{FF2B5EF4-FFF2-40B4-BE49-F238E27FC236}">
+                <a16:creationId xmlns:a16="http://schemas.microsoft.com/office/drawing/2014/main" id="{172134D8-E855-75D2-9A81-CFA8848103CC}"/>
+              </a:ext>
+            </a:extLst>
+          </p:cNvPr>
+          <p:cNvSpPr/>
+          <p:nvPr/>
+        </p:nvSpPr>
+        <p:spPr>
+          <a:xfrm>
+            <a:off x="829491" y="3504594"/>
+            <a:ext cx="5928411" cy="138499"/>
+          </a:xfrm>
+          <a:prstGeom prst="roundRect">
+            <a:avLst/>
+          </a:prstGeom>
+          <a:solidFill>
+            <a:schemeClr val="bg2">
+              <a:lumMod val="75000"/>
+            </a:schemeClr>
+          </a:solidFill>
+          <a:ln>
+            <a:noFill/>
+          </a:ln>
+        </p:spPr>
+        <p:style>
+          <a:lnRef idx="2">
+            <a:schemeClr val="accent1">
+              <a:shade val="15000"/>
+            </a:schemeClr>
+          </a:lnRef>
+          <a:fillRef idx="1">
+            <a:schemeClr val="accent1"/>
+          </a:fillRef>
+          <a:effectRef idx="0">
+            <a:schemeClr val="accent1"/>
+          </a:effectRef>
+          <a:fontRef idx="minor">
+            <a:schemeClr val="lt1"/>
+          </a:fontRef>
+        </p:style>
+        <p:txBody>
+          <a:bodyPr rtlCol="0" anchor="ctr"/>
+          <a:lstStyle/>
+          <a:p>
+            <a:pPr algn="ctr"/>
+            <a:r>
+              <a:rPr lang="en-CN" sz="1000" dirty="0"/>
+              <a:t>DMA</a:t>
+            </a:r>
+          </a:p>
+        </p:txBody>
+      </p:sp>
+      <p:sp>
+        <p:nvSpPr>
+          <p:cNvPr id="33" name="TextBox 32">
+            <a:extLst>
+              <a:ext uri="{FF2B5EF4-FFF2-40B4-BE49-F238E27FC236}">
+                <a16:creationId xmlns:a16="http://schemas.microsoft.com/office/drawing/2014/main" id="{C127B0A0-3ECC-3A13-0BDE-B5B97A7A508D}"/>
+              </a:ext>
+            </a:extLst>
+          </p:cNvPr>
+          <p:cNvSpPr txBox="1"/>
+          <p:nvPr/>
+        </p:nvSpPr>
+        <p:spPr>
+          <a:xfrm>
+            <a:off x="803824" y="3713608"/>
+            <a:ext cx="694421" cy="276999"/>
+          </a:xfrm>
+          <a:prstGeom prst="rect">
+            <a:avLst/>
+          </a:prstGeom>
+          <a:noFill/>
+        </p:spPr>
+        <p:txBody>
+          <a:bodyPr wrap="none" rtlCol="0">
+            <a:spAutoFit/>
+          </a:bodyPr>
+          <a:lstStyle/>
+          <a:p>
+            <a:r>
+              <a:rPr lang="en-CN" sz="1200" dirty="0"/>
+              <a:t>L2 Mem</a:t>
+            </a:r>
+          </a:p>
+        </p:txBody>
+      </p:sp>
+    </p:spTree>
+    <p:extLst>
+      <p:ext uri="{BB962C8B-B14F-4D97-AF65-F5344CB8AC3E}">
+        <p14:creationId xmlns:p14="http://schemas.microsoft.com/office/powerpoint/2010/main" val="1879506457"/>
+      </p:ext>
+    </p:extLst>
+  </p:cSld>
+  <p:clrMapOvr>
+    <a:masterClrMapping/>
+  </p:clrMapOvr>
+</p:sld>
+</file>
+
 <file path=ppt/theme/theme1.xml><?xml version="1.0" encoding="utf-8"?>
 <a:theme xmlns:a="http://schemas.openxmlformats.org/drawingml/2006/main" name="Office Theme">
   <a:themeElements>

--- a/figures/fig.pptx
+++ b/figures/fig.pptx
@@ -9131,7 +9131,7 @@
         </p:blipFill>
         <p:spPr>
           <a:xfrm>
-            <a:off x="-5102225" y="-1275977"/>
+            <a:off x="-6100708" y="-1394889"/>
             <a:ext cx="5448300" cy="3098800"/>
           </a:xfrm>
           <a:prstGeom prst="rect">

--- a/figures/fig.pptx
+++ b/figures/fig.pptx
@@ -9,6 +9,8 @@
     <p:sldId id="257" r:id="rId3"/>
     <p:sldId id="258" r:id="rId4"/>
     <p:sldId id="259" r:id="rId5"/>
+    <p:sldId id="260" r:id="rId6"/>
+    <p:sldId id="261" r:id="rId7"/>
   </p:sldIdLst>
   <p:sldSz cx="12192000" cy="6858000"/>
   <p:notesSz cx="6858000" cy="9144000"/>
@@ -264,7 +266,7 @@
           <a:p>
             <a:fld id="{F2AAFE3D-A000-4E48-8FB2-BCF858431792}" type="datetimeFigureOut">
               <a:rPr lang="en-CN" smtClean="0"/>
-              <a:t>2023/9/5</a:t>
+              <a:t>2023/9/6</a:t>
             </a:fld>
             <a:endParaRPr lang="en-CN"/>
           </a:p>
@@ -464,7 +466,7 @@
           <a:p>
             <a:fld id="{F2AAFE3D-A000-4E48-8FB2-BCF858431792}" type="datetimeFigureOut">
               <a:rPr lang="en-CN" smtClean="0"/>
-              <a:t>2023/9/5</a:t>
+              <a:t>2023/9/6</a:t>
             </a:fld>
             <a:endParaRPr lang="en-CN"/>
           </a:p>
@@ -674,7 +676,7 @@
           <a:p>
             <a:fld id="{F2AAFE3D-A000-4E48-8FB2-BCF858431792}" type="datetimeFigureOut">
               <a:rPr lang="en-CN" smtClean="0"/>
-              <a:t>2023/9/5</a:t>
+              <a:t>2023/9/6</a:t>
             </a:fld>
             <a:endParaRPr lang="en-CN"/>
           </a:p>
@@ -874,7 +876,7 @@
           <a:p>
             <a:fld id="{F2AAFE3D-A000-4E48-8FB2-BCF858431792}" type="datetimeFigureOut">
               <a:rPr lang="en-CN" smtClean="0"/>
-              <a:t>2023/9/5</a:t>
+              <a:t>2023/9/6</a:t>
             </a:fld>
             <a:endParaRPr lang="en-CN"/>
           </a:p>
@@ -1150,7 +1152,7 @@
           <a:p>
             <a:fld id="{F2AAFE3D-A000-4E48-8FB2-BCF858431792}" type="datetimeFigureOut">
               <a:rPr lang="en-CN" smtClean="0"/>
-              <a:t>2023/9/5</a:t>
+              <a:t>2023/9/6</a:t>
             </a:fld>
             <a:endParaRPr lang="en-CN"/>
           </a:p>
@@ -1418,7 +1420,7 @@
           <a:p>
             <a:fld id="{F2AAFE3D-A000-4E48-8FB2-BCF858431792}" type="datetimeFigureOut">
               <a:rPr lang="en-CN" smtClean="0"/>
-              <a:t>2023/9/5</a:t>
+              <a:t>2023/9/6</a:t>
             </a:fld>
             <a:endParaRPr lang="en-CN"/>
           </a:p>
@@ -1833,7 +1835,7 @@
           <a:p>
             <a:fld id="{F2AAFE3D-A000-4E48-8FB2-BCF858431792}" type="datetimeFigureOut">
               <a:rPr lang="en-CN" smtClean="0"/>
-              <a:t>2023/9/5</a:t>
+              <a:t>2023/9/6</a:t>
             </a:fld>
             <a:endParaRPr lang="en-CN"/>
           </a:p>
@@ -1975,7 +1977,7 @@
           <a:p>
             <a:fld id="{F2AAFE3D-A000-4E48-8FB2-BCF858431792}" type="datetimeFigureOut">
               <a:rPr lang="en-CN" smtClean="0"/>
-              <a:t>2023/9/5</a:t>
+              <a:t>2023/9/6</a:t>
             </a:fld>
             <a:endParaRPr lang="en-CN"/>
           </a:p>
@@ -2088,7 +2090,7 @@
           <a:p>
             <a:fld id="{F2AAFE3D-A000-4E48-8FB2-BCF858431792}" type="datetimeFigureOut">
               <a:rPr lang="en-CN" smtClean="0"/>
-              <a:t>2023/9/5</a:t>
+              <a:t>2023/9/6</a:t>
             </a:fld>
             <a:endParaRPr lang="en-CN"/>
           </a:p>
@@ -2401,7 +2403,7 @@
           <a:p>
             <a:fld id="{F2AAFE3D-A000-4E48-8FB2-BCF858431792}" type="datetimeFigureOut">
               <a:rPr lang="en-CN" smtClean="0"/>
-              <a:t>2023/9/5</a:t>
+              <a:t>2023/9/6</a:t>
             </a:fld>
             <a:endParaRPr lang="en-CN"/>
           </a:p>
@@ -2690,7 +2692,7 @@
           <a:p>
             <a:fld id="{F2AAFE3D-A000-4E48-8FB2-BCF858431792}" type="datetimeFigureOut">
               <a:rPr lang="en-CN" smtClean="0"/>
-              <a:t>2023/9/5</a:t>
+              <a:t>2023/9/6</a:t>
             </a:fld>
             <a:endParaRPr lang="en-CN"/>
           </a:p>
@@ -2933,7 +2935,7 @@
           <a:p>
             <a:fld id="{F2AAFE3D-A000-4E48-8FB2-BCF858431792}" type="datetimeFigureOut">
               <a:rPr lang="en-CN" smtClean="0"/>
-              <a:t>2023/9/5</a:t>
+              <a:t>2023/9/6</a:t>
             </a:fld>
             <a:endParaRPr lang="en-CN"/>
           </a:p>
@@ -10612,6 +10614,96 @@
 </p:sld>
 </file>
 
+<file path=ppt/slides/slide5.xml><?xml version="1.0" encoding="utf-8"?>
+<p:sld xmlns:a="http://schemas.openxmlformats.org/drawingml/2006/main" xmlns:r="http://schemas.openxmlformats.org/officeDocument/2006/relationships" xmlns:p="http://schemas.openxmlformats.org/presentationml/2006/main">
+  <p:cSld>
+    <p:spTree>
+      <p:nvGrpSpPr>
+        <p:cNvPr id="1" name=""/>
+        <p:cNvGrpSpPr/>
+        <p:nvPr/>
+      </p:nvGrpSpPr>
+      <p:grpSpPr>
+        <a:xfrm>
+          <a:off x="0" y="0"/>
+          <a:ext cx="0" cy="0"/>
+          <a:chOff x="0" y="0"/>
+          <a:chExt cx="0" cy="0"/>
+        </a:xfrm>
+      </p:grpSpPr>
+      <p:pic>
+        <p:nvPicPr>
+          <p:cNvPr id="4" name="Picture 3">
+            <a:extLst>
+              <a:ext uri="{FF2B5EF4-FFF2-40B4-BE49-F238E27FC236}">
+                <a16:creationId xmlns:a16="http://schemas.microsoft.com/office/drawing/2014/main" id="{B2C6B9B0-B51C-1764-7F81-86592E7A36E4}"/>
+              </a:ext>
+            </a:extLst>
+          </p:cNvPr>
+          <p:cNvPicPr>
+            <a:picLocks noChangeAspect="1"/>
+          </p:cNvPicPr>
+          <p:nvPr/>
+        </p:nvPicPr>
+        <p:blipFill>
+          <a:blip r:embed="rId2"/>
+          <a:stretch>
+            <a:fillRect/>
+          </a:stretch>
+        </p:blipFill>
+        <p:spPr>
+          <a:xfrm>
+            <a:off x="1690255" y="862444"/>
+            <a:ext cx="7772400" cy="4692073"/>
+          </a:xfrm>
+          <a:prstGeom prst="rect">
+            <a:avLst/>
+          </a:prstGeom>
+        </p:spPr>
+      </p:pic>
+    </p:spTree>
+    <p:extLst>
+      <p:ext uri="{BB962C8B-B14F-4D97-AF65-F5344CB8AC3E}">
+        <p14:creationId xmlns:p14="http://schemas.microsoft.com/office/powerpoint/2010/main" val="1450579715"/>
+      </p:ext>
+    </p:extLst>
+  </p:cSld>
+  <p:clrMapOvr>
+    <a:masterClrMapping/>
+  </p:clrMapOvr>
+</p:sld>
+</file>
+
+<file path=ppt/slides/slide6.xml><?xml version="1.0" encoding="utf-8"?>
+<p:sld xmlns:a="http://schemas.openxmlformats.org/drawingml/2006/main" xmlns:r="http://schemas.openxmlformats.org/officeDocument/2006/relationships" xmlns:p="http://schemas.openxmlformats.org/presentationml/2006/main">
+  <p:cSld>
+    <p:spTree>
+      <p:nvGrpSpPr>
+        <p:cNvPr id="1" name=""/>
+        <p:cNvGrpSpPr/>
+        <p:nvPr/>
+      </p:nvGrpSpPr>
+      <p:grpSpPr>
+        <a:xfrm>
+          <a:off x="0" y="0"/>
+          <a:ext cx="0" cy="0"/>
+          <a:chOff x="0" y="0"/>
+          <a:chExt cx="0" cy="0"/>
+        </a:xfrm>
+      </p:grpSpPr>
+    </p:spTree>
+    <p:extLst>
+      <p:ext uri="{BB962C8B-B14F-4D97-AF65-F5344CB8AC3E}">
+        <p14:creationId xmlns:p14="http://schemas.microsoft.com/office/powerpoint/2010/main" val="2325877750"/>
+      </p:ext>
+    </p:extLst>
+  </p:cSld>
+  <p:clrMapOvr>
+    <a:masterClrMapping/>
+  </p:clrMapOvr>
+</p:sld>
+</file>
+
 <file path=ppt/theme/theme1.xml><?xml version="1.0" encoding="utf-8"?>
 <a:theme xmlns:a="http://schemas.openxmlformats.org/drawingml/2006/main" name="Office Theme">
   <a:themeElements>

--- a/figures/fig.pptx
+++ b/figures/fig.pptx
@@ -266,7 +266,7 @@
           <a:p>
             <a:fld id="{F2AAFE3D-A000-4E48-8FB2-BCF858431792}" type="datetimeFigureOut">
               <a:rPr lang="en-CN" smtClean="0"/>
-              <a:t>2023/9/6</a:t>
+              <a:t>2023/9/19</a:t>
             </a:fld>
             <a:endParaRPr lang="en-CN"/>
           </a:p>
@@ -466,7 +466,7 @@
           <a:p>
             <a:fld id="{F2AAFE3D-A000-4E48-8FB2-BCF858431792}" type="datetimeFigureOut">
               <a:rPr lang="en-CN" smtClean="0"/>
-              <a:t>2023/9/6</a:t>
+              <a:t>2023/9/19</a:t>
             </a:fld>
             <a:endParaRPr lang="en-CN"/>
           </a:p>
@@ -676,7 +676,7 @@
           <a:p>
             <a:fld id="{F2AAFE3D-A000-4E48-8FB2-BCF858431792}" type="datetimeFigureOut">
               <a:rPr lang="en-CN" smtClean="0"/>
-              <a:t>2023/9/6</a:t>
+              <a:t>2023/9/19</a:t>
             </a:fld>
             <a:endParaRPr lang="en-CN"/>
           </a:p>
@@ -876,7 +876,7 @@
           <a:p>
             <a:fld id="{F2AAFE3D-A000-4E48-8FB2-BCF858431792}" type="datetimeFigureOut">
               <a:rPr lang="en-CN" smtClean="0"/>
-              <a:t>2023/9/6</a:t>
+              <a:t>2023/9/19</a:t>
             </a:fld>
             <a:endParaRPr lang="en-CN"/>
           </a:p>
@@ -1152,7 +1152,7 @@
           <a:p>
             <a:fld id="{F2AAFE3D-A000-4E48-8FB2-BCF858431792}" type="datetimeFigureOut">
               <a:rPr lang="en-CN" smtClean="0"/>
-              <a:t>2023/9/6</a:t>
+              <a:t>2023/9/19</a:t>
             </a:fld>
             <a:endParaRPr lang="en-CN"/>
           </a:p>
@@ -1420,7 +1420,7 @@
           <a:p>
             <a:fld id="{F2AAFE3D-A000-4E48-8FB2-BCF858431792}" type="datetimeFigureOut">
               <a:rPr lang="en-CN" smtClean="0"/>
-              <a:t>2023/9/6</a:t>
+              <a:t>2023/9/19</a:t>
             </a:fld>
             <a:endParaRPr lang="en-CN"/>
           </a:p>
@@ -1835,7 +1835,7 @@
           <a:p>
             <a:fld id="{F2AAFE3D-A000-4E48-8FB2-BCF858431792}" type="datetimeFigureOut">
               <a:rPr lang="en-CN" smtClean="0"/>
-              <a:t>2023/9/6</a:t>
+              <a:t>2023/9/19</a:t>
             </a:fld>
             <a:endParaRPr lang="en-CN"/>
           </a:p>
@@ -1977,7 +1977,7 @@
           <a:p>
             <a:fld id="{F2AAFE3D-A000-4E48-8FB2-BCF858431792}" type="datetimeFigureOut">
               <a:rPr lang="en-CN" smtClean="0"/>
-              <a:t>2023/9/6</a:t>
+              <a:t>2023/9/19</a:t>
             </a:fld>
             <a:endParaRPr lang="en-CN"/>
           </a:p>
@@ -2090,7 +2090,7 @@
           <a:p>
             <a:fld id="{F2AAFE3D-A000-4E48-8FB2-BCF858431792}" type="datetimeFigureOut">
               <a:rPr lang="en-CN" smtClean="0"/>
-              <a:t>2023/9/6</a:t>
+              <a:t>2023/9/19</a:t>
             </a:fld>
             <a:endParaRPr lang="en-CN"/>
           </a:p>
@@ -2403,7 +2403,7 @@
           <a:p>
             <a:fld id="{F2AAFE3D-A000-4E48-8FB2-BCF858431792}" type="datetimeFigureOut">
               <a:rPr lang="en-CN" smtClean="0"/>
-              <a:t>2023/9/6</a:t>
+              <a:t>2023/9/19</a:t>
             </a:fld>
             <a:endParaRPr lang="en-CN"/>
           </a:p>
@@ -2692,7 +2692,7 @@
           <a:p>
             <a:fld id="{F2AAFE3D-A000-4E48-8FB2-BCF858431792}" type="datetimeFigureOut">
               <a:rPr lang="en-CN" smtClean="0"/>
-              <a:t>2023/9/6</a:t>
+              <a:t>2023/9/19</a:t>
             </a:fld>
             <a:endParaRPr lang="en-CN"/>
           </a:p>
@@ -2935,7 +2935,7 @@
           <a:p>
             <a:fld id="{F2AAFE3D-A000-4E48-8FB2-BCF858431792}" type="datetimeFigureOut">
               <a:rPr lang="en-CN" smtClean="0"/>
-              <a:t>2023/9/6</a:t>
+              <a:t>2023/9/19</a:t>
             </a:fld>
             <a:endParaRPr lang="en-CN"/>
           </a:p>
@@ -9460,8 +9460,8 @@
         </p:nvSpPr>
         <p:spPr>
           <a:xfrm>
-            <a:off x="829491" y="2449794"/>
-            <a:ext cx="5928412" cy="952923"/>
+            <a:off x="829491" y="2711335"/>
+            <a:ext cx="5928412" cy="691382"/>
           </a:xfrm>
           <a:prstGeom prst="rect">
             <a:avLst/>
@@ -9567,8 +9567,8 @@
         </p:nvSpPr>
         <p:spPr>
           <a:xfrm>
-            <a:off x="4452483" y="3927793"/>
-            <a:ext cx="1028985" cy="303742"/>
+            <a:off x="4862424" y="3927793"/>
+            <a:ext cx="619043" cy="303742"/>
           </a:xfrm>
           <a:prstGeom prst="rect">
             <a:avLst/>
@@ -9836,8 +9836,8 @@
         </p:nvSpPr>
         <p:spPr>
           <a:xfrm>
-            <a:off x="891982" y="2629908"/>
-            <a:ext cx="4589482" cy="680157"/>
+            <a:off x="891982" y="2912230"/>
+            <a:ext cx="4589482" cy="397835"/>
           </a:xfrm>
           <a:prstGeom prst="roundRect">
             <a:avLst/>
@@ -9895,8 +9895,8 @@
         </p:nvSpPr>
         <p:spPr>
           <a:xfrm>
-            <a:off x="5611511" y="2623860"/>
-            <a:ext cx="1079990" cy="680157"/>
+            <a:off x="5611511" y="2906182"/>
+            <a:ext cx="1079990" cy="397835"/>
           </a:xfrm>
           <a:prstGeom prst="roundRect">
             <a:avLst/>
@@ -9953,7 +9953,7 @@
         </p:nvSpPr>
         <p:spPr>
           <a:xfrm>
-            <a:off x="803824" y="2405718"/>
+            <a:off x="803823" y="2679693"/>
             <a:ext cx="694421" cy="276999"/>
           </a:xfrm>
           <a:prstGeom prst="rect">
@@ -10113,56 +10113,13 @@
           </p:cNvPr>
           <p:cNvCxnSpPr>
             <a:cxnSpLocks/>
-            <a:stCxn id="18" idx="0"/>
           </p:cNvCxnSpPr>
           <p:nvPr/>
         </p:nvCxnSpPr>
         <p:spPr>
           <a:xfrm flipH="1" flipV="1">
-            <a:off x="4963207" y="3304017"/>
-            <a:ext cx="3769" cy="623776"/>
-          </a:xfrm>
-          <a:prstGeom prst="straightConnector1">
-            <a:avLst/>
-          </a:prstGeom>
-          <a:ln w="25400">
-            <a:headEnd type="triangle"/>
-            <a:tailEnd type="triangle"/>
-          </a:ln>
-        </p:spPr>
-        <p:style>
-          <a:lnRef idx="1">
-            <a:schemeClr val="dk1"/>
-          </a:lnRef>
-          <a:fillRef idx="0">
-            <a:schemeClr val="dk1"/>
-          </a:fillRef>
-          <a:effectRef idx="0">
-            <a:schemeClr val="dk1"/>
-          </a:effectRef>
-          <a:fontRef idx="minor">
-            <a:schemeClr val="tx1"/>
-          </a:fontRef>
-        </p:style>
-      </p:cxnSp>
-      <p:cxnSp>
-        <p:nvCxnSpPr>
-          <p:cNvPr id="76" name="Straight Arrow Connector 75">
-            <a:extLst>
-              <a:ext uri="{FF2B5EF4-FFF2-40B4-BE49-F238E27FC236}">
-                <a16:creationId xmlns:a16="http://schemas.microsoft.com/office/drawing/2014/main" id="{EC257B1C-AA56-F7E9-78DA-87AEE9B30631}"/>
-              </a:ext>
-            </a:extLst>
-          </p:cNvPr>
-          <p:cNvCxnSpPr>
-            <a:cxnSpLocks/>
-          </p:cNvCxnSpPr>
-          <p:nvPr/>
-        </p:nvCxnSpPr>
-        <p:spPr>
-          <a:xfrm flipV="1">
-            <a:off x="5266338" y="3308191"/>
-            <a:ext cx="0" cy="1007644"/>
+            <a:off x="4662995" y="3309616"/>
+            <a:ext cx="3764" cy="1011818"/>
           </a:xfrm>
           <a:prstGeom prst="straightConnector1">
             <a:avLst/>
@@ -10243,19 +10200,16 @@
           <p:cNvCxnSpPr>
             <a:cxnSpLocks/>
             <a:stCxn id="20" idx="3"/>
-            <a:endCxn id="40" idx="1"/>
           </p:cNvCxnSpPr>
           <p:nvPr/>
         </p:nvCxnSpPr>
         <p:spPr>
           <a:xfrm flipV="1">
-            <a:off x="4253049" y="2963939"/>
-            <a:ext cx="1358462" cy="1363094"/>
+            <a:off x="4253049" y="3304017"/>
+            <a:ext cx="137282" cy="1023016"/>
           </a:xfrm>
-          <a:prstGeom prst="bentConnector3">
-            <a:avLst>
-              <a:gd name="adj1" fmla="val 10497"/>
-            </a:avLst>
+          <a:prstGeom prst="bentConnector2">
+            <a:avLst/>
           </a:prstGeom>
           <a:ln w="25400">
             <a:solidFill>
@@ -10293,7 +10247,7 @@
         </p:nvSpPr>
         <p:spPr>
           <a:xfrm>
-            <a:off x="829491" y="1703911"/>
+            <a:off x="829491" y="1994196"/>
             <a:ext cx="3768635" cy="485540"/>
           </a:xfrm>
           <a:prstGeom prst="rect">
@@ -10344,7 +10298,7 @@
         </p:nvSpPr>
         <p:spPr>
           <a:xfrm>
-            <a:off x="4733979" y="1706967"/>
+            <a:off x="4733979" y="1997252"/>
             <a:ext cx="2023924" cy="487443"/>
           </a:xfrm>
           <a:prstGeom prst="rect">
@@ -10399,7 +10353,7 @@
         </p:nvCxnSpPr>
         <p:spPr>
           <a:xfrm flipV="1">
-            <a:off x="5266338" y="2189451"/>
+            <a:off x="5266338" y="2479736"/>
             <a:ext cx="0" cy="442634"/>
           </a:xfrm>
           <a:prstGeom prst="straightConnector1">
@@ -10441,7 +10395,7 @@
         </p:nvCxnSpPr>
         <p:spPr>
           <a:xfrm flipV="1">
-            <a:off x="6151506" y="2189451"/>
+            <a:off x="6151506" y="2479736"/>
             <a:ext cx="0" cy="434409"/>
           </a:xfrm>
           <a:prstGeom prst="straightConnector1">
@@ -10483,7 +10437,7 @@
         </p:nvCxnSpPr>
         <p:spPr>
           <a:xfrm flipV="1">
-            <a:off x="2751366" y="2184401"/>
+            <a:off x="2751366" y="2474686"/>
             <a:ext cx="0" cy="442634"/>
           </a:xfrm>
           <a:prstGeom prst="straightConnector1">
@@ -10601,6 +10555,52 @@
           </a:p>
         </p:txBody>
       </p:sp>
+      <p:cxnSp>
+        <p:nvCxnSpPr>
+          <p:cNvPr id="6" name="Elbow Connector 5">
+            <a:extLst>
+              <a:ext uri="{FF2B5EF4-FFF2-40B4-BE49-F238E27FC236}">
+                <a16:creationId xmlns:a16="http://schemas.microsoft.com/office/drawing/2014/main" id="{3C20F839-ADFF-A6A7-8308-C4C43C818010}"/>
+              </a:ext>
+            </a:extLst>
+          </p:cNvPr>
+          <p:cNvCxnSpPr>
+            <a:cxnSpLocks/>
+            <a:stCxn id="18" idx="0"/>
+            <a:endCxn id="40" idx="1"/>
+          </p:cNvCxnSpPr>
+          <p:nvPr/>
+        </p:nvCxnSpPr>
+        <p:spPr>
+          <a:xfrm rot="5400000" flipH="1" flipV="1">
+            <a:off x="4980382" y="3296665"/>
+            <a:ext cx="822693" cy="439565"/>
+          </a:xfrm>
+          <a:prstGeom prst="bentConnector2">
+            <a:avLst/>
+          </a:prstGeom>
+          <a:ln w="25400">
+            <a:solidFill>
+              <a:schemeClr val="tx1"/>
+            </a:solidFill>
+            <a:tailEnd type="triangle"/>
+          </a:ln>
+        </p:spPr>
+        <p:style>
+          <a:lnRef idx="1">
+            <a:schemeClr val="accent1"/>
+          </a:lnRef>
+          <a:fillRef idx="0">
+            <a:schemeClr val="accent1"/>
+          </a:fillRef>
+          <a:effectRef idx="0">
+            <a:schemeClr val="accent1"/>
+          </a:effectRef>
+          <a:fontRef idx="minor">
+            <a:schemeClr val="tx1"/>
+          </a:fontRef>
+        </p:style>
+      </p:cxnSp>
     </p:spTree>
     <p:extLst>
       <p:ext uri="{BB962C8B-B14F-4D97-AF65-F5344CB8AC3E}">

--- a/figures/fig.pptx
+++ b/figures/fig.pptx
@@ -4,6 +4,9 @@
   <p:sldMasterIdLst>
     <p:sldMasterId id="2147483648" r:id="rId1"/>
   </p:sldMasterIdLst>
+  <p:notesMasterIdLst>
+    <p:notesMasterId r:id="rId8"/>
+  </p:notesMasterIdLst>
   <p:sldIdLst>
     <p:sldId id="256" r:id="rId2"/>
     <p:sldId id="257" r:id="rId3"/>
@@ -115,6 +118,440 @@
     </p:ext>
   </p:extLst>
 </p:presentation>
+</file>
+
+<file path=ppt/notesMasters/notesMaster1.xml><?xml version="1.0" encoding="utf-8"?>
+<p:notesMaster xmlns:a="http://schemas.openxmlformats.org/drawingml/2006/main" xmlns:r="http://schemas.openxmlformats.org/officeDocument/2006/relationships" xmlns:p="http://schemas.openxmlformats.org/presentationml/2006/main">
+  <p:cSld>
+    <p:bg>
+      <p:bgRef idx="1001">
+        <a:schemeClr val="bg1"/>
+      </p:bgRef>
+    </p:bg>
+    <p:spTree>
+      <p:nvGrpSpPr>
+        <p:cNvPr id="1" name=""/>
+        <p:cNvGrpSpPr/>
+        <p:nvPr/>
+      </p:nvGrpSpPr>
+      <p:grpSpPr>
+        <a:xfrm>
+          <a:off x="0" y="0"/>
+          <a:ext cx="0" cy="0"/>
+          <a:chOff x="0" y="0"/>
+          <a:chExt cx="0" cy="0"/>
+        </a:xfrm>
+      </p:grpSpPr>
+      <p:sp>
+        <p:nvSpPr>
+          <p:cNvPr id="2" name="Header Placeholder 1"/>
+          <p:cNvSpPr>
+            <a:spLocks noGrp="1"/>
+          </p:cNvSpPr>
+          <p:nvPr>
+            <p:ph type="hdr" sz="quarter"/>
+          </p:nvPr>
+        </p:nvSpPr>
+        <p:spPr>
+          <a:xfrm>
+            <a:off x="0" y="0"/>
+            <a:ext cx="2971800" cy="458788"/>
+          </a:xfrm>
+          <a:prstGeom prst="rect">
+            <a:avLst/>
+          </a:prstGeom>
+        </p:spPr>
+        <p:txBody>
+          <a:bodyPr vert="horz" lIns="91440" tIns="45720" rIns="91440" bIns="45720" rtlCol="0"/>
+          <a:lstStyle>
+            <a:lvl1pPr algn="l">
+              <a:defRPr sz="1200"/>
+            </a:lvl1pPr>
+          </a:lstStyle>
+          <a:p>
+            <a:endParaRPr lang="en-CN"/>
+          </a:p>
+        </p:txBody>
+      </p:sp>
+      <p:sp>
+        <p:nvSpPr>
+          <p:cNvPr id="3" name="Date Placeholder 2"/>
+          <p:cNvSpPr>
+            <a:spLocks noGrp="1"/>
+          </p:cNvSpPr>
+          <p:nvPr>
+            <p:ph type="dt" idx="1"/>
+          </p:nvPr>
+        </p:nvSpPr>
+        <p:spPr>
+          <a:xfrm>
+            <a:off x="3884613" y="0"/>
+            <a:ext cx="2971800" cy="458788"/>
+          </a:xfrm>
+          <a:prstGeom prst="rect">
+            <a:avLst/>
+          </a:prstGeom>
+        </p:spPr>
+        <p:txBody>
+          <a:bodyPr vert="horz" lIns="91440" tIns="45720" rIns="91440" bIns="45720" rtlCol="0"/>
+          <a:lstStyle>
+            <a:lvl1pPr algn="r">
+              <a:defRPr sz="1200"/>
+            </a:lvl1pPr>
+          </a:lstStyle>
+          <a:p>
+            <a:fld id="{BC5FC3F5-60EA-0A48-BCC3-BC3817872249}" type="datetimeFigureOut">
+              <a:rPr lang="en-CN" smtClean="0"/>
+              <a:t>2024/1/5</a:t>
+            </a:fld>
+            <a:endParaRPr lang="en-CN"/>
+          </a:p>
+        </p:txBody>
+      </p:sp>
+      <p:sp>
+        <p:nvSpPr>
+          <p:cNvPr id="4" name="Slide Image Placeholder 3"/>
+          <p:cNvSpPr>
+            <a:spLocks noGrp="1" noRot="1" noChangeAspect="1"/>
+          </p:cNvSpPr>
+          <p:nvPr>
+            <p:ph type="sldImg" idx="2"/>
+          </p:nvPr>
+        </p:nvSpPr>
+        <p:spPr>
+          <a:xfrm>
+            <a:off x="685800" y="1143000"/>
+            <a:ext cx="5486400" cy="3086100"/>
+          </a:xfrm>
+          <a:prstGeom prst="rect">
+            <a:avLst/>
+          </a:prstGeom>
+          <a:noFill/>
+          <a:ln w="12700">
+            <a:solidFill>
+              <a:prstClr val="black"/>
+            </a:solidFill>
+          </a:ln>
+        </p:spPr>
+        <p:txBody>
+          <a:bodyPr vert="horz" lIns="91440" tIns="45720" rIns="91440" bIns="45720" rtlCol="0" anchor="ctr"/>
+          <a:lstStyle/>
+          <a:p>
+            <a:endParaRPr lang="en-CN"/>
+          </a:p>
+        </p:txBody>
+      </p:sp>
+      <p:sp>
+        <p:nvSpPr>
+          <p:cNvPr id="5" name="Notes Placeholder 4"/>
+          <p:cNvSpPr>
+            <a:spLocks noGrp="1"/>
+          </p:cNvSpPr>
+          <p:nvPr>
+            <p:ph type="body" sz="quarter" idx="3"/>
+          </p:nvPr>
+        </p:nvSpPr>
+        <p:spPr>
+          <a:xfrm>
+            <a:off x="685800" y="4400550"/>
+            <a:ext cx="5486400" cy="3600450"/>
+          </a:xfrm>
+          <a:prstGeom prst="rect">
+            <a:avLst/>
+          </a:prstGeom>
+        </p:spPr>
+        <p:txBody>
+          <a:bodyPr vert="horz" lIns="91440" tIns="45720" rIns="91440" bIns="45720" rtlCol="0"/>
+          <a:lstStyle/>
+          <a:p>
+            <a:pPr lvl="0"/>
+            <a:r>
+              <a:rPr lang="en-US"/>
+              <a:t>Click to edit Master text styles</a:t>
+            </a:r>
+          </a:p>
+          <a:p>
+            <a:pPr lvl="1"/>
+            <a:r>
+              <a:rPr lang="en-US"/>
+              <a:t>Second level</a:t>
+            </a:r>
+          </a:p>
+          <a:p>
+            <a:pPr lvl="2"/>
+            <a:r>
+              <a:rPr lang="en-US"/>
+              <a:t>Third level</a:t>
+            </a:r>
+          </a:p>
+          <a:p>
+            <a:pPr lvl="3"/>
+            <a:r>
+              <a:rPr lang="en-US"/>
+              <a:t>Fourth level</a:t>
+            </a:r>
+          </a:p>
+          <a:p>
+            <a:pPr lvl="4"/>
+            <a:r>
+              <a:rPr lang="en-US"/>
+              <a:t>Fifth level</a:t>
+            </a:r>
+            <a:endParaRPr lang="en-CN"/>
+          </a:p>
+        </p:txBody>
+      </p:sp>
+      <p:sp>
+        <p:nvSpPr>
+          <p:cNvPr id="6" name="Footer Placeholder 5"/>
+          <p:cNvSpPr>
+            <a:spLocks noGrp="1"/>
+          </p:cNvSpPr>
+          <p:nvPr>
+            <p:ph type="ftr" sz="quarter" idx="4"/>
+          </p:nvPr>
+        </p:nvSpPr>
+        <p:spPr>
+          <a:xfrm>
+            <a:off x="0" y="8685213"/>
+            <a:ext cx="2971800" cy="458787"/>
+          </a:xfrm>
+          <a:prstGeom prst="rect">
+            <a:avLst/>
+          </a:prstGeom>
+        </p:spPr>
+        <p:txBody>
+          <a:bodyPr vert="horz" lIns="91440" tIns="45720" rIns="91440" bIns="45720" rtlCol="0" anchor="b"/>
+          <a:lstStyle>
+            <a:lvl1pPr algn="l">
+              <a:defRPr sz="1200"/>
+            </a:lvl1pPr>
+          </a:lstStyle>
+          <a:p>
+            <a:endParaRPr lang="en-CN"/>
+          </a:p>
+        </p:txBody>
+      </p:sp>
+      <p:sp>
+        <p:nvSpPr>
+          <p:cNvPr id="7" name="Slide Number Placeholder 6"/>
+          <p:cNvSpPr>
+            <a:spLocks noGrp="1"/>
+          </p:cNvSpPr>
+          <p:nvPr>
+            <p:ph type="sldNum" sz="quarter" idx="5"/>
+          </p:nvPr>
+        </p:nvSpPr>
+        <p:spPr>
+          <a:xfrm>
+            <a:off x="3884613" y="8685213"/>
+            <a:ext cx="2971800" cy="458787"/>
+          </a:xfrm>
+          <a:prstGeom prst="rect">
+            <a:avLst/>
+          </a:prstGeom>
+        </p:spPr>
+        <p:txBody>
+          <a:bodyPr vert="horz" lIns="91440" tIns="45720" rIns="91440" bIns="45720" rtlCol="0" anchor="b"/>
+          <a:lstStyle>
+            <a:lvl1pPr algn="r">
+              <a:defRPr sz="1200"/>
+            </a:lvl1pPr>
+          </a:lstStyle>
+          <a:p>
+            <a:fld id="{2D71F012-C42F-CA4F-8DC8-7776BAF78ED2}" type="slidenum">
+              <a:rPr lang="en-CN" smtClean="0"/>
+              <a:t>‹#›</a:t>
+            </a:fld>
+            <a:endParaRPr lang="en-CN"/>
+          </a:p>
+        </p:txBody>
+      </p:sp>
+    </p:spTree>
+    <p:extLst>
+      <p:ext uri="{BB962C8B-B14F-4D97-AF65-F5344CB8AC3E}">
+        <p14:creationId xmlns:p14="http://schemas.microsoft.com/office/powerpoint/2010/main" val="2361624084"/>
+      </p:ext>
+    </p:extLst>
+  </p:cSld>
+  <p:clrMap bg1="lt1" tx1="dk1" bg2="lt2" tx2="dk2" accent1="accent1" accent2="accent2" accent3="accent3" accent4="accent4" accent5="accent5" accent6="accent6" hlink="hlink" folHlink="folHlink"/>
+  <p:notesStyle>
+    <a:lvl1pPr marL="0" algn="l" defTabSz="914400" rtl="0" eaLnBrk="1" latinLnBrk="0" hangingPunct="1">
+      <a:defRPr sz="1200" kern="1200">
+        <a:solidFill>
+          <a:schemeClr val="tx1"/>
+        </a:solidFill>
+        <a:latin typeface="+mn-lt"/>
+        <a:ea typeface="+mn-ea"/>
+        <a:cs typeface="+mn-cs"/>
+      </a:defRPr>
+    </a:lvl1pPr>
+    <a:lvl2pPr marL="457200" algn="l" defTabSz="914400" rtl="0" eaLnBrk="1" latinLnBrk="0" hangingPunct="1">
+      <a:defRPr sz="1200" kern="1200">
+        <a:solidFill>
+          <a:schemeClr val="tx1"/>
+        </a:solidFill>
+        <a:latin typeface="+mn-lt"/>
+        <a:ea typeface="+mn-ea"/>
+        <a:cs typeface="+mn-cs"/>
+      </a:defRPr>
+    </a:lvl2pPr>
+    <a:lvl3pPr marL="914400" algn="l" defTabSz="914400" rtl="0" eaLnBrk="1" latinLnBrk="0" hangingPunct="1">
+      <a:defRPr sz="1200" kern="1200">
+        <a:solidFill>
+          <a:schemeClr val="tx1"/>
+        </a:solidFill>
+        <a:latin typeface="+mn-lt"/>
+        <a:ea typeface="+mn-ea"/>
+        <a:cs typeface="+mn-cs"/>
+      </a:defRPr>
+    </a:lvl3pPr>
+    <a:lvl4pPr marL="1371600" algn="l" defTabSz="914400" rtl="0" eaLnBrk="1" latinLnBrk="0" hangingPunct="1">
+      <a:defRPr sz="1200" kern="1200">
+        <a:solidFill>
+          <a:schemeClr val="tx1"/>
+        </a:solidFill>
+        <a:latin typeface="+mn-lt"/>
+        <a:ea typeface="+mn-ea"/>
+        <a:cs typeface="+mn-cs"/>
+      </a:defRPr>
+    </a:lvl4pPr>
+    <a:lvl5pPr marL="1828800" algn="l" defTabSz="914400" rtl="0" eaLnBrk="1" latinLnBrk="0" hangingPunct="1">
+      <a:defRPr sz="1200" kern="1200">
+        <a:solidFill>
+          <a:schemeClr val="tx1"/>
+        </a:solidFill>
+        <a:latin typeface="+mn-lt"/>
+        <a:ea typeface="+mn-ea"/>
+        <a:cs typeface="+mn-cs"/>
+      </a:defRPr>
+    </a:lvl5pPr>
+    <a:lvl6pPr marL="2286000" algn="l" defTabSz="914400" rtl="0" eaLnBrk="1" latinLnBrk="0" hangingPunct="1">
+      <a:defRPr sz="1200" kern="1200">
+        <a:solidFill>
+          <a:schemeClr val="tx1"/>
+        </a:solidFill>
+        <a:latin typeface="+mn-lt"/>
+        <a:ea typeface="+mn-ea"/>
+        <a:cs typeface="+mn-cs"/>
+      </a:defRPr>
+    </a:lvl6pPr>
+    <a:lvl7pPr marL="2743200" algn="l" defTabSz="914400" rtl="0" eaLnBrk="1" latinLnBrk="0" hangingPunct="1">
+      <a:defRPr sz="1200" kern="1200">
+        <a:solidFill>
+          <a:schemeClr val="tx1"/>
+        </a:solidFill>
+        <a:latin typeface="+mn-lt"/>
+        <a:ea typeface="+mn-ea"/>
+        <a:cs typeface="+mn-cs"/>
+      </a:defRPr>
+    </a:lvl7pPr>
+    <a:lvl8pPr marL="3200400" algn="l" defTabSz="914400" rtl="0" eaLnBrk="1" latinLnBrk="0" hangingPunct="1">
+      <a:defRPr sz="1200" kern="1200">
+        <a:solidFill>
+          <a:schemeClr val="tx1"/>
+        </a:solidFill>
+        <a:latin typeface="+mn-lt"/>
+        <a:ea typeface="+mn-ea"/>
+        <a:cs typeface="+mn-cs"/>
+      </a:defRPr>
+    </a:lvl8pPr>
+    <a:lvl9pPr marL="3657600" algn="l" defTabSz="914400" rtl="0" eaLnBrk="1" latinLnBrk="0" hangingPunct="1">
+      <a:defRPr sz="1200" kern="1200">
+        <a:solidFill>
+          <a:schemeClr val="tx1"/>
+        </a:solidFill>
+        <a:latin typeface="+mn-lt"/>
+        <a:ea typeface="+mn-ea"/>
+        <a:cs typeface="+mn-cs"/>
+      </a:defRPr>
+    </a:lvl9pPr>
+  </p:notesStyle>
+</p:notesMaster>
+</file>
+
+<file path=ppt/notesSlides/notesSlide1.xml><?xml version="1.0" encoding="utf-8"?>
+<p:notes xmlns:a="http://schemas.openxmlformats.org/drawingml/2006/main" xmlns:r="http://schemas.openxmlformats.org/officeDocument/2006/relationships" xmlns:p="http://schemas.openxmlformats.org/presentationml/2006/main">
+  <p:cSld>
+    <p:spTree>
+      <p:nvGrpSpPr>
+        <p:cNvPr id="1" name=""/>
+        <p:cNvGrpSpPr/>
+        <p:nvPr/>
+      </p:nvGrpSpPr>
+      <p:grpSpPr>
+        <a:xfrm>
+          <a:off x="0" y="0"/>
+          <a:ext cx="0" cy="0"/>
+          <a:chOff x="0" y="0"/>
+          <a:chExt cx="0" cy="0"/>
+        </a:xfrm>
+      </p:grpSpPr>
+      <p:sp>
+        <p:nvSpPr>
+          <p:cNvPr id="2" name="Slide Image Placeholder 1"/>
+          <p:cNvSpPr>
+            <a:spLocks noGrp="1" noRot="1" noChangeAspect="1"/>
+          </p:cNvSpPr>
+          <p:nvPr>
+            <p:ph type="sldImg"/>
+          </p:nvPr>
+        </p:nvSpPr>
+        <p:spPr/>
+      </p:sp>
+      <p:sp>
+        <p:nvSpPr>
+          <p:cNvPr id="3" name="Notes Placeholder 2"/>
+          <p:cNvSpPr>
+            <a:spLocks noGrp="1"/>
+          </p:cNvSpPr>
+          <p:nvPr>
+            <p:ph type="body" idx="1"/>
+          </p:nvPr>
+        </p:nvSpPr>
+        <p:spPr/>
+        <p:txBody>
+          <a:bodyPr/>
+          <a:lstStyle/>
+          <a:p>
+            <a:endParaRPr lang="en-CN" dirty="0"/>
+          </a:p>
+        </p:txBody>
+      </p:sp>
+      <p:sp>
+        <p:nvSpPr>
+          <p:cNvPr id="4" name="Slide Number Placeholder 3"/>
+          <p:cNvSpPr>
+            <a:spLocks noGrp="1"/>
+          </p:cNvSpPr>
+          <p:nvPr>
+            <p:ph type="sldNum" sz="quarter" idx="5"/>
+          </p:nvPr>
+        </p:nvSpPr>
+        <p:spPr/>
+        <p:txBody>
+          <a:bodyPr/>
+          <a:lstStyle/>
+          <a:p>
+            <a:fld id="{2D71F012-C42F-CA4F-8DC8-7776BAF78ED2}" type="slidenum">
+              <a:rPr lang="en-CN" smtClean="0"/>
+              <a:t>6</a:t>
+            </a:fld>
+            <a:endParaRPr lang="en-CN"/>
+          </a:p>
+        </p:txBody>
+      </p:sp>
+    </p:spTree>
+    <p:extLst>
+      <p:ext uri="{BB962C8B-B14F-4D97-AF65-F5344CB8AC3E}">
+        <p14:creationId xmlns:p14="http://schemas.microsoft.com/office/powerpoint/2010/main" val="849726879"/>
+      </p:ext>
+    </p:extLst>
+  </p:cSld>
+  <p:clrMapOvr>
+    <a:masterClrMapping/>
+  </p:clrMapOvr>
+</p:notes>
 </file>
 
 <file path=ppt/slideLayouts/slideLayout1.xml><?xml version="1.0" encoding="utf-8"?>
@@ -266,7 +703,7 @@
           <a:p>
             <a:fld id="{F2AAFE3D-A000-4E48-8FB2-BCF858431792}" type="datetimeFigureOut">
               <a:rPr lang="en-CN" smtClean="0"/>
-              <a:t>2023/9/19</a:t>
+              <a:t>2024/1/5</a:t>
             </a:fld>
             <a:endParaRPr lang="en-CN"/>
           </a:p>
@@ -466,7 +903,7 @@
           <a:p>
             <a:fld id="{F2AAFE3D-A000-4E48-8FB2-BCF858431792}" type="datetimeFigureOut">
               <a:rPr lang="en-CN" smtClean="0"/>
-              <a:t>2023/9/19</a:t>
+              <a:t>2024/1/5</a:t>
             </a:fld>
             <a:endParaRPr lang="en-CN"/>
           </a:p>
@@ -676,7 +1113,7 @@
           <a:p>
             <a:fld id="{F2AAFE3D-A000-4E48-8FB2-BCF858431792}" type="datetimeFigureOut">
               <a:rPr lang="en-CN" smtClean="0"/>
-              <a:t>2023/9/19</a:t>
+              <a:t>2024/1/5</a:t>
             </a:fld>
             <a:endParaRPr lang="en-CN"/>
           </a:p>
@@ -876,7 +1313,7 @@
           <a:p>
             <a:fld id="{F2AAFE3D-A000-4E48-8FB2-BCF858431792}" type="datetimeFigureOut">
               <a:rPr lang="en-CN" smtClean="0"/>
-              <a:t>2023/9/19</a:t>
+              <a:t>2024/1/5</a:t>
             </a:fld>
             <a:endParaRPr lang="en-CN"/>
           </a:p>
@@ -1152,7 +1589,7 @@
           <a:p>
             <a:fld id="{F2AAFE3D-A000-4E48-8FB2-BCF858431792}" type="datetimeFigureOut">
               <a:rPr lang="en-CN" smtClean="0"/>
-              <a:t>2023/9/19</a:t>
+              <a:t>2024/1/5</a:t>
             </a:fld>
             <a:endParaRPr lang="en-CN"/>
           </a:p>
@@ -1420,7 +1857,7 @@
           <a:p>
             <a:fld id="{F2AAFE3D-A000-4E48-8FB2-BCF858431792}" type="datetimeFigureOut">
               <a:rPr lang="en-CN" smtClean="0"/>
-              <a:t>2023/9/19</a:t>
+              <a:t>2024/1/5</a:t>
             </a:fld>
             <a:endParaRPr lang="en-CN"/>
           </a:p>
@@ -1835,7 +2272,7 @@
           <a:p>
             <a:fld id="{F2AAFE3D-A000-4E48-8FB2-BCF858431792}" type="datetimeFigureOut">
               <a:rPr lang="en-CN" smtClean="0"/>
-              <a:t>2023/9/19</a:t>
+              <a:t>2024/1/5</a:t>
             </a:fld>
             <a:endParaRPr lang="en-CN"/>
           </a:p>
@@ -1977,7 +2414,7 @@
           <a:p>
             <a:fld id="{F2AAFE3D-A000-4E48-8FB2-BCF858431792}" type="datetimeFigureOut">
               <a:rPr lang="en-CN" smtClean="0"/>
-              <a:t>2023/9/19</a:t>
+              <a:t>2024/1/5</a:t>
             </a:fld>
             <a:endParaRPr lang="en-CN"/>
           </a:p>
@@ -2090,7 +2527,7 @@
           <a:p>
             <a:fld id="{F2AAFE3D-A000-4E48-8FB2-BCF858431792}" type="datetimeFigureOut">
               <a:rPr lang="en-CN" smtClean="0"/>
-              <a:t>2023/9/19</a:t>
+              <a:t>2024/1/5</a:t>
             </a:fld>
             <a:endParaRPr lang="en-CN"/>
           </a:p>
@@ -2403,7 +2840,7 @@
           <a:p>
             <a:fld id="{F2AAFE3D-A000-4E48-8FB2-BCF858431792}" type="datetimeFigureOut">
               <a:rPr lang="en-CN" smtClean="0"/>
-              <a:t>2023/9/19</a:t>
+              <a:t>2024/1/5</a:t>
             </a:fld>
             <a:endParaRPr lang="en-CN"/>
           </a:p>
@@ -2692,7 +3129,7 @@
           <a:p>
             <a:fld id="{F2AAFE3D-A000-4E48-8FB2-BCF858431792}" type="datetimeFigureOut">
               <a:rPr lang="en-CN" smtClean="0"/>
-              <a:t>2023/9/19</a:t>
+              <a:t>2024/1/5</a:t>
             </a:fld>
             <a:endParaRPr lang="en-CN"/>
           </a:p>
@@ -2935,7 +3372,7 @@
           <a:p>
             <a:fld id="{F2AAFE3D-A000-4E48-8FB2-BCF858431792}" type="datetimeFigureOut">
               <a:rPr lang="en-CN" smtClean="0"/>
-              <a:t>2023/9/19</a:t>
+              <a:t>2024/1/5</a:t>
             </a:fld>
             <a:endParaRPr lang="en-CN"/>
           </a:p>
@@ -9051,6 +9488,48 @@
           <a:chExt cx="0" cy="0"/>
         </a:xfrm>
       </p:grpSpPr>
+      <p:cxnSp>
+        <p:nvCxnSpPr>
+          <p:cNvPr id="2" name="Straight Arrow Connector 1">
+            <a:extLst>
+              <a:ext uri="{FF2B5EF4-FFF2-40B4-BE49-F238E27FC236}">
+                <a16:creationId xmlns:a16="http://schemas.microsoft.com/office/drawing/2014/main" id="{6BE71C33-BEFD-BA29-8B5E-D2D404BCBA5D}"/>
+              </a:ext>
+            </a:extLst>
+          </p:cNvPr>
+          <p:cNvCxnSpPr>
+            <a:cxnSpLocks/>
+          </p:cNvCxnSpPr>
+          <p:nvPr/>
+        </p:nvCxnSpPr>
+        <p:spPr>
+          <a:xfrm flipV="1">
+            <a:off x="4111647" y="3304017"/>
+            <a:ext cx="0" cy="860338"/>
+          </a:xfrm>
+          <a:prstGeom prst="straightConnector1">
+            <a:avLst/>
+          </a:prstGeom>
+          <a:ln w="25400">
+            <a:headEnd type="triangle"/>
+            <a:tailEnd type="triangle"/>
+          </a:ln>
+        </p:spPr>
+        <p:style>
+          <a:lnRef idx="1">
+            <a:schemeClr val="dk1"/>
+          </a:lnRef>
+          <a:fillRef idx="0">
+            <a:schemeClr val="dk1"/>
+          </a:fillRef>
+          <a:effectRef idx="0">
+            <a:schemeClr val="dk1"/>
+          </a:effectRef>
+          <a:fontRef idx="minor">
+            <a:schemeClr val="tx1"/>
+          </a:fontRef>
+        </p:style>
+      </p:cxnSp>
       <p:pic>
         <p:nvPicPr>
           <p:cNvPr id="5" name="Picture 4">
@@ -9771,7 +10250,7 @@
               <a:pPr algn="ctr"/>
               <a:r>
                 <a:rPr lang="en-US" sz="1200" dirty="0"/>
-                <a:t>dense input</a:t>
+                <a:t>Dense Input</a:t>
               </a:r>
               <a:endParaRPr lang="en-CN" sz="1200" dirty="0"/>
             </a:p>
@@ -10182,51 +10661,6 @@
           </a:fillRef>
           <a:effectRef idx="0">
             <a:schemeClr val="dk1"/>
-          </a:effectRef>
-          <a:fontRef idx="minor">
-            <a:schemeClr val="tx1"/>
-          </a:fontRef>
-        </p:style>
-      </p:cxnSp>
-      <p:cxnSp>
-        <p:nvCxnSpPr>
-          <p:cNvPr id="81" name="Elbow Connector 80">
-            <a:extLst>
-              <a:ext uri="{FF2B5EF4-FFF2-40B4-BE49-F238E27FC236}">
-                <a16:creationId xmlns:a16="http://schemas.microsoft.com/office/drawing/2014/main" id="{5330762C-7F8B-DA57-0732-CEADA52AC24A}"/>
-              </a:ext>
-            </a:extLst>
-          </p:cNvPr>
-          <p:cNvCxnSpPr>
-            <a:cxnSpLocks/>
-            <a:stCxn id="20" idx="3"/>
-          </p:cNvCxnSpPr>
-          <p:nvPr/>
-        </p:nvCxnSpPr>
-        <p:spPr>
-          <a:xfrm flipV="1">
-            <a:off x="4253049" y="3304017"/>
-            <a:ext cx="137282" cy="1023016"/>
-          </a:xfrm>
-          <a:prstGeom prst="bentConnector2">
-            <a:avLst/>
-          </a:prstGeom>
-          <a:ln w="25400">
-            <a:solidFill>
-              <a:schemeClr val="tx1"/>
-            </a:solidFill>
-            <a:tailEnd type="triangle"/>
-          </a:ln>
-        </p:spPr>
-        <p:style>
-          <a:lnRef idx="1">
-            <a:schemeClr val="accent1"/>
-          </a:lnRef>
-          <a:fillRef idx="0">
-            <a:schemeClr val="accent1"/>
-          </a:fillRef>
-          <a:effectRef idx="0">
-            <a:schemeClr val="accent1"/>
           </a:effectRef>
           <a:fontRef idx="minor">
             <a:schemeClr val="tx1"/>
@@ -10691,6 +11125,2677 @@
           <a:chExt cx="0" cy="0"/>
         </a:xfrm>
       </p:grpSpPr>
+      <p:cxnSp>
+        <p:nvCxnSpPr>
+          <p:cNvPr id="153" name="Elbow Connector 152">
+            <a:extLst>
+              <a:ext uri="{FF2B5EF4-FFF2-40B4-BE49-F238E27FC236}">
+                <a16:creationId xmlns:a16="http://schemas.microsoft.com/office/drawing/2014/main" id="{D19420F4-4631-AEB0-B26B-A10F2AC9CEEA}"/>
+              </a:ext>
+            </a:extLst>
+          </p:cNvPr>
+          <p:cNvCxnSpPr>
+            <a:cxnSpLocks/>
+            <a:stCxn id="66" idx="1"/>
+          </p:cNvCxnSpPr>
+          <p:nvPr/>
+        </p:nvCxnSpPr>
+        <p:spPr>
+          <a:xfrm rot="10800000">
+            <a:off x="9826754" y="3224942"/>
+            <a:ext cx="142616" cy="1165453"/>
+          </a:xfrm>
+          <a:prstGeom prst="bentConnector2">
+            <a:avLst/>
+          </a:prstGeom>
+          <a:ln w="25400">
+            <a:solidFill>
+              <a:schemeClr val="tx1"/>
+            </a:solidFill>
+            <a:headEnd type="none"/>
+            <a:tailEnd type="triangle"/>
+          </a:ln>
+        </p:spPr>
+        <p:style>
+          <a:lnRef idx="1">
+            <a:schemeClr val="accent1"/>
+          </a:lnRef>
+          <a:fillRef idx="0">
+            <a:schemeClr val="accent1"/>
+          </a:fillRef>
+          <a:effectRef idx="0">
+            <a:schemeClr val="accent1"/>
+          </a:effectRef>
+          <a:fontRef idx="minor">
+            <a:schemeClr val="tx1"/>
+          </a:fontRef>
+        </p:style>
+      </p:cxnSp>
+      <p:cxnSp>
+        <p:nvCxnSpPr>
+          <p:cNvPr id="161" name="Straight Arrow Connector 160">
+            <a:extLst>
+              <a:ext uri="{FF2B5EF4-FFF2-40B4-BE49-F238E27FC236}">
+                <a16:creationId xmlns:a16="http://schemas.microsoft.com/office/drawing/2014/main" id="{28FFCB57-60BE-B545-B286-E127746AD2B3}"/>
+              </a:ext>
+            </a:extLst>
+          </p:cNvPr>
+          <p:cNvCxnSpPr>
+            <a:cxnSpLocks/>
+          </p:cNvCxnSpPr>
+          <p:nvPr/>
+        </p:nvCxnSpPr>
+        <p:spPr>
+          <a:xfrm flipV="1">
+            <a:off x="10183794" y="3226635"/>
+            <a:ext cx="0" cy="617349"/>
+          </a:xfrm>
+          <a:prstGeom prst="straightConnector1">
+            <a:avLst/>
+          </a:prstGeom>
+          <a:ln w="25400">
+            <a:headEnd type="triangle"/>
+            <a:tailEnd type="none"/>
+          </a:ln>
+        </p:spPr>
+        <p:style>
+          <a:lnRef idx="1">
+            <a:schemeClr val="dk1"/>
+          </a:lnRef>
+          <a:fillRef idx="0">
+            <a:schemeClr val="dk1"/>
+          </a:fillRef>
+          <a:effectRef idx="0">
+            <a:schemeClr val="dk1"/>
+          </a:effectRef>
+          <a:fontRef idx="minor">
+            <a:schemeClr val="tx1"/>
+          </a:fontRef>
+        </p:style>
+      </p:cxnSp>
+      <p:cxnSp>
+        <p:nvCxnSpPr>
+          <p:cNvPr id="159" name="Straight Arrow Connector 158">
+            <a:extLst>
+              <a:ext uri="{FF2B5EF4-FFF2-40B4-BE49-F238E27FC236}">
+                <a16:creationId xmlns:a16="http://schemas.microsoft.com/office/drawing/2014/main" id="{A9080B5E-6200-ADA8-761F-21C3DECFABB6}"/>
+              </a:ext>
+            </a:extLst>
+          </p:cNvPr>
+          <p:cNvCxnSpPr>
+            <a:cxnSpLocks/>
+          </p:cNvCxnSpPr>
+          <p:nvPr/>
+        </p:nvCxnSpPr>
+        <p:spPr>
+          <a:xfrm flipV="1">
+            <a:off x="9390228" y="3227257"/>
+            <a:ext cx="0" cy="860338"/>
+          </a:xfrm>
+          <a:prstGeom prst="straightConnector1">
+            <a:avLst/>
+          </a:prstGeom>
+          <a:ln w="25400">
+            <a:headEnd type="triangle"/>
+            <a:tailEnd type="triangle"/>
+          </a:ln>
+        </p:spPr>
+        <p:style>
+          <a:lnRef idx="1">
+            <a:schemeClr val="dk1"/>
+          </a:lnRef>
+          <a:fillRef idx="0">
+            <a:schemeClr val="dk1"/>
+          </a:fillRef>
+          <a:effectRef idx="0">
+            <a:schemeClr val="dk1"/>
+          </a:effectRef>
+          <a:fontRef idx="minor">
+            <a:schemeClr val="tx1"/>
+          </a:fontRef>
+        </p:style>
+      </p:cxnSp>
+      <p:grpSp>
+        <p:nvGrpSpPr>
+          <p:cNvPr id="96" name="Group 95">
+            <a:extLst>
+              <a:ext uri="{FF2B5EF4-FFF2-40B4-BE49-F238E27FC236}">
+                <a16:creationId xmlns:a16="http://schemas.microsoft.com/office/drawing/2014/main" id="{CD217725-999D-3E7A-2932-CEBA53B68C18}"/>
+              </a:ext>
+            </a:extLst>
+          </p:cNvPr>
+          <p:cNvGrpSpPr/>
+          <p:nvPr/>
+        </p:nvGrpSpPr>
+        <p:grpSpPr>
+          <a:xfrm>
+            <a:off x="6000426" y="1915120"/>
+            <a:ext cx="6001709" cy="2713206"/>
+            <a:chOff x="6739752" y="1611426"/>
+            <a:chExt cx="6001709" cy="2713206"/>
+          </a:xfrm>
+        </p:grpSpPr>
+        <p:sp>
+          <p:nvSpPr>
+            <p:cNvPr id="73" name="Rounded Rectangle 72">
+              <a:extLst>
+                <a:ext uri="{FF2B5EF4-FFF2-40B4-BE49-F238E27FC236}">
+                  <a16:creationId xmlns:a16="http://schemas.microsoft.com/office/drawing/2014/main" id="{553B22D0-B7F2-0D4E-26D2-5BBE076DA812}"/>
+                </a:ext>
+              </a:extLst>
+            </p:cNvPr>
+            <p:cNvSpPr/>
+            <p:nvPr/>
+          </p:nvSpPr>
+          <p:spPr>
+            <a:xfrm>
+              <a:off x="6875540" y="2529460"/>
+              <a:ext cx="4589482" cy="397835"/>
+            </a:xfrm>
+            <a:prstGeom prst="roundRect">
+              <a:avLst/>
+            </a:prstGeom>
+            <a:solidFill>
+              <a:schemeClr val="bg1"/>
+            </a:solidFill>
+          </p:spPr>
+          <p:style>
+            <a:lnRef idx="2">
+              <a:schemeClr val="accent1">
+                <a:shade val="15000"/>
+              </a:schemeClr>
+            </a:lnRef>
+            <a:fillRef idx="1">
+              <a:schemeClr val="accent1"/>
+            </a:fillRef>
+            <a:effectRef idx="0">
+              <a:schemeClr val="accent1"/>
+            </a:effectRef>
+            <a:fontRef idx="minor">
+              <a:schemeClr val="lt1"/>
+            </a:fontRef>
+          </p:style>
+          <p:txBody>
+            <a:bodyPr rtlCol="0" anchor="ctr"/>
+            <a:lstStyle/>
+            <a:p>
+              <a:pPr algn="ctr"/>
+              <a:r>
+                <a:rPr lang="en-US" sz="1400" dirty="0">
+                  <a:solidFill>
+                    <a:schemeClr val="tx1"/>
+                  </a:solidFill>
+                </a:rPr>
+                <a:t>I</a:t>
+              </a:r>
+              <a:r>
+                <a:rPr lang="en-CN" sz="1400" dirty="0">
+                  <a:solidFill>
+                    <a:schemeClr val="tx1"/>
+                  </a:solidFill>
+                </a:rPr>
+                <a:t>nference Buffer</a:t>
+              </a:r>
+            </a:p>
+          </p:txBody>
+        </p:sp>
+        <p:cxnSp>
+          <p:nvCxnSpPr>
+            <p:cNvPr id="89" name="Elbow Connector 88">
+              <a:extLst>
+                <a:ext uri="{FF2B5EF4-FFF2-40B4-BE49-F238E27FC236}">
+                  <a16:creationId xmlns:a16="http://schemas.microsoft.com/office/drawing/2014/main" id="{48BC36DB-40A7-5CB9-1388-22EE26DDB41D}"/>
+                </a:ext>
+              </a:extLst>
+            </p:cNvPr>
+            <p:cNvCxnSpPr>
+              <a:cxnSpLocks/>
+              <a:endCxn id="74" idx="1"/>
+            </p:cNvCxnSpPr>
+            <p:nvPr/>
+          </p:nvCxnSpPr>
+          <p:spPr>
+            <a:xfrm rot="5400000" flipH="1" flipV="1">
+              <a:off x="11004143" y="2947671"/>
+              <a:ext cx="816266" cy="365585"/>
+            </a:xfrm>
+            <a:prstGeom prst="bentConnector2">
+              <a:avLst/>
+            </a:prstGeom>
+            <a:ln w="25400">
+              <a:solidFill>
+                <a:schemeClr val="tx1"/>
+              </a:solidFill>
+              <a:tailEnd type="triangle"/>
+            </a:ln>
+          </p:spPr>
+          <p:style>
+            <a:lnRef idx="1">
+              <a:schemeClr val="accent1"/>
+            </a:lnRef>
+            <a:fillRef idx="0">
+              <a:schemeClr val="accent1"/>
+            </a:fillRef>
+            <a:effectRef idx="0">
+              <a:schemeClr val="accent1"/>
+            </a:effectRef>
+            <a:fontRef idx="minor">
+              <a:schemeClr val="tx1"/>
+            </a:fontRef>
+          </p:style>
+        </p:cxnSp>
+        <p:sp>
+          <p:nvSpPr>
+            <p:cNvPr id="62" name="Rectangle 61">
+              <a:extLst>
+                <a:ext uri="{FF2B5EF4-FFF2-40B4-BE49-F238E27FC236}">
+                  <a16:creationId xmlns:a16="http://schemas.microsoft.com/office/drawing/2014/main" id="{46F38446-9CC0-AC34-89DF-B4B3E53D14F8}"/>
+                </a:ext>
+              </a:extLst>
+            </p:cNvPr>
+            <p:cNvSpPr/>
+            <p:nvPr/>
+          </p:nvSpPr>
+          <p:spPr>
+            <a:xfrm>
+              <a:off x="6813049" y="3344623"/>
+              <a:ext cx="5928412" cy="980009"/>
+            </a:xfrm>
+            <a:prstGeom prst="rect">
+              <a:avLst/>
+            </a:prstGeom>
+            <a:noFill/>
+            <a:ln w="15875" cap="flat" cmpd="sng" algn="ctr">
+              <a:solidFill>
+                <a:schemeClr val="dk1"/>
+              </a:solidFill>
+              <a:prstDash val="sysDash"/>
+              <a:round/>
+              <a:headEnd type="none" w="med" len="med"/>
+              <a:tailEnd type="none" w="med" len="med"/>
+            </a:ln>
+          </p:spPr>
+          <p:style>
+            <a:lnRef idx="0">
+              <a:scrgbClr r="0" g="0" b="0"/>
+            </a:lnRef>
+            <a:fillRef idx="0">
+              <a:scrgbClr r="0" g="0" b="0"/>
+            </a:fillRef>
+            <a:effectRef idx="0">
+              <a:scrgbClr r="0" g="0" b="0"/>
+            </a:effectRef>
+            <a:fontRef idx="minor">
+              <a:schemeClr val="dk1"/>
+            </a:fontRef>
+          </p:style>
+          <p:txBody>
+            <a:bodyPr rtlCol="0" anchor="ctr"/>
+            <a:lstStyle/>
+            <a:p>
+              <a:pPr algn="ctr"/>
+              <a:endParaRPr lang="en-CN" sz="1400"/>
+            </a:p>
+          </p:txBody>
+        </p:sp>
+        <p:sp>
+          <p:nvSpPr>
+            <p:cNvPr id="63" name="Multidocument 62">
+              <a:extLst>
+                <a:ext uri="{FF2B5EF4-FFF2-40B4-BE49-F238E27FC236}">
+                  <a16:creationId xmlns:a16="http://schemas.microsoft.com/office/drawing/2014/main" id="{4C86CCF6-74F1-9FBD-8696-ACB8DD4D5EBD}"/>
+                </a:ext>
+              </a:extLst>
+            </p:cNvPr>
+            <p:cNvSpPr/>
+            <p:nvPr/>
+          </p:nvSpPr>
+          <p:spPr>
+            <a:xfrm>
+              <a:off x="6875540" y="3545023"/>
+              <a:ext cx="1055643" cy="695311"/>
+            </a:xfrm>
+            <a:prstGeom prst="flowChartMultidocument">
+              <a:avLst/>
+            </a:prstGeom>
+            <a:solidFill>
+              <a:schemeClr val="dk1">
+                <a:alpha val="50000"/>
+              </a:schemeClr>
+            </a:solidFill>
+            <a:ln>
+              <a:solidFill>
+                <a:schemeClr val="tx1"/>
+              </a:solidFill>
+            </a:ln>
+          </p:spPr>
+          <p:style>
+            <a:lnRef idx="0">
+              <a:scrgbClr r="0" g="0" b="0"/>
+            </a:lnRef>
+            <a:fillRef idx="0">
+              <a:scrgbClr r="0" g="0" b="0"/>
+            </a:fillRef>
+            <a:effectRef idx="0">
+              <a:scrgbClr r="0" g="0" b="0"/>
+            </a:effectRef>
+            <a:fontRef idx="minor">
+              <a:schemeClr val="lt1"/>
+            </a:fontRef>
+          </p:style>
+          <p:txBody>
+            <a:bodyPr rtlCol="0" anchor="ctr"/>
+            <a:lstStyle/>
+            <a:p>
+              <a:pPr algn="ctr"/>
+              <a:r>
+                <a:rPr lang="en-CN" sz="1400" dirty="0"/>
+                <a:t>Backbone Params</a:t>
+              </a:r>
+            </a:p>
+          </p:txBody>
+        </p:sp>
+        <p:sp>
+          <p:nvSpPr>
+            <p:cNvPr id="64" name="Multidocument 63">
+              <a:extLst>
+                <a:ext uri="{FF2B5EF4-FFF2-40B4-BE49-F238E27FC236}">
+                  <a16:creationId xmlns:a16="http://schemas.microsoft.com/office/drawing/2014/main" id="{ADF3073F-8FFF-9493-318A-70479AD77E11}"/>
+                </a:ext>
+              </a:extLst>
+            </p:cNvPr>
+            <p:cNvSpPr/>
+            <p:nvPr/>
+          </p:nvSpPr>
+          <p:spPr>
+            <a:xfrm>
+              <a:off x="8018402" y="3545023"/>
+              <a:ext cx="1053689" cy="695311"/>
+            </a:xfrm>
+            <a:prstGeom prst="flowChartMultidocument">
+              <a:avLst/>
+            </a:prstGeom>
+            <a:solidFill>
+              <a:schemeClr val="dk1">
+                <a:alpha val="50000"/>
+              </a:schemeClr>
+            </a:solidFill>
+            <a:ln>
+              <a:solidFill>
+                <a:schemeClr val="tx1"/>
+              </a:solidFill>
+            </a:ln>
+          </p:spPr>
+          <p:style>
+            <a:lnRef idx="0">
+              <a:scrgbClr r="0" g="0" b="0"/>
+            </a:lnRef>
+            <a:fillRef idx="0">
+              <a:scrgbClr r="0" g="0" b="0"/>
+            </a:fillRef>
+            <a:effectRef idx="0">
+              <a:scrgbClr r="0" g="0" b="0"/>
+            </a:effectRef>
+            <a:fontRef idx="minor">
+              <a:schemeClr val="lt1"/>
+            </a:fontRef>
+          </p:style>
+          <p:txBody>
+            <a:bodyPr rtlCol="0" anchor="ctr"/>
+            <a:lstStyle/>
+            <a:p>
+              <a:pPr algn="ctr"/>
+              <a:r>
+                <a:rPr lang="en-CN" sz="1400" dirty="0"/>
+                <a:t>Classifier Params</a:t>
+              </a:r>
+            </a:p>
+          </p:txBody>
+        </p:sp>
+        <p:sp>
+          <p:nvSpPr>
+            <p:cNvPr id="65" name="Rectangle 64">
+              <a:extLst>
+                <a:ext uri="{FF2B5EF4-FFF2-40B4-BE49-F238E27FC236}">
+                  <a16:creationId xmlns:a16="http://schemas.microsoft.com/office/drawing/2014/main" id="{2FF5B38F-ECA5-721C-03C5-BB1093E03DE4}"/>
+                </a:ext>
+              </a:extLst>
+            </p:cNvPr>
+            <p:cNvSpPr/>
+            <p:nvPr/>
+          </p:nvSpPr>
+          <p:spPr>
+            <a:xfrm>
+              <a:off x="6813049" y="2328564"/>
+              <a:ext cx="5928412" cy="708959"/>
+            </a:xfrm>
+            <a:prstGeom prst="rect">
+              <a:avLst/>
+            </a:prstGeom>
+            <a:noFill/>
+            <a:ln w="15875" cap="flat" cmpd="sng" algn="ctr">
+              <a:solidFill>
+                <a:schemeClr val="dk1"/>
+              </a:solidFill>
+              <a:prstDash val="sysDash"/>
+              <a:round/>
+              <a:headEnd type="none" w="med" len="med"/>
+              <a:tailEnd type="none" w="med" len="med"/>
+            </a:ln>
+          </p:spPr>
+          <p:style>
+            <a:lnRef idx="0">
+              <a:scrgbClr r="0" g="0" b="0"/>
+            </a:lnRef>
+            <a:fillRef idx="0">
+              <a:scrgbClr r="0" g="0" b="0"/>
+            </a:fillRef>
+            <a:effectRef idx="0">
+              <a:scrgbClr r="0" g="0" b="0"/>
+            </a:effectRef>
+            <a:fontRef idx="minor">
+              <a:schemeClr val="dk1"/>
+            </a:fontRef>
+          </p:style>
+          <p:txBody>
+            <a:bodyPr rtlCol="0" anchor="ctr"/>
+            <a:lstStyle/>
+            <a:p>
+              <a:pPr algn="ctr"/>
+              <a:endParaRPr lang="en-CN" sz="1400"/>
+            </a:p>
+          </p:txBody>
+        </p:sp>
+        <p:sp>
+          <p:nvSpPr>
+            <p:cNvPr id="66" name="Rectangle 65">
+              <a:extLst>
+                <a:ext uri="{FF2B5EF4-FFF2-40B4-BE49-F238E27FC236}">
+                  <a16:creationId xmlns:a16="http://schemas.microsoft.com/office/drawing/2014/main" id="{7CF975D5-E0C5-FB82-36C3-A7241C070158}"/>
+                </a:ext>
+              </a:extLst>
+            </p:cNvPr>
+            <p:cNvSpPr/>
+            <p:nvPr/>
+          </p:nvSpPr>
+          <p:spPr>
+            <a:xfrm>
+              <a:off x="10708696" y="3933065"/>
+              <a:ext cx="756326" cy="307270"/>
+            </a:xfrm>
+            <a:prstGeom prst="rect">
+              <a:avLst/>
+            </a:prstGeom>
+          </p:spPr>
+          <p:style>
+            <a:lnRef idx="2">
+              <a:schemeClr val="accent1">
+                <a:shade val="15000"/>
+              </a:schemeClr>
+            </a:lnRef>
+            <a:fillRef idx="1">
+              <a:schemeClr val="accent1"/>
+            </a:fillRef>
+            <a:effectRef idx="0">
+              <a:schemeClr val="accent1"/>
+            </a:effectRef>
+            <a:fontRef idx="minor">
+              <a:schemeClr val="lt1"/>
+            </a:fontRef>
+          </p:style>
+          <p:txBody>
+            <a:bodyPr rtlCol="0" anchor="ctr"/>
+            <a:lstStyle/>
+            <a:p>
+              <a:pPr algn="ctr"/>
+              <a:r>
+                <a:rPr lang="en-US" sz="1400" dirty="0"/>
+                <a:t>I</a:t>
+              </a:r>
+              <a:r>
+                <a:rPr lang="en-CN" sz="1400" dirty="0"/>
+                <a:t>nput</a:t>
+              </a:r>
+            </a:p>
+          </p:txBody>
+        </p:sp>
+        <p:sp>
+          <p:nvSpPr>
+            <p:cNvPr id="67" name="Rectangle 66">
+              <a:extLst>
+                <a:ext uri="{FF2B5EF4-FFF2-40B4-BE49-F238E27FC236}">
+                  <a16:creationId xmlns:a16="http://schemas.microsoft.com/office/drawing/2014/main" id="{6E28A610-0569-EFD3-40F2-94F98DFCCF6D}"/>
+                </a:ext>
+              </a:extLst>
+            </p:cNvPr>
+            <p:cNvSpPr/>
+            <p:nvPr/>
+          </p:nvSpPr>
+          <p:spPr>
+            <a:xfrm>
+              <a:off x="10708700" y="3545023"/>
+              <a:ext cx="756325" cy="303742"/>
+            </a:xfrm>
+            <a:prstGeom prst="rect">
+              <a:avLst/>
+            </a:prstGeom>
+          </p:spPr>
+          <p:style>
+            <a:lnRef idx="2">
+              <a:schemeClr val="accent1">
+                <a:shade val="15000"/>
+              </a:schemeClr>
+            </a:lnRef>
+            <a:fillRef idx="1">
+              <a:schemeClr val="accent1"/>
+            </a:fillRef>
+            <a:effectRef idx="0">
+              <a:schemeClr val="accent1"/>
+            </a:effectRef>
+            <a:fontRef idx="minor">
+              <a:schemeClr val="lt1"/>
+            </a:fontRef>
+          </p:style>
+          <p:txBody>
+            <a:bodyPr rtlCol="0" anchor="ctr"/>
+            <a:lstStyle/>
+            <a:p>
+              <a:pPr algn="ctr"/>
+              <a:r>
+                <a:rPr lang="en-US" sz="1400" dirty="0"/>
+                <a:t>Output</a:t>
+              </a:r>
+              <a:endParaRPr lang="en-CN" sz="1400" dirty="0"/>
+            </a:p>
+          </p:txBody>
+        </p:sp>
+        <p:sp>
+          <p:nvSpPr>
+            <p:cNvPr id="68" name="Rectangle 67">
+              <a:extLst>
+                <a:ext uri="{FF2B5EF4-FFF2-40B4-BE49-F238E27FC236}">
+                  <a16:creationId xmlns:a16="http://schemas.microsoft.com/office/drawing/2014/main" id="{C60120BD-24FF-0CA5-6674-DA62C065E162}"/>
+                </a:ext>
+              </a:extLst>
+            </p:cNvPr>
+            <p:cNvSpPr/>
+            <p:nvPr/>
+          </p:nvSpPr>
+          <p:spPr>
+            <a:xfrm>
+              <a:off x="11595069" y="3545025"/>
+              <a:ext cx="1079989" cy="695309"/>
+            </a:xfrm>
+            <a:prstGeom prst="rect">
+              <a:avLst/>
+            </a:prstGeom>
+          </p:spPr>
+          <p:style>
+            <a:lnRef idx="2">
+              <a:schemeClr val="accent6">
+                <a:shade val="15000"/>
+              </a:schemeClr>
+            </a:lnRef>
+            <a:fillRef idx="1">
+              <a:schemeClr val="accent6"/>
+            </a:fillRef>
+            <a:effectRef idx="0">
+              <a:schemeClr val="accent6"/>
+            </a:effectRef>
+            <a:fontRef idx="minor">
+              <a:schemeClr val="lt1"/>
+            </a:fontRef>
+          </p:style>
+          <p:txBody>
+            <a:bodyPr rtlCol="0" anchor="ctr"/>
+            <a:lstStyle/>
+            <a:p>
+              <a:pPr algn="ctr"/>
+              <a:r>
+                <a:rPr lang="en-CN" sz="1400" dirty="0"/>
+                <a:t>EMA Buffer</a:t>
+              </a:r>
+            </a:p>
+          </p:txBody>
+        </p:sp>
+        <p:grpSp>
+          <p:nvGrpSpPr>
+            <p:cNvPr id="69" name="Group 68">
+              <a:extLst>
+                <a:ext uri="{FF2B5EF4-FFF2-40B4-BE49-F238E27FC236}">
+                  <a16:creationId xmlns:a16="http://schemas.microsoft.com/office/drawing/2014/main" id="{ED987002-FD9A-E35A-1EF8-8C5B0C7DD640}"/>
+                </a:ext>
+              </a:extLst>
+            </p:cNvPr>
+            <p:cNvGrpSpPr/>
+            <p:nvPr/>
+          </p:nvGrpSpPr>
+          <p:grpSpPr>
+            <a:xfrm>
+              <a:off x="9160830" y="3504586"/>
+              <a:ext cx="1275206" cy="729320"/>
+              <a:chOff x="3220479" y="3791404"/>
+              <a:chExt cx="1275206" cy="729320"/>
+            </a:xfrm>
+          </p:grpSpPr>
+          <p:sp>
+            <p:nvSpPr>
+              <p:cNvPr id="70" name="Rounded Rectangle 69">
+                <a:extLst>
+                  <a:ext uri="{FF2B5EF4-FFF2-40B4-BE49-F238E27FC236}">
+                    <a16:creationId xmlns:a16="http://schemas.microsoft.com/office/drawing/2014/main" id="{D28A7D76-BC31-AC6E-735C-2011D68C15EF}"/>
+                  </a:ext>
+                </a:extLst>
+              </p:cNvPr>
+              <p:cNvSpPr/>
+              <p:nvPr/>
+            </p:nvSpPr>
+            <p:spPr>
+              <a:xfrm>
+                <a:off x="3220479" y="3825414"/>
+                <a:ext cx="1274771" cy="695310"/>
+              </a:xfrm>
+              <a:prstGeom prst="roundRect">
+                <a:avLst/>
+              </a:prstGeom>
+              <a:solidFill>
+                <a:srgbClr val="7030A0">
+                  <a:alpha val="50000"/>
+                </a:srgbClr>
+              </a:solidFill>
+              <a:ln>
+                <a:solidFill>
+                  <a:schemeClr val="tx1"/>
+                </a:solidFill>
+              </a:ln>
+            </p:spPr>
+            <p:style>
+              <a:lnRef idx="0">
+                <a:scrgbClr r="0" g="0" b="0"/>
+              </a:lnRef>
+              <a:fillRef idx="0">
+                <a:scrgbClr r="0" g="0" b="0"/>
+              </a:fillRef>
+              <a:effectRef idx="0">
+                <a:scrgbClr r="0" g="0" b="0"/>
+              </a:effectRef>
+              <a:fontRef idx="minor">
+                <a:schemeClr val="lt1"/>
+              </a:fontRef>
+            </p:style>
+            <p:txBody>
+              <a:bodyPr rtlCol="0" anchor="ctr"/>
+              <a:lstStyle/>
+              <a:p>
+                <a:pPr algn="ctr"/>
+                <a:endParaRPr lang="en-CN" sz="1400" dirty="0"/>
+              </a:p>
+            </p:txBody>
+          </p:sp>
+          <p:sp>
+            <p:nvSpPr>
+              <p:cNvPr id="71" name="Rectangle 70">
+                <a:extLst>
+                  <a:ext uri="{FF2B5EF4-FFF2-40B4-BE49-F238E27FC236}">
+                    <a16:creationId xmlns:a16="http://schemas.microsoft.com/office/drawing/2014/main" id="{DB2BE958-DB99-C99D-38BB-DC4053B61F85}"/>
+                  </a:ext>
+                </a:extLst>
+              </p:cNvPr>
+              <p:cNvSpPr/>
+              <p:nvPr/>
+            </p:nvSpPr>
+            <p:spPr>
+              <a:xfrm>
+                <a:off x="3285932" y="4077507"/>
+                <a:ext cx="1098366" cy="307147"/>
+              </a:xfrm>
+              <a:prstGeom prst="rect">
+                <a:avLst/>
+              </a:prstGeom>
+            </p:spPr>
+            <p:style>
+              <a:lnRef idx="2">
+                <a:schemeClr val="accent6">
+                  <a:shade val="15000"/>
+                </a:schemeClr>
+              </a:lnRef>
+              <a:fillRef idx="1">
+                <a:schemeClr val="accent6"/>
+              </a:fillRef>
+              <a:effectRef idx="0">
+                <a:schemeClr val="accent6"/>
+              </a:effectRef>
+              <a:fontRef idx="minor">
+                <a:schemeClr val="lt1"/>
+              </a:fontRef>
+            </p:style>
+            <p:txBody>
+              <a:bodyPr rtlCol="0" anchor="ctr"/>
+              <a:lstStyle/>
+              <a:p>
+                <a:pPr algn="ctr"/>
+                <a:r>
+                  <a:rPr lang="en-US" sz="1400" dirty="0"/>
+                  <a:t>Dense Input</a:t>
+                </a:r>
+                <a:endParaRPr lang="en-CN" sz="1400" dirty="0"/>
+              </a:p>
+            </p:txBody>
+          </p:sp>
+          <p:sp>
+            <p:nvSpPr>
+              <p:cNvPr id="72" name="TextBox 71">
+                <a:extLst>
+                  <a:ext uri="{FF2B5EF4-FFF2-40B4-BE49-F238E27FC236}">
+                    <a16:creationId xmlns:a16="http://schemas.microsoft.com/office/drawing/2014/main" id="{03AF6F7D-225D-D740-E3E4-5CB56BF7BAD2}"/>
+                  </a:ext>
+                </a:extLst>
+              </p:cNvPr>
+              <p:cNvSpPr txBox="1"/>
+              <p:nvPr/>
+            </p:nvSpPr>
+            <p:spPr>
+              <a:xfrm>
+                <a:off x="3220913" y="3791404"/>
+                <a:ext cx="1274772" cy="307777"/>
+              </a:xfrm>
+              <a:prstGeom prst="rect">
+                <a:avLst/>
+              </a:prstGeom>
+              <a:noFill/>
+            </p:spPr>
+            <p:txBody>
+              <a:bodyPr wrap="square">
+                <a:spAutoFit/>
+              </a:bodyPr>
+              <a:lstStyle/>
+              <a:p>
+                <a:r>
+                  <a:rPr lang="en-CN" sz="1400" dirty="0">
+                    <a:solidFill>
+                      <a:schemeClr val="bg1"/>
+                    </a:solidFill>
+                  </a:rPr>
+                  <a:t>Activations</a:t>
+                </a:r>
+              </a:p>
+            </p:txBody>
+          </p:sp>
+        </p:grpSp>
+        <p:sp>
+          <p:nvSpPr>
+            <p:cNvPr id="74" name="Rounded Rectangle 73">
+              <a:extLst>
+                <a:ext uri="{FF2B5EF4-FFF2-40B4-BE49-F238E27FC236}">
+                  <a16:creationId xmlns:a16="http://schemas.microsoft.com/office/drawing/2014/main" id="{32832335-2C0D-76A3-2814-AD448B4DC4F2}"/>
+                </a:ext>
+              </a:extLst>
+            </p:cNvPr>
+            <p:cNvSpPr/>
+            <p:nvPr/>
+          </p:nvSpPr>
+          <p:spPr>
+            <a:xfrm>
+              <a:off x="11595069" y="2523412"/>
+              <a:ext cx="1079990" cy="397835"/>
+            </a:xfrm>
+            <a:prstGeom prst="roundRect">
+              <a:avLst/>
+            </a:prstGeom>
+            <a:solidFill>
+              <a:srgbClr val="ED7D31"/>
+            </a:solidFill>
+          </p:spPr>
+          <p:style>
+            <a:lnRef idx="2">
+              <a:schemeClr val="accent1">
+                <a:shade val="15000"/>
+              </a:schemeClr>
+            </a:lnRef>
+            <a:fillRef idx="1">
+              <a:schemeClr val="accent1"/>
+            </a:fillRef>
+            <a:effectRef idx="0">
+              <a:schemeClr val="accent1"/>
+            </a:effectRef>
+            <a:fontRef idx="minor">
+              <a:schemeClr val="lt1"/>
+            </a:fontRef>
+          </p:style>
+          <p:txBody>
+            <a:bodyPr rtlCol="0" anchor="ctr"/>
+            <a:lstStyle/>
+            <a:p>
+              <a:pPr algn="ctr"/>
+              <a:r>
+                <a:rPr lang="en-US" sz="1400" dirty="0"/>
+                <a:t>O</a:t>
+              </a:r>
+              <a:r>
+                <a:rPr lang="en-CN" sz="1400" dirty="0"/>
+                <a:t>T Buffer</a:t>
+              </a:r>
+            </a:p>
+          </p:txBody>
+        </p:sp>
+        <p:sp>
+          <p:nvSpPr>
+            <p:cNvPr id="75" name="TextBox 74">
+              <a:extLst>
+                <a:ext uri="{FF2B5EF4-FFF2-40B4-BE49-F238E27FC236}">
+                  <a16:creationId xmlns:a16="http://schemas.microsoft.com/office/drawing/2014/main" id="{37C5F5E5-26A9-CDEB-ACCD-7B9C2FDA29AE}"/>
+                </a:ext>
+              </a:extLst>
+            </p:cNvPr>
+            <p:cNvSpPr txBox="1"/>
+            <p:nvPr/>
+          </p:nvSpPr>
+          <p:spPr>
+            <a:xfrm>
+              <a:off x="6739752" y="2273110"/>
+              <a:ext cx="777777" cy="307777"/>
+            </a:xfrm>
+            <a:prstGeom prst="rect">
+              <a:avLst/>
+            </a:prstGeom>
+            <a:noFill/>
+          </p:spPr>
+          <p:txBody>
+            <a:bodyPr wrap="none" rtlCol="0">
+              <a:spAutoFit/>
+            </a:bodyPr>
+            <a:lstStyle/>
+            <a:p>
+              <a:r>
+                <a:rPr lang="en-CN" sz="1400" dirty="0"/>
+                <a:t>L1 Mem</a:t>
+              </a:r>
+            </a:p>
+          </p:txBody>
+        </p:sp>
+        <p:cxnSp>
+          <p:nvCxnSpPr>
+            <p:cNvPr id="76" name="Straight Arrow Connector 75">
+              <a:extLst>
+                <a:ext uri="{FF2B5EF4-FFF2-40B4-BE49-F238E27FC236}">
+                  <a16:creationId xmlns:a16="http://schemas.microsoft.com/office/drawing/2014/main" id="{E5928EDB-12A8-4D5C-E445-E9E497EDF3F7}"/>
+                </a:ext>
+              </a:extLst>
+            </p:cNvPr>
+            <p:cNvCxnSpPr>
+              <a:cxnSpLocks/>
+              <a:stCxn id="63" idx="0"/>
+            </p:cNvCxnSpPr>
+            <p:nvPr/>
+          </p:nvCxnSpPr>
+          <p:spPr>
+            <a:xfrm flipV="1">
+              <a:off x="7475986" y="2927295"/>
+              <a:ext cx="0" cy="617728"/>
+            </a:xfrm>
+            <a:prstGeom prst="straightConnector1">
+              <a:avLst/>
+            </a:prstGeom>
+            <a:ln w="25400">
+              <a:headEnd type="none"/>
+              <a:tailEnd type="triangle"/>
+            </a:ln>
+          </p:spPr>
+          <p:style>
+            <a:lnRef idx="1">
+              <a:schemeClr val="dk1"/>
+            </a:lnRef>
+            <a:fillRef idx="0">
+              <a:schemeClr val="dk1"/>
+            </a:fillRef>
+            <a:effectRef idx="0">
+              <a:schemeClr val="dk1"/>
+            </a:effectRef>
+            <a:fontRef idx="minor">
+              <a:schemeClr val="tx1"/>
+            </a:fontRef>
+          </p:style>
+        </p:cxnSp>
+        <p:cxnSp>
+          <p:nvCxnSpPr>
+            <p:cNvPr id="77" name="Straight Arrow Connector 76">
+              <a:extLst>
+                <a:ext uri="{FF2B5EF4-FFF2-40B4-BE49-F238E27FC236}">
+                  <a16:creationId xmlns:a16="http://schemas.microsoft.com/office/drawing/2014/main" id="{EBDC80D8-00FD-131B-72CD-D3C3179ABD2D}"/>
+                </a:ext>
+              </a:extLst>
+            </p:cNvPr>
+            <p:cNvCxnSpPr>
+              <a:cxnSpLocks/>
+              <a:stCxn id="64" idx="0"/>
+            </p:cNvCxnSpPr>
+            <p:nvPr/>
+          </p:nvCxnSpPr>
+          <p:spPr>
+            <a:xfrm flipH="1" flipV="1">
+              <a:off x="8617735" y="2921247"/>
+              <a:ext cx="1" cy="623776"/>
+            </a:xfrm>
+            <a:prstGeom prst="straightConnector1">
+              <a:avLst/>
+            </a:prstGeom>
+            <a:ln w="25400">
+              <a:headEnd type="triangle"/>
+              <a:tailEnd type="triangle"/>
+            </a:ln>
+          </p:spPr>
+          <p:style>
+            <a:lnRef idx="1">
+              <a:schemeClr val="dk1"/>
+            </a:lnRef>
+            <a:fillRef idx="0">
+              <a:schemeClr val="dk1"/>
+            </a:fillRef>
+            <a:effectRef idx="0">
+              <a:schemeClr val="dk1"/>
+            </a:effectRef>
+            <a:fontRef idx="minor">
+              <a:schemeClr val="tx1"/>
+            </a:fontRef>
+          </p:style>
+        </p:cxnSp>
+        <p:cxnSp>
+          <p:nvCxnSpPr>
+            <p:cNvPr id="78" name="Straight Arrow Connector 77">
+              <a:extLst>
+                <a:ext uri="{FF2B5EF4-FFF2-40B4-BE49-F238E27FC236}">
+                  <a16:creationId xmlns:a16="http://schemas.microsoft.com/office/drawing/2014/main" id="{14AB72C7-640A-4981-2179-78ACD00C15DF}"/>
+                </a:ext>
+              </a:extLst>
+            </p:cNvPr>
+            <p:cNvCxnSpPr>
+              <a:cxnSpLocks/>
+            </p:cNvCxnSpPr>
+            <p:nvPr/>
+          </p:nvCxnSpPr>
+          <p:spPr>
+            <a:xfrm flipV="1">
+              <a:off x="9626282" y="2921247"/>
+              <a:ext cx="0" cy="617349"/>
+            </a:xfrm>
+            <a:prstGeom prst="straightConnector1">
+              <a:avLst/>
+            </a:prstGeom>
+            <a:ln w="25400">
+              <a:headEnd type="triangle"/>
+              <a:tailEnd type="triangle"/>
+            </a:ln>
+          </p:spPr>
+          <p:style>
+            <a:lnRef idx="1">
+              <a:schemeClr val="dk1"/>
+            </a:lnRef>
+            <a:fillRef idx="0">
+              <a:schemeClr val="dk1"/>
+            </a:fillRef>
+            <a:effectRef idx="0">
+              <a:schemeClr val="dk1"/>
+            </a:effectRef>
+            <a:fontRef idx="minor">
+              <a:schemeClr val="tx1"/>
+            </a:fontRef>
+          </p:style>
+        </p:cxnSp>
+        <p:cxnSp>
+          <p:nvCxnSpPr>
+            <p:cNvPr id="80" name="Straight Arrow Connector 79">
+              <a:extLst>
+                <a:ext uri="{FF2B5EF4-FFF2-40B4-BE49-F238E27FC236}">
+                  <a16:creationId xmlns:a16="http://schemas.microsoft.com/office/drawing/2014/main" id="{2AAF8283-C2BB-5843-6C05-740F81AC2996}"/>
+                </a:ext>
+              </a:extLst>
+            </p:cNvPr>
+            <p:cNvCxnSpPr>
+              <a:cxnSpLocks/>
+              <a:stCxn id="68" idx="0"/>
+              <a:endCxn id="74" idx="2"/>
+            </p:cNvCxnSpPr>
+            <p:nvPr/>
+          </p:nvCxnSpPr>
+          <p:spPr>
+            <a:xfrm flipV="1">
+              <a:off x="12135064" y="2921247"/>
+              <a:ext cx="0" cy="623778"/>
+            </a:xfrm>
+            <a:prstGeom prst="straightConnector1">
+              <a:avLst/>
+            </a:prstGeom>
+            <a:ln w="25400">
+              <a:headEnd type="triangle"/>
+              <a:tailEnd type="triangle"/>
+            </a:ln>
+          </p:spPr>
+          <p:style>
+            <a:lnRef idx="1">
+              <a:schemeClr val="dk1"/>
+            </a:lnRef>
+            <a:fillRef idx="0">
+              <a:schemeClr val="dk1"/>
+            </a:fillRef>
+            <a:effectRef idx="0">
+              <a:schemeClr val="dk1"/>
+            </a:effectRef>
+            <a:fontRef idx="minor">
+              <a:schemeClr val="tx1"/>
+            </a:fontRef>
+          </p:style>
+        </p:cxnSp>
+        <p:sp>
+          <p:nvSpPr>
+            <p:cNvPr id="82" name="Rectangle 81">
+              <a:extLst>
+                <a:ext uri="{FF2B5EF4-FFF2-40B4-BE49-F238E27FC236}">
+                  <a16:creationId xmlns:a16="http://schemas.microsoft.com/office/drawing/2014/main" id="{58724ACB-82E0-D452-D036-BE1455B316C0}"/>
+                </a:ext>
+              </a:extLst>
+            </p:cNvPr>
+            <p:cNvSpPr/>
+            <p:nvPr/>
+          </p:nvSpPr>
+          <p:spPr>
+            <a:xfrm>
+              <a:off x="6813049" y="1611426"/>
+              <a:ext cx="3689363" cy="485540"/>
+            </a:xfrm>
+            <a:prstGeom prst="rect">
+              <a:avLst/>
+            </a:prstGeom>
+          </p:spPr>
+          <p:style>
+            <a:lnRef idx="2">
+              <a:schemeClr val="dk1"/>
+            </a:lnRef>
+            <a:fillRef idx="1">
+              <a:schemeClr val="lt1"/>
+            </a:fillRef>
+            <a:effectRef idx="0">
+              <a:schemeClr val="dk1"/>
+            </a:effectRef>
+            <a:fontRef idx="minor">
+              <a:schemeClr val="dk1"/>
+            </a:fontRef>
+          </p:style>
+          <p:txBody>
+            <a:bodyPr rtlCol="0" anchor="ctr"/>
+            <a:lstStyle/>
+            <a:p>
+              <a:pPr algn="ctr"/>
+              <a:r>
+                <a:rPr lang="en-US" sz="1400" dirty="0"/>
+                <a:t>I</a:t>
+              </a:r>
+              <a:r>
+                <a:rPr lang="en-CN" sz="1400" dirty="0"/>
+                <a:t>nference Engine</a:t>
+              </a:r>
+            </a:p>
+          </p:txBody>
+        </p:sp>
+        <p:sp>
+          <p:nvSpPr>
+            <p:cNvPr id="83" name="Rectangle 82">
+              <a:extLst>
+                <a:ext uri="{FF2B5EF4-FFF2-40B4-BE49-F238E27FC236}">
+                  <a16:creationId xmlns:a16="http://schemas.microsoft.com/office/drawing/2014/main" id="{314C1B96-4055-F005-178F-9CED5CD7BF92}"/>
+                </a:ext>
+              </a:extLst>
+            </p:cNvPr>
+            <p:cNvSpPr/>
+            <p:nvPr/>
+          </p:nvSpPr>
+          <p:spPr>
+            <a:xfrm>
+              <a:off x="10656800" y="1614482"/>
+              <a:ext cx="2084661" cy="487443"/>
+            </a:xfrm>
+            <a:prstGeom prst="rect">
+              <a:avLst/>
+            </a:prstGeom>
+            <a:solidFill>
+              <a:schemeClr val="accent2"/>
+            </a:solidFill>
+          </p:spPr>
+          <p:style>
+            <a:lnRef idx="2">
+              <a:schemeClr val="accent1">
+                <a:shade val="15000"/>
+              </a:schemeClr>
+            </a:lnRef>
+            <a:fillRef idx="1">
+              <a:schemeClr val="accent1"/>
+            </a:fillRef>
+            <a:effectRef idx="0">
+              <a:schemeClr val="accent1"/>
+            </a:effectRef>
+            <a:fontRef idx="minor">
+              <a:schemeClr val="lt1"/>
+            </a:fontRef>
+          </p:style>
+          <p:txBody>
+            <a:bodyPr rtlCol="0" anchor="ctr"/>
+            <a:lstStyle/>
+            <a:p>
+              <a:pPr algn="ctr"/>
+              <a:r>
+                <a:rPr lang="en-US" sz="1400" dirty="0"/>
+                <a:t>On-Device Training Engine</a:t>
+              </a:r>
+              <a:endParaRPr lang="en-CN" sz="1400" dirty="0"/>
+            </a:p>
+          </p:txBody>
+        </p:sp>
+        <p:cxnSp>
+          <p:nvCxnSpPr>
+            <p:cNvPr id="84" name="Straight Arrow Connector 83">
+              <a:extLst>
+                <a:ext uri="{FF2B5EF4-FFF2-40B4-BE49-F238E27FC236}">
+                  <a16:creationId xmlns:a16="http://schemas.microsoft.com/office/drawing/2014/main" id="{DA492A8A-784E-6E47-6B02-BFEDE1EA5E76}"/>
+                </a:ext>
+              </a:extLst>
+            </p:cNvPr>
+            <p:cNvCxnSpPr>
+              <a:cxnSpLocks/>
+            </p:cNvCxnSpPr>
+            <p:nvPr/>
+          </p:nvCxnSpPr>
+          <p:spPr>
+            <a:xfrm flipV="1">
+              <a:off x="11186635" y="2096966"/>
+              <a:ext cx="0" cy="442634"/>
+            </a:xfrm>
+            <a:prstGeom prst="straightConnector1">
+              <a:avLst/>
+            </a:prstGeom>
+            <a:ln w="25400">
+              <a:headEnd type="triangle"/>
+              <a:tailEnd type="triangle"/>
+            </a:ln>
+          </p:spPr>
+          <p:style>
+            <a:lnRef idx="1">
+              <a:schemeClr val="dk1"/>
+            </a:lnRef>
+            <a:fillRef idx="0">
+              <a:schemeClr val="dk1"/>
+            </a:fillRef>
+            <a:effectRef idx="0">
+              <a:schemeClr val="dk1"/>
+            </a:effectRef>
+            <a:fontRef idx="minor">
+              <a:schemeClr val="tx1"/>
+            </a:fontRef>
+          </p:style>
+        </p:cxnSp>
+        <p:cxnSp>
+          <p:nvCxnSpPr>
+            <p:cNvPr id="85" name="Straight Arrow Connector 84">
+              <a:extLst>
+                <a:ext uri="{FF2B5EF4-FFF2-40B4-BE49-F238E27FC236}">
+                  <a16:creationId xmlns:a16="http://schemas.microsoft.com/office/drawing/2014/main" id="{1A32B5CD-D961-37F0-9F09-79DCCA55D1F4}"/>
+                </a:ext>
+              </a:extLst>
+            </p:cNvPr>
+            <p:cNvCxnSpPr>
+              <a:cxnSpLocks/>
+            </p:cNvCxnSpPr>
+            <p:nvPr/>
+          </p:nvCxnSpPr>
+          <p:spPr>
+            <a:xfrm flipV="1">
+              <a:off x="12135064" y="2096966"/>
+              <a:ext cx="0" cy="434409"/>
+            </a:xfrm>
+            <a:prstGeom prst="straightConnector1">
+              <a:avLst/>
+            </a:prstGeom>
+            <a:ln w="25400">
+              <a:headEnd type="triangle"/>
+              <a:tailEnd type="triangle"/>
+            </a:ln>
+          </p:spPr>
+          <p:style>
+            <a:lnRef idx="1">
+              <a:schemeClr val="dk1"/>
+            </a:lnRef>
+            <a:fillRef idx="0">
+              <a:schemeClr val="dk1"/>
+            </a:fillRef>
+            <a:effectRef idx="0">
+              <a:schemeClr val="dk1"/>
+            </a:effectRef>
+            <a:fontRef idx="minor">
+              <a:schemeClr val="tx1"/>
+            </a:fontRef>
+          </p:style>
+        </p:cxnSp>
+        <p:cxnSp>
+          <p:nvCxnSpPr>
+            <p:cNvPr id="86" name="Straight Arrow Connector 85">
+              <a:extLst>
+                <a:ext uri="{FF2B5EF4-FFF2-40B4-BE49-F238E27FC236}">
+                  <a16:creationId xmlns:a16="http://schemas.microsoft.com/office/drawing/2014/main" id="{B5006499-D175-3ED4-1805-F6B7A3CD3626}"/>
+                </a:ext>
+              </a:extLst>
+            </p:cNvPr>
+            <p:cNvCxnSpPr>
+              <a:cxnSpLocks/>
+            </p:cNvCxnSpPr>
+            <p:nvPr/>
+          </p:nvCxnSpPr>
+          <p:spPr>
+            <a:xfrm flipV="1">
+              <a:off x="8734924" y="2091916"/>
+              <a:ext cx="0" cy="442634"/>
+            </a:xfrm>
+            <a:prstGeom prst="straightConnector1">
+              <a:avLst/>
+            </a:prstGeom>
+            <a:ln w="25400">
+              <a:headEnd type="triangle"/>
+              <a:tailEnd type="triangle"/>
+            </a:ln>
+          </p:spPr>
+          <p:style>
+            <a:lnRef idx="1">
+              <a:schemeClr val="dk1"/>
+            </a:lnRef>
+            <a:fillRef idx="0">
+              <a:schemeClr val="dk1"/>
+            </a:fillRef>
+            <a:effectRef idx="0">
+              <a:schemeClr val="dk1"/>
+            </a:effectRef>
+            <a:fontRef idx="minor">
+              <a:schemeClr val="tx1"/>
+            </a:fontRef>
+          </p:style>
+        </p:cxnSp>
+        <p:sp>
+          <p:nvSpPr>
+            <p:cNvPr id="87" name="Rounded Rectangle 86">
+              <a:extLst>
+                <a:ext uri="{FF2B5EF4-FFF2-40B4-BE49-F238E27FC236}">
+                  <a16:creationId xmlns:a16="http://schemas.microsoft.com/office/drawing/2014/main" id="{7E54F97C-514D-5DC2-D696-020B7780EFA6}"/>
+                </a:ext>
+              </a:extLst>
+            </p:cNvPr>
+            <p:cNvSpPr/>
+            <p:nvPr/>
+          </p:nvSpPr>
+          <p:spPr>
+            <a:xfrm>
+              <a:off x="6813049" y="3121824"/>
+              <a:ext cx="5928411" cy="138499"/>
+            </a:xfrm>
+            <a:prstGeom prst="roundRect">
+              <a:avLst/>
+            </a:prstGeom>
+            <a:solidFill>
+              <a:schemeClr val="bg2">
+                <a:lumMod val="75000"/>
+              </a:schemeClr>
+            </a:solidFill>
+            <a:ln>
+              <a:noFill/>
+            </a:ln>
+          </p:spPr>
+          <p:style>
+            <a:lnRef idx="2">
+              <a:schemeClr val="accent1">
+                <a:shade val="15000"/>
+              </a:schemeClr>
+            </a:lnRef>
+            <a:fillRef idx="1">
+              <a:schemeClr val="accent1"/>
+            </a:fillRef>
+            <a:effectRef idx="0">
+              <a:schemeClr val="accent1"/>
+            </a:effectRef>
+            <a:fontRef idx="minor">
+              <a:schemeClr val="lt1"/>
+            </a:fontRef>
+          </p:style>
+          <p:txBody>
+            <a:bodyPr rtlCol="0" anchor="ctr"/>
+            <a:lstStyle/>
+            <a:p>
+              <a:pPr algn="ctr"/>
+              <a:r>
+                <a:rPr lang="en-CN" sz="1400" dirty="0"/>
+                <a:t>DMA</a:t>
+              </a:r>
+            </a:p>
+          </p:txBody>
+        </p:sp>
+        <p:sp>
+          <p:nvSpPr>
+            <p:cNvPr id="88" name="TextBox 87">
+              <a:extLst>
+                <a:ext uri="{FF2B5EF4-FFF2-40B4-BE49-F238E27FC236}">
+                  <a16:creationId xmlns:a16="http://schemas.microsoft.com/office/drawing/2014/main" id="{316B69D6-427E-140C-2011-0B34DD301439}"/>
+                </a:ext>
+              </a:extLst>
+            </p:cNvPr>
+            <p:cNvSpPr txBox="1"/>
+            <p:nvPr/>
+          </p:nvSpPr>
+          <p:spPr>
+            <a:xfrm>
+              <a:off x="6749281" y="3287973"/>
+              <a:ext cx="777777" cy="307777"/>
+            </a:xfrm>
+            <a:prstGeom prst="rect">
+              <a:avLst/>
+            </a:prstGeom>
+            <a:noFill/>
+          </p:spPr>
+          <p:txBody>
+            <a:bodyPr wrap="none" rtlCol="0">
+              <a:spAutoFit/>
+            </a:bodyPr>
+            <a:lstStyle/>
+            <a:p>
+              <a:r>
+                <a:rPr lang="en-CN" sz="1400" dirty="0"/>
+                <a:t>L2 Mem</a:t>
+              </a:r>
+            </a:p>
+          </p:txBody>
+        </p:sp>
+      </p:grpSp>
+      <p:grpSp>
+        <p:nvGrpSpPr>
+          <p:cNvPr id="143" name="Group 142">
+            <a:extLst>
+              <a:ext uri="{FF2B5EF4-FFF2-40B4-BE49-F238E27FC236}">
+                <a16:creationId xmlns:a16="http://schemas.microsoft.com/office/drawing/2014/main" id="{D05BDE45-DA8A-DB82-9AEA-4C455FB11B34}"/>
+              </a:ext>
+            </a:extLst>
+          </p:cNvPr>
+          <p:cNvGrpSpPr/>
+          <p:nvPr/>
+        </p:nvGrpSpPr>
+        <p:grpSpPr>
+          <a:xfrm>
+            <a:off x="85556" y="1915120"/>
+            <a:ext cx="5484344" cy="2713206"/>
+            <a:chOff x="-10138" y="1915120"/>
+            <a:chExt cx="5484344" cy="2713206"/>
+          </a:xfrm>
+        </p:grpSpPr>
+        <p:sp>
+          <p:nvSpPr>
+            <p:cNvPr id="5" name="Rectangle 4">
+              <a:extLst>
+                <a:ext uri="{FF2B5EF4-FFF2-40B4-BE49-F238E27FC236}">
+                  <a16:creationId xmlns:a16="http://schemas.microsoft.com/office/drawing/2014/main" id="{5076667C-4305-55D5-3C04-6E77DB752CEE}"/>
+                </a:ext>
+              </a:extLst>
+            </p:cNvPr>
+            <p:cNvSpPr/>
+            <p:nvPr/>
+          </p:nvSpPr>
+          <p:spPr>
+            <a:xfrm>
+              <a:off x="3709545" y="2205921"/>
+              <a:ext cx="1663924" cy="487851"/>
+            </a:xfrm>
+            <a:prstGeom prst="rect">
+              <a:avLst/>
+            </a:prstGeom>
+            <a:solidFill>
+              <a:schemeClr val="dk1">
+                <a:alpha val="50000"/>
+              </a:schemeClr>
+            </a:solidFill>
+            <a:ln>
+              <a:noFill/>
+            </a:ln>
+          </p:spPr>
+          <p:style>
+            <a:lnRef idx="0">
+              <a:scrgbClr r="0" g="0" b="0"/>
+            </a:lnRef>
+            <a:fillRef idx="0">
+              <a:scrgbClr r="0" g="0" b="0"/>
+            </a:fillRef>
+            <a:effectRef idx="0">
+              <a:scrgbClr r="0" g="0" b="0"/>
+            </a:effectRef>
+            <a:fontRef idx="minor">
+              <a:schemeClr val="lt1"/>
+            </a:fontRef>
+          </p:style>
+          <p:txBody>
+            <a:bodyPr rtlCol="0" anchor="ctr"/>
+            <a:lstStyle/>
+            <a:p>
+              <a:pPr algn="ctr"/>
+              <a:r>
+                <a:rPr lang="en-US" sz="1400" dirty="0"/>
+                <a:t>B</a:t>
+              </a:r>
+              <a:r>
+                <a:rPr lang="en-CN" sz="1400" dirty="0"/>
+                <a:t>ackbone </a:t>
+              </a:r>
+              <a:r>
+                <a:rPr lang="en-US" sz="1400" dirty="0"/>
+                <a:t>Params</a:t>
+              </a:r>
+              <a:endParaRPr lang="en-CN" sz="1400" dirty="0"/>
+            </a:p>
+          </p:txBody>
+        </p:sp>
+        <p:sp>
+          <p:nvSpPr>
+            <p:cNvPr id="6" name="TextBox 5">
+              <a:extLst>
+                <a:ext uri="{FF2B5EF4-FFF2-40B4-BE49-F238E27FC236}">
+                  <a16:creationId xmlns:a16="http://schemas.microsoft.com/office/drawing/2014/main" id="{C4EF6CFD-68DA-1CB9-94DD-2F6F4CEC5935}"/>
+                </a:ext>
+              </a:extLst>
+            </p:cNvPr>
+            <p:cNvSpPr txBox="1"/>
+            <p:nvPr/>
+          </p:nvSpPr>
+          <p:spPr>
+            <a:xfrm>
+              <a:off x="4228895" y="1915120"/>
+              <a:ext cx="636596" cy="306247"/>
+            </a:xfrm>
+            <a:prstGeom prst="rect">
+              <a:avLst/>
+            </a:prstGeom>
+            <a:noFill/>
+          </p:spPr>
+          <p:txBody>
+            <a:bodyPr wrap="none" rtlCol="0">
+              <a:spAutoFit/>
+            </a:bodyPr>
+            <a:lstStyle/>
+            <a:p>
+              <a:r>
+                <a:rPr lang="en-CN" sz="1400" dirty="0"/>
+                <a:t>FLASH</a:t>
+              </a:r>
+            </a:p>
+          </p:txBody>
+        </p:sp>
+        <p:sp>
+          <p:nvSpPr>
+            <p:cNvPr id="7" name="TextBox 6">
+              <a:extLst>
+                <a:ext uri="{FF2B5EF4-FFF2-40B4-BE49-F238E27FC236}">
+                  <a16:creationId xmlns:a16="http://schemas.microsoft.com/office/drawing/2014/main" id="{9B0D6733-DDA5-47F3-7E15-24F0165D6EA2}"/>
+                </a:ext>
+              </a:extLst>
+            </p:cNvPr>
+            <p:cNvSpPr txBox="1"/>
+            <p:nvPr/>
+          </p:nvSpPr>
+          <p:spPr>
+            <a:xfrm>
+              <a:off x="2083443" y="1918805"/>
+              <a:ext cx="618873" cy="306247"/>
+            </a:xfrm>
+            <a:prstGeom prst="rect">
+              <a:avLst/>
+            </a:prstGeom>
+            <a:noFill/>
+          </p:spPr>
+          <p:txBody>
+            <a:bodyPr wrap="square" rtlCol="0">
+              <a:spAutoFit/>
+            </a:bodyPr>
+            <a:lstStyle/>
+            <a:p>
+              <a:r>
+                <a:rPr lang="en-CN" sz="1400" dirty="0"/>
+                <a:t>SRAM</a:t>
+              </a:r>
+            </a:p>
+          </p:txBody>
+        </p:sp>
+        <p:sp>
+          <p:nvSpPr>
+            <p:cNvPr id="8" name="Rectangle 7">
+              <a:extLst>
+                <a:ext uri="{FF2B5EF4-FFF2-40B4-BE49-F238E27FC236}">
+                  <a16:creationId xmlns:a16="http://schemas.microsoft.com/office/drawing/2014/main" id="{2F1148A9-B585-8AB0-C36B-55B5D6170BF6}"/>
+                </a:ext>
+              </a:extLst>
+            </p:cNvPr>
+            <p:cNvSpPr/>
+            <p:nvPr/>
+          </p:nvSpPr>
+          <p:spPr>
+            <a:xfrm>
+              <a:off x="3612102" y="1915121"/>
+              <a:ext cx="1862104" cy="862871"/>
+            </a:xfrm>
+            <a:prstGeom prst="rect">
+              <a:avLst/>
+            </a:prstGeom>
+            <a:noFill/>
+            <a:ln w="15875" cap="flat" cmpd="sng" algn="ctr">
+              <a:solidFill>
+                <a:schemeClr val="dk1"/>
+              </a:solidFill>
+              <a:prstDash val="dash"/>
+              <a:round/>
+              <a:headEnd type="none" w="med" len="med"/>
+              <a:tailEnd type="none" w="med" len="med"/>
+            </a:ln>
+          </p:spPr>
+          <p:style>
+            <a:lnRef idx="0">
+              <a:scrgbClr r="0" g="0" b="0"/>
+            </a:lnRef>
+            <a:fillRef idx="0">
+              <a:scrgbClr r="0" g="0" b="0"/>
+            </a:fillRef>
+            <a:effectRef idx="0">
+              <a:scrgbClr r="0" g="0" b="0"/>
+            </a:effectRef>
+            <a:fontRef idx="minor">
+              <a:schemeClr val="dk1"/>
+            </a:fontRef>
+          </p:style>
+          <p:txBody>
+            <a:bodyPr rtlCol="0" anchor="ctr"/>
+            <a:lstStyle/>
+            <a:p>
+              <a:pPr algn="ctr"/>
+              <a:endParaRPr lang="en-CN" sz="1400"/>
+            </a:p>
+          </p:txBody>
+        </p:sp>
+        <p:sp>
+          <p:nvSpPr>
+            <p:cNvPr id="9" name="Rectangle 8">
+              <a:extLst>
+                <a:ext uri="{FF2B5EF4-FFF2-40B4-BE49-F238E27FC236}">
+                  <a16:creationId xmlns:a16="http://schemas.microsoft.com/office/drawing/2014/main" id="{FB562D3C-24FD-38E6-40BF-6C51B18ECB6A}"/>
+                </a:ext>
+              </a:extLst>
+            </p:cNvPr>
+            <p:cNvSpPr/>
+            <p:nvPr/>
+          </p:nvSpPr>
+          <p:spPr>
+            <a:xfrm>
+              <a:off x="1336219" y="1918805"/>
+              <a:ext cx="2079310" cy="2708524"/>
+            </a:xfrm>
+            <a:prstGeom prst="rect">
+              <a:avLst/>
+            </a:prstGeom>
+            <a:noFill/>
+            <a:ln w="15875" cap="flat" cmpd="sng" algn="ctr">
+              <a:solidFill>
+                <a:schemeClr val="dk1"/>
+              </a:solidFill>
+              <a:prstDash val="dash"/>
+              <a:round/>
+              <a:headEnd type="none" w="med" len="med"/>
+              <a:tailEnd type="none" w="med" len="med"/>
+            </a:ln>
+          </p:spPr>
+          <p:style>
+            <a:lnRef idx="0">
+              <a:scrgbClr r="0" g="0" b="0"/>
+            </a:lnRef>
+            <a:fillRef idx="0">
+              <a:scrgbClr r="0" g="0" b="0"/>
+            </a:fillRef>
+            <a:effectRef idx="0">
+              <a:scrgbClr r="0" g="0" b="0"/>
+            </a:effectRef>
+            <a:fontRef idx="minor">
+              <a:schemeClr val="dk1"/>
+            </a:fontRef>
+          </p:style>
+          <p:txBody>
+            <a:bodyPr rtlCol="0" anchor="ctr"/>
+            <a:lstStyle/>
+            <a:p>
+              <a:pPr algn="ctr"/>
+              <a:endParaRPr lang="en-CN" sz="1400"/>
+            </a:p>
+          </p:txBody>
+        </p:sp>
+        <p:sp>
+          <p:nvSpPr>
+            <p:cNvPr id="10" name="Rectangle 9">
+              <a:extLst>
+                <a:ext uri="{FF2B5EF4-FFF2-40B4-BE49-F238E27FC236}">
+                  <a16:creationId xmlns:a16="http://schemas.microsoft.com/office/drawing/2014/main" id="{632D589D-9507-7981-4E2B-06AE675F9CE9}"/>
+                </a:ext>
+              </a:extLst>
+            </p:cNvPr>
+            <p:cNvSpPr/>
+            <p:nvPr/>
+          </p:nvSpPr>
+          <p:spPr>
+            <a:xfrm>
+              <a:off x="1544152" y="2204961"/>
+              <a:ext cx="1663925" cy="488812"/>
+            </a:xfrm>
+            <a:prstGeom prst="rect">
+              <a:avLst/>
+            </a:prstGeom>
+            <a:solidFill>
+              <a:schemeClr val="dk1">
+                <a:alpha val="50000"/>
+              </a:schemeClr>
+            </a:solidFill>
+            <a:ln>
+              <a:noFill/>
+            </a:ln>
+          </p:spPr>
+          <p:style>
+            <a:lnRef idx="0">
+              <a:scrgbClr r="0" g="0" b="0"/>
+            </a:lnRef>
+            <a:fillRef idx="0">
+              <a:scrgbClr r="0" g="0" b="0"/>
+            </a:fillRef>
+            <a:effectRef idx="0">
+              <a:scrgbClr r="0" g="0" b="0"/>
+            </a:effectRef>
+            <a:fontRef idx="minor">
+              <a:schemeClr val="lt1"/>
+            </a:fontRef>
+          </p:style>
+          <p:txBody>
+            <a:bodyPr rtlCol="0" anchor="ctr"/>
+            <a:lstStyle/>
+            <a:p>
+              <a:pPr algn="ctr"/>
+              <a:r>
+                <a:rPr lang="en-US" sz="1400" dirty="0"/>
+                <a:t>Classifier</a:t>
+              </a:r>
+              <a:r>
+                <a:rPr lang="en-CN" sz="1400" dirty="0"/>
+                <a:t> </a:t>
+              </a:r>
+              <a:r>
+                <a:rPr lang="en-US" sz="1400" dirty="0"/>
+                <a:t>Params</a:t>
+              </a:r>
+              <a:endParaRPr lang="en-CN" sz="1400" dirty="0"/>
+            </a:p>
+          </p:txBody>
+        </p:sp>
+        <p:grpSp>
+          <p:nvGrpSpPr>
+            <p:cNvPr id="11" name="Group 10">
+              <a:extLst>
+                <a:ext uri="{FF2B5EF4-FFF2-40B4-BE49-F238E27FC236}">
+                  <a16:creationId xmlns:a16="http://schemas.microsoft.com/office/drawing/2014/main" id="{D3E4BB36-FFB4-5C42-1D77-52FCA4AD2306}"/>
+                </a:ext>
+              </a:extLst>
+            </p:cNvPr>
+            <p:cNvGrpSpPr/>
+            <p:nvPr/>
+          </p:nvGrpSpPr>
+          <p:grpSpPr>
+            <a:xfrm>
+              <a:off x="1531859" y="3523103"/>
+              <a:ext cx="1679272" cy="993136"/>
+              <a:chOff x="5653307" y="3651723"/>
+              <a:chExt cx="1518896" cy="1050906"/>
+            </a:xfrm>
+          </p:grpSpPr>
+          <p:sp>
+            <p:nvSpPr>
+              <p:cNvPr id="12" name="Rounded Rectangle 11">
+                <a:extLst>
+                  <a:ext uri="{FF2B5EF4-FFF2-40B4-BE49-F238E27FC236}">
+                    <a16:creationId xmlns:a16="http://schemas.microsoft.com/office/drawing/2014/main" id="{CBB8375F-3E25-E0A4-F89F-BD13F9A45899}"/>
+                  </a:ext>
+                </a:extLst>
+              </p:cNvPr>
+              <p:cNvSpPr/>
+              <p:nvPr/>
+            </p:nvSpPr>
+            <p:spPr>
+              <a:xfrm>
+                <a:off x="5653307" y="3651723"/>
+                <a:ext cx="1518896" cy="1050906"/>
+              </a:xfrm>
+              <a:prstGeom prst="roundRect">
+                <a:avLst/>
+              </a:prstGeom>
+              <a:solidFill>
+                <a:srgbClr val="7030A0">
+                  <a:alpha val="50000"/>
+                </a:srgbClr>
+              </a:solidFill>
+              <a:ln>
+                <a:noFill/>
+              </a:ln>
+            </p:spPr>
+            <p:style>
+              <a:lnRef idx="0">
+                <a:scrgbClr r="0" g="0" b="0"/>
+              </a:lnRef>
+              <a:fillRef idx="0">
+                <a:scrgbClr r="0" g="0" b="0"/>
+              </a:fillRef>
+              <a:effectRef idx="0">
+                <a:scrgbClr r="0" g="0" b="0"/>
+              </a:effectRef>
+              <a:fontRef idx="minor">
+                <a:schemeClr val="lt1"/>
+              </a:fontRef>
+            </p:style>
+            <p:txBody>
+              <a:bodyPr rtlCol="0" anchor="ctr"/>
+              <a:lstStyle/>
+              <a:p>
+                <a:pPr algn="ctr"/>
+                <a:endParaRPr lang="en-CN" sz="1400" dirty="0"/>
+              </a:p>
+            </p:txBody>
+          </p:sp>
+          <p:sp>
+            <p:nvSpPr>
+              <p:cNvPr id="13" name="TextBox 12">
+                <a:extLst>
+                  <a:ext uri="{FF2B5EF4-FFF2-40B4-BE49-F238E27FC236}">
+                    <a16:creationId xmlns:a16="http://schemas.microsoft.com/office/drawing/2014/main" id="{74814020-A111-1262-3F8F-4AAEC33FE433}"/>
+                  </a:ext>
+                </a:extLst>
+              </p:cNvPr>
+              <p:cNvSpPr txBox="1"/>
+              <p:nvPr/>
+            </p:nvSpPr>
+            <p:spPr>
+              <a:xfrm>
+                <a:off x="5667188" y="3664640"/>
+                <a:ext cx="898248" cy="325680"/>
+              </a:xfrm>
+              <a:prstGeom prst="rect">
+                <a:avLst/>
+              </a:prstGeom>
+              <a:noFill/>
+            </p:spPr>
+            <p:txBody>
+              <a:bodyPr wrap="none" rtlCol="0">
+                <a:spAutoFit/>
+              </a:bodyPr>
+              <a:lstStyle/>
+              <a:p>
+                <a:r>
+                  <a:rPr lang="en-CN" sz="1400" dirty="0">
+                    <a:solidFill>
+                      <a:schemeClr val="bg1"/>
+                    </a:solidFill>
+                  </a:rPr>
+                  <a:t>Activations</a:t>
+                </a:r>
+              </a:p>
+            </p:txBody>
+          </p:sp>
+          <p:sp>
+            <p:nvSpPr>
+              <p:cNvPr id="14" name="Rectangle 13">
+                <a:extLst>
+                  <a:ext uri="{FF2B5EF4-FFF2-40B4-BE49-F238E27FC236}">
+                    <a16:creationId xmlns:a16="http://schemas.microsoft.com/office/drawing/2014/main" id="{243559C5-8022-81CF-4D2F-23BF44D8A378}"/>
+                  </a:ext>
+                </a:extLst>
+              </p:cNvPr>
+              <p:cNvSpPr/>
+              <p:nvPr/>
+            </p:nvSpPr>
+            <p:spPr>
+              <a:xfrm>
+                <a:off x="5746754" y="4344085"/>
+                <a:ext cx="1341610" cy="217773"/>
+              </a:xfrm>
+              <a:prstGeom prst="rect">
+                <a:avLst/>
+              </a:prstGeom>
+            </p:spPr>
+            <p:style>
+              <a:lnRef idx="2">
+                <a:schemeClr val="accent1">
+                  <a:shade val="15000"/>
+                </a:schemeClr>
+              </a:lnRef>
+              <a:fillRef idx="1">
+                <a:schemeClr val="accent1"/>
+              </a:fillRef>
+              <a:effectRef idx="0">
+                <a:schemeClr val="accent1"/>
+              </a:effectRef>
+              <a:fontRef idx="minor">
+                <a:schemeClr val="lt1"/>
+              </a:fontRef>
+            </p:style>
+            <p:txBody>
+              <a:bodyPr rtlCol="0" anchor="ctr"/>
+              <a:lstStyle/>
+              <a:p>
+                <a:pPr algn="ctr"/>
+                <a:r>
+                  <a:rPr lang="en-US" sz="1400" dirty="0"/>
+                  <a:t>I</a:t>
+                </a:r>
+                <a:r>
+                  <a:rPr lang="en-CN" sz="1400" dirty="0"/>
+                  <a:t>nput Buffer</a:t>
+                </a:r>
+              </a:p>
+            </p:txBody>
+          </p:sp>
+          <p:sp>
+            <p:nvSpPr>
+              <p:cNvPr id="15" name="Rectangle 14">
+                <a:extLst>
+                  <a:ext uri="{FF2B5EF4-FFF2-40B4-BE49-F238E27FC236}">
+                    <a16:creationId xmlns:a16="http://schemas.microsoft.com/office/drawing/2014/main" id="{EE7D4DC9-F184-8168-0A9B-E52399F5D0A3}"/>
+                  </a:ext>
+                </a:extLst>
+              </p:cNvPr>
+              <p:cNvSpPr/>
+              <p:nvPr/>
+            </p:nvSpPr>
+            <p:spPr>
+              <a:xfrm>
+                <a:off x="5746754" y="4030021"/>
+                <a:ext cx="1341610" cy="217773"/>
+              </a:xfrm>
+              <a:prstGeom prst="rect">
+                <a:avLst/>
+              </a:prstGeom>
+            </p:spPr>
+            <p:style>
+              <a:lnRef idx="2">
+                <a:schemeClr val="accent1">
+                  <a:shade val="15000"/>
+                </a:schemeClr>
+              </a:lnRef>
+              <a:fillRef idx="1">
+                <a:schemeClr val="accent1"/>
+              </a:fillRef>
+              <a:effectRef idx="0">
+                <a:schemeClr val="accent1"/>
+              </a:effectRef>
+              <a:fontRef idx="minor">
+                <a:schemeClr val="lt1"/>
+              </a:fontRef>
+            </p:style>
+            <p:txBody>
+              <a:bodyPr rtlCol="0" anchor="ctr"/>
+              <a:lstStyle/>
+              <a:p>
+                <a:pPr algn="ctr"/>
+                <a:r>
+                  <a:rPr lang="en-US" sz="1400" dirty="0"/>
+                  <a:t>Output</a:t>
+                </a:r>
+                <a:r>
+                  <a:rPr lang="en-CN" sz="1400" dirty="0"/>
+                  <a:t> Buffer</a:t>
+                </a:r>
+              </a:p>
+            </p:txBody>
+          </p:sp>
+        </p:grpSp>
+        <p:sp>
+          <p:nvSpPr>
+            <p:cNvPr id="16" name="Rectangle 15">
+              <a:extLst>
+                <a:ext uri="{FF2B5EF4-FFF2-40B4-BE49-F238E27FC236}">
+                  <a16:creationId xmlns:a16="http://schemas.microsoft.com/office/drawing/2014/main" id="{35E1F7C7-B6AC-03B9-299C-1A66B8F64A81}"/>
+                </a:ext>
+              </a:extLst>
+            </p:cNvPr>
+            <p:cNvSpPr/>
+            <p:nvPr/>
+          </p:nvSpPr>
+          <p:spPr>
+            <a:xfrm>
+              <a:off x="1541162" y="2805028"/>
+              <a:ext cx="1663924" cy="249906"/>
+            </a:xfrm>
+            <a:prstGeom prst="rect">
+              <a:avLst/>
+            </a:prstGeom>
+          </p:spPr>
+          <p:style>
+            <a:lnRef idx="2">
+              <a:schemeClr val="accent6">
+                <a:shade val="15000"/>
+              </a:schemeClr>
+            </a:lnRef>
+            <a:fillRef idx="1">
+              <a:schemeClr val="accent6"/>
+            </a:fillRef>
+            <a:effectRef idx="0">
+              <a:schemeClr val="accent6"/>
+            </a:effectRef>
+            <a:fontRef idx="minor">
+              <a:schemeClr val="lt1"/>
+            </a:fontRef>
+          </p:style>
+          <p:txBody>
+            <a:bodyPr rtlCol="0" anchor="ctr"/>
+            <a:lstStyle/>
+            <a:p>
+              <a:pPr algn="ctr"/>
+              <a:r>
+                <a:rPr lang="en-US" sz="1400" dirty="0"/>
+                <a:t>EMA Buffer</a:t>
+              </a:r>
+              <a:endParaRPr lang="en-CN" sz="1400" dirty="0"/>
+            </a:p>
+          </p:txBody>
+        </p:sp>
+        <p:sp>
+          <p:nvSpPr>
+            <p:cNvPr id="17" name="Rectangle 16">
+              <a:extLst>
+                <a:ext uri="{FF2B5EF4-FFF2-40B4-BE49-F238E27FC236}">
+                  <a16:creationId xmlns:a16="http://schemas.microsoft.com/office/drawing/2014/main" id="{F3AB0513-24A4-3066-DD68-997F64CA05B6}"/>
+                </a:ext>
+              </a:extLst>
+            </p:cNvPr>
+            <p:cNvSpPr/>
+            <p:nvPr/>
+          </p:nvSpPr>
+          <p:spPr>
+            <a:xfrm>
+              <a:off x="1541162" y="3185461"/>
+              <a:ext cx="1663924" cy="223151"/>
+            </a:xfrm>
+            <a:prstGeom prst="rect">
+              <a:avLst/>
+            </a:prstGeom>
+          </p:spPr>
+          <p:style>
+            <a:lnRef idx="2">
+              <a:schemeClr val="accent6">
+                <a:shade val="15000"/>
+              </a:schemeClr>
+            </a:lnRef>
+            <a:fillRef idx="1">
+              <a:schemeClr val="accent6"/>
+            </a:fillRef>
+            <a:effectRef idx="0">
+              <a:schemeClr val="accent6"/>
+            </a:effectRef>
+            <a:fontRef idx="minor">
+              <a:schemeClr val="lt1"/>
+            </a:fontRef>
+          </p:style>
+          <p:txBody>
+            <a:bodyPr rtlCol="0" anchor="ctr"/>
+            <a:lstStyle/>
+            <a:p>
+              <a:pPr algn="ctr"/>
+              <a:r>
+                <a:rPr lang="en-US" sz="1400" dirty="0"/>
+                <a:t>Dense Input Buffer</a:t>
+              </a:r>
+              <a:endParaRPr lang="en-CN" sz="1400" dirty="0"/>
+            </a:p>
+          </p:txBody>
+        </p:sp>
+        <p:sp>
+          <p:nvSpPr>
+            <p:cNvPr id="18" name="Rectangle 17">
+              <a:extLst>
+                <a:ext uri="{FF2B5EF4-FFF2-40B4-BE49-F238E27FC236}">
+                  <a16:creationId xmlns:a16="http://schemas.microsoft.com/office/drawing/2014/main" id="{A0F967DD-6894-FD75-AF6C-4FDF97AE0475}"/>
+                </a:ext>
+              </a:extLst>
+            </p:cNvPr>
+            <p:cNvSpPr/>
+            <p:nvPr/>
+          </p:nvSpPr>
+          <p:spPr>
+            <a:xfrm>
+              <a:off x="3796736" y="3615029"/>
+              <a:ext cx="1576729" cy="1013297"/>
+            </a:xfrm>
+            <a:prstGeom prst="rect">
+              <a:avLst/>
+            </a:prstGeom>
+          </p:spPr>
+          <p:style>
+            <a:lnRef idx="2">
+              <a:schemeClr val="dk1"/>
+            </a:lnRef>
+            <a:fillRef idx="1">
+              <a:schemeClr val="lt1"/>
+            </a:fillRef>
+            <a:effectRef idx="0">
+              <a:schemeClr val="dk1"/>
+            </a:effectRef>
+            <a:fontRef idx="minor">
+              <a:schemeClr val="dk1"/>
+            </a:fontRef>
+          </p:style>
+          <p:txBody>
+            <a:bodyPr rtlCol="0" anchor="ctr"/>
+            <a:lstStyle/>
+            <a:p>
+              <a:pPr algn="ctr"/>
+              <a:r>
+                <a:rPr lang="en-US" sz="1400" dirty="0"/>
+                <a:t>I</a:t>
+              </a:r>
+              <a:r>
+                <a:rPr lang="en-CN" sz="1400" dirty="0"/>
+                <a:t>nference Engine</a:t>
+              </a:r>
+            </a:p>
+          </p:txBody>
+        </p:sp>
+        <p:sp>
+          <p:nvSpPr>
+            <p:cNvPr id="19" name="Rectangle 18">
+              <a:extLst>
+                <a:ext uri="{FF2B5EF4-FFF2-40B4-BE49-F238E27FC236}">
+                  <a16:creationId xmlns:a16="http://schemas.microsoft.com/office/drawing/2014/main" id="{BFA73DFB-4E0C-8F78-F679-E9ECFFB7DAF5}"/>
+                </a:ext>
+              </a:extLst>
+            </p:cNvPr>
+            <p:cNvSpPr/>
+            <p:nvPr/>
+          </p:nvSpPr>
+          <p:spPr>
+            <a:xfrm>
+              <a:off x="-10138" y="2204962"/>
+              <a:ext cx="948427" cy="2422368"/>
+            </a:xfrm>
+            <a:prstGeom prst="rect">
+              <a:avLst/>
+            </a:prstGeom>
+            <a:solidFill>
+              <a:schemeClr val="accent2"/>
+            </a:solidFill>
+          </p:spPr>
+          <p:style>
+            <a:lnRef idx="2">
+              <a:schemeClr val="accent1">
+                <a:shade val="15000"/>
+              </a:schemeClr>
+            </a:lnRef>
+            <a:fillRef idx="1">
+              <a:schemeClr val="accent1"/>
+            </a:fillRef>
+            <a:effectRef idx="0">
+              <a:schemeClr val="accent1"/>
+            </a:effectRef>
+            <a:fontRef idx="minor">
+              <a:schemeClr val="lt1"/>
+            </a:fontRef>
+          </p:style>
+          <p:txBody>
+            <a:bodyPr rtlCol="0" anchor="ctr"/>
+            <a:lstStyle/>
+            <a:p>
+              <a:pPr algn="ctr"/>
+              <a:r>
+                <a:rPr lang="en-US" sz="1400" dirty="0"/>
+                <a:t>On-Device</a:t>
+              </a:r>
+            </a:p>
+            <a:p>
+              <a:pPr algn="ctr"/>
+              <a:r>
+                <a:rPr lang="en-US" sz="1400" dirty="0"/>
+                <a:t>Training Engine</a:t>
+              </a:r>
+              <a:endParaRPr lang="en-CN" sz="1400" dirty="0"/>
+            </a:p>
+          </p:txBody>
+        </p:sp>
+        <p:cxnSp>
+          <p:nvCxnSpPr>
+            <p:cNvPr id="20" name="Straight Arrow Connector 19">
+              <a:extLst>
+                <a:ext uri="{FF2B5EF4-FFF2-40B4-BE49-F238E27FC236}">
+                  <a16:creationId xmlns:a16="http://schemas.microsoft.com/office/drawing/2014/main" id="{9A5522D7-67DE-295F-DE1E-51F7A115757A}"/>
+                </a:ext>
+              </a:extLst>
+            </p:cNvPr>
+            <p:cNvCxnSpPr>
+              <a:cxnSpLocks/>
+              <a:stCxn id="14" idx="3"/>
+            </p:cNvCxnSpPr>
+            <p:nvPr/>
+          </p:nvCxnSpPr>
+          <p:spPr>
+            <a:xfrm flipV="1">
+              <a:off x="3118440" y="4278683"/>
+              <a:ext cx="674766" cy="1623"/>
+            </a:xfrm>
+            <a:prstGeom prst="straightConnector1">
+              <a:avLst/>
+            </a:prstGeom>
+            <a:ln w="25400">
+              <a:tailEnd type="arrow"/>
+            </a:ln>
+          </p:spPr>
+          <p:style>
+            <a:lnRef idx="1">
+              <a:schemeClr val="dk1"/>
+            </a:lnRef>
+            <a:fillRef idx="0">
+              <a:schemeClr val="dk1"/>
+            </a:fillRef>
+            <a:effectRef idx="0">
+              <a:schemeClr val="dk1"/>
+            </a:effectRef>
+            <a:fontRef idx="minor">
+              <a:schemeClr val="tx1"/>
+            </a:fontRef>
+          </p:style>
+        </p:cxnSp>
+        <p:cxnSp>
+          <p:nvCxnSpPr>
+            <p:cNvPr id="21" name="Elbow Connector 20">
+              <a:extLst>
+                <a:ext uri="{FF2B5EF4-FFF2-40B4-BE49-F238E27FC236}">
+                  <a16:creationId xmlns:a16="http://schemas.microsoft.com/office/drawing/2014/main" id="{D3BA064B-F4ED-1BA4-5D65-B79FD3238052}"/>
+                </a:ext>
+              </a:extLst>
+            </p:cNvPr>
+            <p:cNvCxnSpPr>
+              <a:cxnSpLocks/>
+              <a:stCxn id="18" idx="0"/>
+              <a:endCxn id="17" idx="3"/>
+            </p:cNvCxnSpPr>
+            <p:nvPr/>
+          </p:nvCxnSpPr>
+          <p:spPr>
+            <a:xfrm rot="16200000" flipV="1">
+              <a:off x="3736098" y="2766025"/>
+              <a:ext cx="317992" cy="1380015"/>
+            </a:xfrm>
+            <a:prstGeom prst="bentConnector2">
+              <a:avLst/>
+            </a:prstGeom>
+            <a:ln w="25400">
+              <a:solidFill>
+                <a:schemeClr val="tx1"/>
+              </a:solidFill>
+              <a:tailEnd type="arrow"/>
+            </a:ln>
+          </p:spPr>
+          <p:style>
+            <a:lnRef idx="1">
+              <a:schemeClr val="accent1"/>
+            </a:lnRef>
+            <a:fillRef idx="0">
+              <a:schemeClr val="accent1"/>
+            </a:fillRef>
+            <a:effectRef idx="0">
+              <a:schemeClr val="accent1"/>
+            </a:effectRef>
+            <a:fontRef idx="minor">
+              <a:schemeClr val="tx1"/>
+            </a:fontRef>
+          </p:style>
+        </p:cxnSp>
+        <p:sp>
+          <p:nvSpPr>
+            <p:cNvPr id="22" name="Rounded Rectangle 21">
+              <a:extLst>
+                <a:ext uri="{FF2B5EF4-FFF2-40B4-BE49-F238E27FC236}">
+                  <a16:creationId xmlns:a16="http://schemas.microsoft.com/office/drawing/2014/main" id="{44D0F0AA-020F-5467-B0C9-044460F5E113}"/>
+                </a:ext>
+              </a:extLst>
+            </p:cNvPr>
+            <p:cNvSpPr/>
+            <p:nvPr/>
+          </p:nvSpPr>
+          <p:spPr>
+            <a:xfrm>
+              <a:off x="4032706" y="3064041"/>
+              <a:ext cx="1110924" cy="434868"/>
+            </a:xfrm>
+            <a:prstGeom prst="roundRect">
+              <a:avLst/>
+            </a:prstGeom>
+          </p:spPr>
+          <p:style>
+            <a:lnRef idx="2">
+              <a:schemeClr val="dk1"/>
+            </a:lnRef>
+            <a:fillRef idx="1">
+              <a:schemeClr val="lt1"/>
+            </a:fillRef>
+            <a:effectRef idx="0">
+              <a:schemeClr val="dk1"/>
+            </a:effectRef>
+            <a:fontRef idx="minor">
+              <a:schemeClr val="dk1"/>
+            </a:fontRef>
+          </p:style>
+          <p:txBody>
+            <a:bodyPr rtlCol="0" anchor="ctr"/>
+            <a:lstStyle/>
+            <a:p>
+              <a:pPr algn="ctr"/>
+              <a:r>
+                <a:rPr lang="en-US" sz="1400" dirty="0"/>
+                <a:t>P</a:t>
+              </a:r>
+              <a:r>
+                <a:rPr lang="en-CN" sz="1400" dirty="0"/>
+                <a:t>latform Observer</a:t>
+              </a:r>
+            </a:p>
+          </p:txBody>
+        </p:sp>
+        <p:cxnSp>
+          <p:nvCxnSpPr>
+            <p:cNvPr id="23" name="Straight Arrow Connector 22">
+              <a:extLst>
+                <a:ext uri="{FF2B5EF4-FFF2-40B4-BE49-F238E27FC236}">
+                  <a16:creationId xmlns:a16="http://schemas.microsoft.com/office/drawing/2014/main" id="{D4EBFD73-0530-BC9B-F374-4015B527EDA6}"/>
+                </a:ext>
+              </a:extLst>
+            </p:cNvPr>
+            <p:cNvCxnSpPr>
+              <a:cxnSpLocks/>
+              <a:endCxn id="15" idx="3"/>
+            </p:cNvCxnSpPr>
+            <p:nvPr/>
+          </p:nvCxnSpPr>
+          <p:spPr>
+            <a:xfrm flipH="1">
+              <a:off x="3118440" y="3983507"/>
+              <a:ext cx="678297" cy="0"/>
+            </a:xfrm>
+            <a:prstGeom prst="straightConnector1">
+              <a:avLst/>
+            </a:prstGeom>
+            <a:ln w="25400">
+              <a:tailEnd type="arrow"/>
+            </a:ln>
+          </p:spPr>
+          <p:style>
+            <a:lnRef idx="1">
+              <a:schemeClr val="dk1"/>
+            </a:lnRef>
+            <a:fillRef idx="0">
+              <a:schemeClr val="dk1"/>
+            </a:fillRef>
+            <a:effectRef idx="0">
+              <a:schemeClr val="dk1"/>
+            </a:effectRef>
+            <a:fontRef idx="minor">
+              <a:schemeClr val="tx1"/>
+            </a:fontRef>
+          </p:style>
+        </p:cxnSp>
+        <p:cxnSp>
+          <p:nvCxnSpPr>
+            <p:cNvPr id="24" name="Straight Arrow Connector 23">
+              <a:extLst>
+                <a:ext uri="{FF2B5EF4-FFF2-40B4-BE49-F238E27FC236}">
+                  <a16:creationId xmlns:a16="http://schemas.microsoft.com/office/drawing/2014/main" id="{A8732FBF-304A-3A7E-5C45-E9B3162B863E}"/>
+                </a:ext>
+              </a:extLst>
+            </p:cNvPr>
+            <p:cNvCxnSpPr>
+              <a:cxnSpLocks/>
+              <a:stCxn id="15" idx="1"/>
+            </p:cNvCxnSpPr>
+            <p:nvPr/>
+          </p:nvCxnSpPr>
+          <p:spPr>
+            <a:xfrm flipH="1" flipV="1">
+              <a:off x="938290" y="3983506"/>
+              <a:ext cx="696883" cy="1"/>
+            </a:xfrm>
+            <a:prstGeom prst="straightConnector1">
+              <a:avLst/>
+            </a:prstGeom>
+            <a:ln w="25400">
+              <a:tailEnd type="arrow"/>
+            </a:ln>
+          </p:spPr>
+          <p:style>
+            <a:lnRef idx="1">
+              <a:schemeClr val="dk1"/>
+            </a:lnRef>
+            <a:fillRef idx="0">
+              <a:schemeClr val="dk1"/>
+            </a:fillRef>
+            <a:effectRef idx="0">
+              <a:schemeClr val="dk1"/>
+            </a:effectRef>
+            <a:fontRef idx="minor">
+              <a:schemeClr val="tx1"/>
+            </a:fontRef>
+          </p:style>
+        </p:cxnSp>
+        <p:cxnSp>
+          <p:nvCxnSpPr>
+            <p:cNvPr id="25" name="Straight Arrow Connector 24">
+              <a:extLst>
+                <a:ext uri="{FF2B5EF4-FFF2-40B4-BE49-F238E27FC236}">
+                  <a16:creationId xmlns:a16="http://schemas.microsoft.com/office/drawing/2014/main" id="{76555651-0A14-E75E-C58F-AB7597D006FC}"/>
+                </a:ext>
+              </a:extLst>
+            </p:cNvPr>
+            <p:cNvCxnSpPr>
+              <a:cxnSpLocks/>
+              <a:stCxn id="17" idx="1"/>
+            </p:cNvCxnSpPr>
+            <p:nvPr/>
+          </p:nvCxnSpPr>
+          <p:spPr>
+            <a:xfrm flipH="1">
+              <a:off x="938289" y="3297037"/>
+              <a:ext cx="602872" cy="0"/>
+            </a:xfrm>
+            <a:prstGeom prst="straightConnector1">
+              <a:avLst/>
+            </a:prstGeom>
+            <a:ln w="25400">
+              <a:tailEnd type="arrow"/>
+            </a:ln>
+          </p:spPr>
+          <p:style>
+            <a:lnRef idx="1">
+              <a:schemeClr val="dk1"/>
+            </a:lnRef>
+            <a:fillRef idx="0">
+              <a:schemeClr val="dk1"/>
+            </a:fillRef>
+            <a:effectRef idx="0">
+              <a:schemeClr val="dk1"/>
+            </a:effectRef>
+            <a:fontRef idx="minor">
+              <a:schemeClr val="tx1"/>
+            </a:fontRef>
+          </p:style>
+        </p:cxnSp>
+        <p:cxnSp>
+          <p:nvCxnSpPr>
+            <p:cNvPr id="26" name="Straight Arrow Connector 25">
+              <a:extLst>
+                <a:ext uri="{FF2B5EF4-FFF2-40B4-BE49-F238E27FC236}">
+                  <a16:creationId xmlns:a16="http://schemas.microsoft.com/office/drawing/2014/main" id="{6D419C9C-3FB0-26B9-52DF-A8A3FA881B6C}"/>
+                </a:ext>
+              </a:extLst>
+            </p:cNvPr>
+            <p:cNvCxnSpPr>
+              <a:cxnSpLocks/>
+              <a:stCxn id="16" idx="1"/>
+            </p:cNvCxnSpPr>
+            <p:nvPr/>
+          </p:nvCxnSpPr>
+          <p:spPr>
+            <a:xfrm flipH="1">
+              <a:off x="938289" y="2929982"/>
+              <a:ext cx="602872" cy="0"/>
+            </a:xfrm>
+            <a:prstGeom prst="straightConnector1">
+              <a:avLst/>
+            </a:prstGeom>
+            <a:ln w="25400">
+              <a:headEnd type="arrow"/>
+              <a:tailEnd type="arrow"/>
+            </a:ln>
+          </p:spPr>
+          <p:style>
+            <a:lnRef idx="1">
+              <a:schemeClr val="dk1"/>
+            </a:lnRef>
+            <a:fillRef idx="0">
+              <a:schemeClr val="dk1"/>
+            </a:fillRef>
+            <a:effectRef idx="0">
+              <a:schemeClr val="dk1"/>
+            </a:effectRef>
+            <a:fontRef idx="minor">
+              <a:schemeClr val="tx1"/>
+            </a:fontRef>
+          </p:style>
+        </p:cxnSp>
+        <p:cxnSp>
+          <p:nvCxnSpPr>
+            <p:cNvPr id="27" name="Elbow Connector 26">
+              <a:extLst>
+                <a:ext uri="{FF2B5EF4-FFF2-40B4-BE49-F238E27FC236}">
+                  <a16:creationId xmlns:a16="http://schemas.microsoft.com/office/drawing/2014/main" id="{24CDAE0C-27E9-15AF-7CA4-DAA30647ADF3}"/>
+                </a:ext>
+              </a:extLst>
+            </p:cNvPr>
+            <p:cNvCxnSpPr>
+              <a:cxnSpLocks/>
+              <a:endCxn id="18" idx="3"/>
+            </p:cNvCxnSpPr>
+            <p:nvPr/>
+          </p:nvCxnSpPr>
+          <p:spPr>
+            <a:xfrm>
+              <a:off x="3515150" y="2929982"/>
+              <a:ext cx="1858315" cy="1191696"/>
+            </a:xfrm>
+            <a:prstGeom prst="bentConnector3">
+              <a:avLst>
+                <a:gd name="adj1" fmla="val 112233"/>
+              </a:avLst>
+            </a:prstGeom>
+            <a:ln w="25400">
+              <a:solidFill>
+                <a:schemeClr val="tx1"/>
+              </a:solidFill>
+              <a:tailEnd type="arrow"/>
+            </a:ln>
+          </p:spPr>
+          <p:style>
+            <a:lnRef idx="1">
+              <a:schemeClr val="accent1"/>
+            </a:lnRef>
+            <a:fillRef idx="0">
+              <a:schemeClr val="accent1"/>
+            </a:fillRef>
+            <a:effectRef idx="0">
+              <a:schemeClr val="accent1"/>
+            </a:effectRef>
+            <a:fontRef idx="minor">
+              <a:schemeClr val="tx1"/>
+            </a:fontRef>
+          </p:style>
+        </p:cxnSp>
+        <p:cxnSp>
+          <p:nvCxnSpPr>
+            <p:cNvPr id="29" name="Elbow Connector 28">
+              <a:extLst>
+                <a:ext uri="{FF2B5EF4-FFF2-40B4-BE49-F238E27FC236}">
+                  <a16:creationId xmlns:a16="http://schemas.microsoft.com/office/drawing/2014/main" id="{53F7D9DA-1FF9-41BB-0DF2-343AF2B3A921}"/>
+                </a:ext>
+              </a:extLst>
+            </p:cNvPr>
+            <p:cNvCxnSpPr>
+              <a:cxnSpLocks/>
+              <a:stCxn id="5" idx="3"/>
+              <a:endCxn id="18" idx="3"/>
+            </p:cNvCxnSpPr>
+            <p:nvPr/>
+          </p:nvCxnSpPr>
+          <p:spPr>
+            <a:xfrm flipH="1">
+              <a:off x="5373465" y="2449847"/>
+              <a:ext cx="4" cy="1671830"/>
+            </a:xfrm>
+            <a:prstGeom prst="bentConnector3">
+              <a:avLst>
+                <a:gd name="adj1" fmla="val -5715000000"/>
+              </a:avLst>
+            </a:prstGeom>
+            <a:ln w="25400">
+              <a:solidFill>
+                <a:schemeClr val="tx1"/>
+              </a:solidFill>
+              <a:tailEnd type="arrow"/>
+            </a:ln>
+          </p:spPr>
+          <p:style>
+            <a:lnRef idx="1">
+              <a:schemeClr val="accent1"/>
+            </a:lnRef>
+            <a:fillRef idx="0">
+              <a:schemeClr val="accent1"/>
+            </a:fillRef>
+            <a:effectRef idx="0">
+              <a:schemeClr val="accent1"/>
+            </a:effectRef>
+            <a:fontRef idx="minor">
+              <a:schemeClr val="tx1"/>
+            </a:fontRef>
+          </p:style>
+        </p:cxnSp>
+        <p:cxnSp>
+          <p:nvCxnSpPr>
+            <p:cNvPr id="33" name="Straight Arrow Connector 32">
+              <a:extLst>
+                <a:ext uri="{FF2B5EF4-FFF2-40B4-BE49-F238E27FC236}">
+                  <a16:creationId xmlns:a16="http://schemas.microsoft.com/office/drawing/2014/main" id="{AFC60999-2858-FE75-3ABA-352AFC20491A}"/>
+                </a:ext>
+              </a:extLst>
+            </p:cNvPr>
+            <p:cNvCxnSpPr>
+              <a:cxnSpLocks/>
+            </p:cNvCxnSpPr>
+            <p:nvPr/>
+          </p:nvCxnSpPr>
+          <p:spPr>
+            <a:xfrm flipH="1">
+              <a:off x="3203511" y="3747619"/>
+              <a:ext cx="593225" cy="0"/>
+            </a:xfrm>
+            <a:prstGeom prst="straightConnector1">
+              <a:avLst/>
+            </a:prstGeom>
+            <a:ln w="25400">
+              <a:headEnd type="arrow"/>
+              <a:tailEnd type="arrow"/>
+            </a:ln>
+          </p:spPr>
+          <p:style>
+            <a:lnRef idx="1">
+              <a:schemeClr val="dk1"/>
+            </a:lnRef>
+            <a:fillRef idx="0">
+              <a:schemeClr val="dk1"/>
+            </a:fillRef>
+            <a:effectRef idx="0">
+              <a:schemeClr val="dk1"/>
+            </a:effectRef>
+            <a:fontRef idx="minor">
+              <a:schemeClr val="tx1"/>
+            </a:fontRef>
+          </p:style>
+        </p:cxnSp>
+        <p:cxnSp>
+          <p:nvCxnSpPr>
+            <p:cNvPr id="118" name="Straight Arrow Connector 117">
+              <a:extLst>
+                <a:ext uri="{FF2B5EF4-FFF2-40B4-BE49-F238E27FC236}">
+                  <a16:creationId xmlns:a16="http://schemas.microsoft.com/office/drawing/2014/main" id="{998A6242-BA3E-3B5A-0A5F-2175F28A3E42}"/>
+                </a:ext>
+              </a:extLst>
+            </p:cNvPr>
+            <p:cNvCxnSpPr>
+              <a:cxnSpLocks/>
+            </p:cNvCxnSpPr>
+            <p:nvPr/>
+          </p:nvCxnSpPr>
+          <p:spPr>
+            <a:xfrm flipH="1">
+              <a:off x="938289" y="2449367"/>
+              <a:ext cx="602872" cy="0"/>
+            </a:xfrm>
+            <a:prstGeom prst="straightConnector1">
+              <a:avLst/>
+            </a:prstGeom>
+            <a:ln w="25400">
+              <a:headEnd type="arrow"/>
+              <a:tailEnd type="none"/>
+            </a:ln>
+          </p:spPr>
+          <p:style>
+            <a:lnRef idx="1">
+              <a:schemeClr val="dk1"/>
+            </a:lnRef>
+            <a:fillRef idx="0">
+              <a:schemeClr val="dk1"/>
+            </a:fillRef>
+            <a:effectRef idx="0">
+              <a:schemeClr val="dk1"/>
+            </a:effectRef>
+            <a:fontRef idx="minor">
+              <a:schemeClr val="tx1"/>
+            </a:fontRef>
+          </p:style>
+        </p:cxnSp>
+        <p:cxnSp>
+          <p:nvCxnSpPr>
+            <p:cNvPr id="124" name="Elbow Connector 123">
+              <a:extLst>
+                <a:ext uri="{FF2B5EF4-FFF2-40B4-BE49-F238E27FC236}">
+                  <a16:creationId xmlns:a16="http://schemas.microsoft.com/office/drawing/2014/main" id="{5444B015-1AF6-E0CD-387E-B5148DDE3421}"/>
+                </a:ext>
+              </a:extLst>
+            </p:cNvPr>
+            <p:cNvCxnSpPr>
+              <a:cxnSpLocks/>
+              <a:stCxn id="10" idx="3"/>
+            </p:cNvCxnSpPr>
+            <p:nvPr/>
+          </p:nvCxnSpPr>
+          <p:spPr>
+            <a:xfrm>
+              <a:off x="3208077" y="2449367"/>
+              <a:ext cx="307072" cy="494139"/>
+            </a:xfrm>
+            <a:prstGeom prst="bentConnector2">
+              <a:avLst/>
+            </a:prstGeom>
+            <a:ln w="25400">
+              <a:solidFill>
+                <a:schemeClr val="tx1"/>
+              </a:solidFill>
+              <a:tailEnd type="none"/>
+            </a:ln>
+          </p:spPr>
+          <p:style>
+            <a:lnRef idx="1">
+              <a:schemeClr val="accent1"/>
+            </a:lnRef>
+            <a:fillRef idx="0">
+              <a:schemeClr val="accent1"/>
+            </a:fillRef>
+            <a:effectRef idx="0">
+              <a:schemeClr val="accent1"/>
+            </a:effectRef>
+            <a:fontRef idx="minor">
+              <a:schemeClr val="tx1"/>
+            </a:fontRef>
+          </p:style>
+        </p:cxnSp>
+      </p:grpSp>
     </p:spTree>
     <p:extLst>
       <p:ext uri="{BB962C8B-B14F-4D97-AF65-F5344CB8AC3E}">
@@ -10997,4 +14102,299 @@
     </a:ext>
   </a:extLst>
 </a:theme>
+</file>
+
+<file path=ppt/theme/theme2.xml><?xml version="1.0" encoding="utf-8"?>
+<a:theme xmlns:a="http://schemas.openxmlformats.org/drawingml/2006/main" name="Office Theme">
+  <a:themeElements>
+    <a:clrScheme name="Office">
+      <a:dk1>
+        <a:sysClr val="windowText" lastClr="000000"/>
+      </a:dk1>
+      <a:lt1>
+        <a:sysClr val="window" lastClr="FFFFFF"/>
+      </a:lt1>
+      <a:dk2>
+        <a:srgbClr val="44546A"/>
+      </a:dk2>
+      <a:lt2>
+        <a:srgbClr val="E7E6E6"/>
+      </a:lt2>
+      <a:accent1>
+        <a:srgbClr val="4472C4"/>
+      </a:accent1>
+      <a:accent2>
+        <a:srgbClr val="ED7D31"/>
+      </a:accent2>
+      <a:accent3>
+        <a:srgbClr val="A5A5A5"/>
+      </a:accent3>
+      <a:accent4>
+        <a:srgbClr val="FFC000"/>
+      </a:accent4>
+      <a:accent5>
+        <a:srgbClr val="5B9BD5"/>
+      </a:accent5>
+      <a:accent6>
+        <a:srgbClr val="70AD47"/>
+      </a:accent6>
+      <a:hlink>
+        <a:srgbClr val="0563C1"/>
+      </a:hlink>
+      <a:folHlink>
+        <a:srgbClr val="954F72"/>
+      </a:folHlink>
+    </a:clrScheme>
+    <a:fontScheme name="Office">
+      <a:majorFont>
+        <a:latin typeface="Calibri Light" panose="020F0302020204030204"/>
+        <a:ea typeface=""/>
+        <a:cs typeface=""/>
+        <a:font script="Jpan" typeface="游ゴシック Light"/>
+        <a:font script="Hang" typeface="맑은 고딕"/>
+        <a:font script="Hans" typeface="等线 Light"/>
+        <a:font script="Hant" typeface="新細明體"/>
+        <a:font script="Arab" typeface="Times New Roman"/>
+        <a:font script="Hebr" typeface="Times New Roman"/>
+        <a:font script="Thai" typeface="Angsana New"/>
+        <a:font script="Ethi" typeface="Nyala"/>
+        <a:font script="Beng" typeface="Vrinda"/>
+        <a:font script="Gujr" typeface="Shruti"/>
+        <a:font script="Khmr" typeface="MoolBoran"/>
+        <a:font script="Knda" typeface="Tunga"/>
+        <a:font script="Guru" typeface="Raavi"/>
+        <a:font script="Cans" typeface="Euphemia"/>
+        <a:font script="Cher" typeface="Plantagenet Cherokee"/>
+        <a:font script="Yiii" typeface="Microsoft Yi Baiti"/>
+        <a:font script="Tibt" typeface="Microsoft Himalaya"/>
+        <a:font script="Thaa" typeface="MV Boli"/>
+        <a:font script="Deva" typeface="Mangal"/>
+        <a:font script="Telu" typeface="Gautami"/>
+        <a:font script="Taml" typeface="Latha"/>
+        <a:font script="Syrc" typeface="Estrangelo Edessa"/>
+        <a:font script="Orya" typeface="Kalinga"/>
+        <a:font script="Mlym" typeface="Kartika"/>
+        <a:font script="Laoo" typeface="DokChampa"/>
+        <a:font script="Sinh" typeface="Iskoola Pota"/>
+        <a:font script="Mong" typeface="Mongolian Baiti"/>
+        <a:font script="Viet" typeface="Times New Roman"/>
+        <a:font script="Uigh" typeface="Microsoft Uighur"/>
+        <a:font script="Geor" typeface="Sylfaen"/>
+        <a:font script="Armn" typeface="Arial"/>
+        <a:font script="Bugi" typeface="Leelawadee UI"/>
+        <a:font script="Bopo" typeface="Microsoft JhengHei"/>
+        <a:font script="Java" typeface="Javanese Text"/>
+        <a:font script="Lisu" typeface="Segoe UI"/>
+        <a:font script="Mymr" typeface="Myanmar Text"/>
+        <a:font script="Nkoo" typeface="Ebrima"/>
+        <a:font script="Olck" typeface="Nirmala UI"/>
+        <a:font script="Osma" typeface="Ebrima"/>
+        <a:font script="Phag" typeface="Phagspa"/>
+        <a:font script="Syrn" typeface="Estrangelo Edessa"/>
+        <a:font script="Syrj" typeface="Estrangelo Edessa"/>
+        <a:font script="Syre" typeface="Estrangelo Edessa"/>
+        <a:font script="Sora" typeface="Nirmala UI"/>
+        <a:font script="Tale" typeface="Microsoft Tai Le"/>
+        <a:font script="Talu" typeface="Microsoft New Tai Lue"/>
+        <a:font script="Tfng" typeface="Ebrima"/>
+      </a:majorFont>
+      <a:minorFont>
+        <a:latin typeface="Calibri" panose="020F0502020204030204"/>
+        <a:ea typeface=""/>
+        <a:cs typeface=""/>
+        <a:font script="Jpan" typeface="游ゴシック"/>
+        <a:font script="Hang" typeface="맑은 고딕"/>
+        <a:font script="Hans" typeface="等线"/>
+        <a:font script="Hant" typeface="新細明體"/>
+        <a:font script="Arab" typeface="Arial"/>
+        <a:font script="Hebr" typeface="Arial"/>
+        <a:font script="Thai" typeface="Cordia New"/>
+        <a:font script="Ethi" typeface="Nyala"/>
+        <a:font script="Beng" typeface="Vrinda"/>
+        <a:font script="Gujr" typeface="Shruti"/>
+        <a:font script="Khmr" typeface="DaunPenh"/>
+        <a:font script="Knda" typeface="Tunga"/>
+        <a:font script="Guru" typeface="Raavi"/>
+        <a:font script="Cans" typeface="Euphemia"/>
+        <a:font script="Cher" typeface="Plantagenet Cherokee"/>
+        <a:font script="Yiii" typeface="Microsoft Yi Baiti"/>
+        <a:font script="Tibt" typeface="Microsoft Himalaya"/>
+        <a:font script="Thaa" typeface="MV Boli"/>
+        <a:font script="Deva" typeface="Mangal"/>
+        <a:font script="Telu" typeface="Gautami"/>
+        <a:font script="Taml" typeface="Latha"/>
+        <a:font script="Syrc" typeface="Estrangelo Edessa"/>
+        <a:font script="Orya" typeface="Kalinga"/>
+        <a:font script="Mlym" typeface="Kartika"/>
+        <a:font script="Laoo" typeface="DokChampa"/>
+        <a:font script="Sinh" typeface="Iskoola Pota"/>
+        <a:font script="Mong" typeface="Mongolian Baiti"/>
+        <a:font script="Viet" typeface="Arial"/>
+        <a:font script="Uigh" typeface="Microsoft Uighur"/>
+        <a:font script="Geor" typeface="Sylfaen"/>
+        <a:font script="Armn" typeface="Arial"/>
+        <a:font script="Bugi" typeface="Leelawadee UI"/>
+        <a:font script="Bopo" typeface="Microsoft JhengHei"/>
+        <a:font script="Java" typeface="Javanese Text"/>
+        <a:font script="Lisu" typeface="Segoe UI"/>
+        <a:font script="Mymr" typeface="Myanmar Text"/>
+        <a:font script="Nkoo" typeface="Ebrima"/>
+        <a:font script="Olck" typeface="Nirmala UI"/>
+        <a:font script="Osma" typeface="Ebrima"/>
+        <a:font script="Phag" typeface="Phagspa"/>
+        <a:font script="Syrn" typeface="Estrangelo Edessa"/>
+        <a:font script="Syrj" typeface="Estrangelo Edessa"/>
+        <a:font script="Syre" typeface="Estrangelo Edessa"/>
+        <a:font script="Sora" typeface="Nirmala UI"/>
+        <a:font script="Tale" typeface="Microsoft Tai Le"/>
+        <a:font script="Talu" typeface="Microsoft New Tai Lue"/>
+        <a:font script="Tfng" typeface="Ebrima"/>
+      </a:minorFont>
+    </a:fontScheme>
+    <a:fmtScheme name="Office">
+      <a:fillStyleLst>
+        <a:solidFill>
+          <a:schemeClr val="phClr"/>
+        </a:solidFill>
+        <a:gradFill rotWithShape="1">
+          <a:gsLst>
+            <a:gs pos="0">
+              <a:schemeClr val="phClr">
+                <a:lumMod val="110000"/>
+                <a:satMod val="105000"/>
+                <a:tint val="67000"/>
+              </a:schemeClr>
+            </a:gs>
+            <a:gs pos="50000">
+              <a:schemeClr val="phClr">
+                <a:lumMod val="105000"/>
+                <a:satMod val="103000"/>
+                <a:tint val="73000"/>
+              </a:schemeClr>
+            </a:gs>
+            <a:gs pos="100000">
+              <a:schemeClr val="phClr">
+                <a:lumMod val="105000"/>
+                <a:satMod val="109000"/>
+                <a:tint val="81000"/>
+              </a:schemeClr>
+            </a:gs>
+          </a:gsLst>
+          <a:lin ang="5400000" scaled="0"/>
+        </a:gradFill>
+        <a:gradFill rotWithShape="1">
+          <a:gsLst>
+            <a:gs pos="0">
+              <a:schemeClr val="phClr">
+                <a:satMod val="103000"/>
+                <a:lumMod val="102000"/>
+                <a:tint val="94000"/>
+              </a:schemeClr>
+            </a:gs>
+            <a:gs pos="50000">
+              <a:schemeClr val="phClr">
+                <a:satMod val="110000"/>
+                <a:lumMod val="100000"/>
+                <a:shade val="100000"/>
+              </a:schemeClr>
+            </a:gs>
+            <a:gs pos="100000">
+              <a:schemeClr val="phClr">
+                <a:lumMod val="99000"/>
+                <a:satMod val="120000"/>
+                <a:shade val="78000"/>
+              </a:schemeClr>
+            </a:gs>
+          </a:gsLst>
+          <a:lin ang="5400000" scaled="0"/>
+        </a:gradFill>
+      </a:fillStyleLst>
+      <a:lnStyleLst>
+        <a:ln w="6350" cap="flat" cmpd="sng" algn="ctr">
+          <a:solidFill>
+            <a:schemeClr val="phClr"/>
+          </a:solidFill>
+          <a:prstDash val="solid"/>
+          <a:miter lim="800000"/>
+        </a:ln>
+        <a:ln w="12700" cap="flat" cmpd="sng" algn="ctr">
+          <a:solidFill>
+            <a:schemeClr val="phClr"/>
+          </a:solidFill>
+          <a:prstDash val="solid"/>
+          <a:miter lim="800000"/>
+        </a:ln>
+        <a:ln w="19050" cap="flat" cmpd="sng" algn="ctr">
+          <a:solidFill>
+            <a:schemeClr val="phClr"/>
+          </a:solidFill>
+          <a:prstDash val="solid"/>
+          <a:miter lim="800000"/>
+        </a:ln>
+      </a:lnStyleLst>
+      <a:effectStyleLst>
+        <a:effectStyle>
+          <a:effectLst/>
+        </a:effectStyle>
+        <a:effectStyle>
+          <a:effectLst/>
+        </a:effectStyle>
+        <a:effectStyle>
+          <a:effectLst>
+            <a:outerShdw blurRad="57150" dist="19050" dir="5400000" algn="ctr" rotWithShape="0">
+              <a:srgbClr val="000000">
+                <a:alpha val="63000"/>
+              </a:srgbClr>
+            </a:outerShdw>
+          </a:effectLst>
+        </a:effectStyle>
+      </a:effectStyleLst>
+      <a:bgFillStyleLst>
+        <a:solidFill>
+          <a:schemeClr val="phClr"/>
+        </a:solidFill>
+        <a:solidFill>
+          <a:schemeClr val="phClr">
+            <a:tint val="95000"/>
+            <a:satMod val="170000"/>
+          </a:schemeClr>
+        </a:solidFill>
+        <a:gradFill rotWithShape="1">
+          <a:gsLst>
+            <a:gs pos="0">
+              <a:schemeClr val="phClr">
+                <a:tint val="93000"/>
+                <a:satMod val="150000"/>
+                <a:shade val="98000"/>
+                <a:lumMod val="102000"/>
+              </a:schemeClr>
+            </a:gs>
+            <a:gs pos="50000">
+              <a:schemeClr val="phClr">
+                <a:tint val="98000"/>
+                <a:satMod val="130000"/>
+                <a:shade val="90000"/>
+                <a:lumMod val="103000"/>
+              </a:schemeClr>
+            </a:gs>
+            <a:gs pos="100000">
+              <a:schemeClr val="phClr">
+                <a:shade val="63000"/>
+                <a:satMod val="120000"/>
+              </a:schemeClr>
+            </a:gs>
+          </a:gsLst>
+          <a:lin ang="5400000" scaled="0"/>
+        </a:gradFill>
+      </a:bgFillStyleLst>
+    </a:fmtScheme>
+  </a:themeElements>
+  <a:objectDefaults/>
+  <a:extraClrSchemeLst/>
+  <a:extLst>
+    <a:ext uri="{05A4C25C-085E-4340-85A3-A5531E510DB2}">
+      <thm15:themeFamily xmlns:thm15="http://schemas.microsoft.com/office/thememl/2012/main" name="Office Theme" id="{62F939B6-93AF-4DB8-9C6B-D6C7DFDC589F}" vid="{4A3C46E8-61CC-4603-A589-7422A47A8E4A}"/>
+    </a:ext>
+  </a:extLst>
+</a:theme>
 </file>